--- a/Hálózati Prezentáció.pptx
+++ b/Hálózati Prezentáció.pptx
@@ -5,7 +5,7 @@
     <p:sldMasterId id="2147483648" r:id="rId1"/>
   </p:sldMasterIdLst>
   <p:notesMasterIdLst>
-    <p:notesMasterId r:id="rId15"/>
+    <p:notesMasterId r:id="rId16"/>
   </p:notesMasterIdLst>
   <p:sldIdLst>
     <p:sldId id="256" r:id="rId2"/>
@@ -18,9 +18,10 @@
     <p:sldId id="265" r:id="rId9"/>
     <p:sldId id="268" r:id="rId10"/>
     <p:sldId id="260" r:id="rId11"/>
-    <p:sldId id="266" r:id="rId12"/>
-    <p:sldId id="267" r:id="rId13"/>
-    <p:sldId id="259" r:id="rId14"/>
+    <p:sldId id="269" r:id="rId12"/>
+    <p:sldId id="266" r:id="rId13"/>
+    <p:sldId id="267" r:id="rId14"/>
+    <p:sldId id="259" r:id="rId15"/>
   </p:sldIdLst>
   <p:sldSz cx="12192000" cy="6858000"/>
   <p:notesSz cx="6858000" cy="9144000"/>
@@ -5085,7 +5086,7 @@
         </p:nvSpPr>
         <p:spPr>
           <a:xfrm>
-            <a:off x="88900" y="-119205"/>
+            <a:off x="838200" y="174625"/>
             <a:ext cx="10515600" cy="1325563"/>
           </a:xfrm>
         </p:spPr>
@@ -5093,19 +5094,165 @@
           <a:bodyPr/>
           <a:lstStyle/>
           <a:p>
+            <a:pPr algn="ctr"/>
             <a:r>
               <a:rPr lang="hu-HU" u="sng" dirty="0"/>
-              <a:t>Költségvetési kalkuláció</a:t>
+              <a:t>Hálózatbiztonság</a:t>
+            </a:r>
+          </a:p>
+        </p:txBody>
+      </p:sp>
+      <p:sp>
+        <p:nvSpPr>
+          <p:cNvPr id="6" name="Tartalom helye 5">
+            <a:extLst>
+              <a:ext uri="{FF2B5EF4-FFF2-40B4-BE49-F238E27FC236}">
+                <a16:creationId xmlns:a16="http://schemas.microsoft.com/office/drawing/2014/main" id="{9E80218B-7E4E-472A-AD29-8BEA22AE402F}"/>
+              </a:ext>
+            </a:extLst>
+          </p:cNvPr>
+          <p:cNvSpPr>
+            <a:spLocks noGrp="1"/>
+          </p:cNvSpPr>
+          <p:nvPr>
+            <p:ph idx="1"/>
+          </p:nvPr>
+        </p:nvSpPr>
+        <p:spPr/>
+        <p:txBody>
+          <a:bodyPr/>
+          <a:lstStyle/>
+          <a:p>
+            <a:pPr>
+              <a:spcBef>
+                <a:spcPts val="1200"/>
+              </a:spcBef>
+              <a:spcAft>
+                <a:spcPts val="600"/>
+              </a:spcAft>
+            </a:pPr>
+            <a:r>
+              <a:rPr lang="hu-HU" dirty="0"/>
+              <a:t>Telnet helyett SSH a biztonságosabb elérés érdekében</a:t>
+            </a:r>
+          </a:p>
+          <a:p>
+            <a:pPr>
+              <a:spcBef>
+                <a:spcPts val="1200"/>
+              </a:spcBef>
+              <a:spcAft>
+                <a:spcPts val="600"/>
+              </a:spcAft>
+            </a:pPr>
+            <a:r>
+              <a:rPr lang="hu-HU" dirty="0"/>
+              <a:t>A </a:t>
+            </a:r>
+            <a:r>
+              <a:rPr lang="hu-HU" dirty="0" err="1"/>
+              <a:t>portbiztonság</a:t>
+            </a:r>
+            <a:r>
+              <a:rPr lang="hu-HU" dirty="0"/>
+              <a:t> érdekében MAC-cím szűrést alkalmaztunk </a:t>
+            </a:r>
+          </a:p>
+          <a:p>
+            <a:pPr>
+              <a:spcBef>
+                <a:spcPts val="1200"/>
+              </a:spcBef>
+              <a:spcAft>
+                <a:spcPts val="600"/>
+              </a:spcAft>
+            </a:pPr>
+            <a:r>
+              <a:rPr lang="hu-HU" dirty="0"/>
+              <a:t>Titkosított jelszavakkal védtük az eszközöket</a:t>
+            </a:r>
+          </a:p>
+          <a:p>
+            <a:pPr>
+              <a:spcBef>
+                <a:spcPts val="1200"/>
+              </a:spcBef>
+              <a:spcAft>
+                <a:spcPts val="600"/>
+              </a:spcAft>
+            </a:pPr>
+            <a:r>
+              <a:rPr lang="hu-HU" dirty="0"/>
+              <a:t>Létrehoztunk egy AAA szervert a biztonság miatt</a:t>
+            </a:r>
+          </a:p>
+        </p:txBody>
+      </p:sp>
+      <p:sp>
+        <p:nvSpPr>
+          <p:cNvPr id="4" name="Téglalap: lekerekített 3">
+            <a:extLst>
+              <a:ext uri="{FF2B5EF4-FFF2-40B4-BE49-F238E27FC236}">
+                <a16:creationId xmlns:a16="http://schemas.microsoft.com/office/drawing/2014/main" id="{433C4D1F-788D-9F3E-FB33-08D413C09266}"/>
+              </a:ext>
+            </a:extLst>
+          </p:cNvPr>
+          <p:cNvSpPr/>
+          <p:nvPr/>
+        </p:nvSpPr>
+        <p:spPr>
+          <a:xfrm>
+            <a:off x="-4658246" y="717248"/>
+            <a:ext cx="3048000" cy="553064"/>
+          </a:xfrm>
+          <a:prstGeom prst="roundRect">
+            <a:avLst/>
+          </a:prstGeom>
+          <a:solidFill>
+            <a:schemeClr val="accent6">
+              <a:lumMod val="75000"/>
+            </a:schemeClr>
+          </a:solidFill>
+          <a:ln>
+            <a:noFill/>
+          </a:ln>
+        </p:spPr>
+        <p:style>
+          <a:lnRef idx="2">
+            <a:schemeClr val="accent1">
+              <a:shade val="15000"/>
+            </a:schemeClr>
+          </a:lnRef>
+          <a:fillRef idx="1">
+            <a:schemeClr val="accent1"/>
+          </a:fillRef>
+          <a:effectRef idx="0">
+            <a:schemeClr val="accent1"/>
+          </a:effectRef>
+          <a:fontRef idx="minor">
+            <a:schemeClr val="lt1"/>
+          </a:fontRef>
+        </p:style>
+        <p:txBody>
+          <a:bodyPr rtlCol="0" anchor="ctr"/>
+          <a:lstStyle/>
+          <a:p>
+            <a:pPr algn="ctr"/>
+            <a:r>
+              <a:rPr lang="hu-HU" sz="3200" dirty="0">
+                <a:latin typeface="Bodoni MT" panose="02070603080606020203" pitchFamily="18" charset="0"/>
+              </a:rPr>
+              <a:t>TFTP szerver</a:t>
             </a:r>
           </a:p>
         </p:txBody>
       </p:sp>
       <p:pic>
         <p:nvPicPr>
-          <p:cNvPr id="5" name="Kép 4">
-            <a:extLst>
-              <a:ext uri="{FF2B5EF4-FFF2-40B4-BE49-F238E27FC236}">
-                <a16:creationId xmlns:a16="http://schemas.microsoft.com/office/drawing/2014/main" id="{6759F4A8-DBAA-6AE9-0F7F-D4A27C77346C}"/>
+          <p:cNvPr id="9" name="Kép 8">
+            <a:extLst>
+              <a:ext uri="{FF2B5EF4-FFF2-40B4-BE49-F238E27FC236}">
+                <a16:creationId xmlns:a16="http://schemas.microsoft.com/office/drawing/2014/main" id="{A0755822-A6C1-4705-5A2B-731CCDB4BA68}"/>
               </a:ext>
             </a:extLst>
           </p:cNvPr>
@@ -5122,8 +5269,8 @@
         </p:blipFill>
         <p:spPr>
           <a:xfrm>
-            <a:off x="88900" y="986790"/>
-            <a:ext cx="6065113" cy="5756910"/>
+            <a:off x="-9634754" y="993781"/>
+            <a:ext cx="5631739" cy="5711820"/>
           </a:xfrm>
           <a:prstGeom prst="rect">
             <a:avLst/>
@@ -5132,10 +5279,10 @@
       </p:pic>
       <p:pic>
         <p:nvPicPr>
-          <p:cNvPr id="9" name="Kép 8">
-            <a:extLst>
-              <a:ext uri="{FF2B5EF4-FFF2-40B4-BE49-F238E27FC236}">
-                <a16:creationId xmlns:a16="http://schemas.microsoft.com/office/drawing/2014/main" id="{8BF64BCF-E7A6-2088-EEBC-6BCE01483877}"/>
+          <p:cNvPr id="11" name="Kép 10">
+            <a:extLst>
+              <a:ext uri="{FF2B5EF4-FFF2-40B4-BE49-F238E27FC236}">
+                <a16:creationId xmlns:a16="http://schemas.microsoft.com/office/drawing/2014/main" id="{2A4A201B-1F68-0D16-9EA2-288976FBD36D}"/>
               </a:ext>
             </a:extLst>
           </p:cNvPr>
@@ -5152,8 +5299,8 @@
         </p:blipFill>
         <p:spPr>
           <a:xfrm>
-            <a:off x="6311901" y="986790"/>
-            <a:ext cx="6065114" cy="4433176"/>
+            <a:off x="-14461585" y="1122839"/>
+            <a:ext cx="6065113" cy="5756910"/>
           </a:xfrm>
           <a:prstGeom prst="rect">
             <a:avLst/>
@@ -5162,10 +5309,10 @@
       </p:pic>
       <p:pic>
         <p:nvPicPr>
-          <p:cNvPr id="10" name="Kép 9">
-            <a:extLst>
-              <a:ext uri="{FF2B5EF4-FFF2-40B4-BE49-F238E27FC236}">
-                <a16:creationId xmlns:a16="http://schemas.microsoft.com/office/drawing/2014/main" id="{B5F3507C-415C-2AEE-95A7-C8A8321F6301}"/>
+          <p:cNvPr id="12" name="Kép 11">
+            <a:extLst>
+              <a:ext uri="{FF2B5EF4-FFF2-40B4-BE49-F238E27FC236}">
+                <a16:creationId xmlns:a16="http://schemas.microsoft.com/office/drawing/2014/main" id="{5EC6045E-7DF4-BC0C-0CEF-90273A1F169F}"/>
               </a:ext>
             </a:extLst>
           </p:cNvPr>
@@ -5182,189 +5329,8 @@
         </p:blipFill>
         <p:spPr>
           <a:xfrm>
-            <a:off x="-8107797" y="1494140"/>
-            <a:ext cx="5012843" cy="2168026"/>
-          </a:xfrm>
-          <a:prstGeom prst="rect">
-            <a:avLst/>
-          </a:prstGeom>
-        </p:spPr>
-      </p:pic>
-      <p:sp>
-        <p:nvSpPr>
-          <p:cNvPr id="11" name="Szövegdoboz 10">
-            <a:extLst>
-              <a:ext uri="{FF2B5EF4-FFF2-40B4-BE49-F238E27FC236}">
-                <a16:creationId xmlns:a16="http://schemas.microsoft.com/office/drawing/2014/main" id="{F40E3E84-5E58-ABAC-4F16-0213A15A0712}"/>
-              </a:ext>
-            </a:extLst>
-          </p:cNvPr>
-          <p:cNvSpPr txBox="1"/>
-          <p:nvPr/>
-        </p:nvSpPr>
-        <p:spPr>
-          <a:xfrm>
-            <a:off x="-8350683" y="1206358"/>
-            <a:ext cx="3839897" cy="378822"/>
-          </a:xfrm>
-          <a:prstGeom prst="rect">
-            <a:avLst/>
-          </a:prstGeom>
-          <a:noFill/>
-        </p:spPr>
-        <p:txBody>
-          <a:bodyPr wrap="none" rtlCol="0">
-            <a:spAutoFit/>
-          </a:bodyPr>
-          <a:lstStyle/>
-          <a:p>
-            <a:pPr>
-              <a:lnSpc>
-                <a:spcPct val="107000"/>
-              </a:lnSpc>
-              <a:spcBef>
-                <a:spcPts val="200"/>
-              </a:spcBef>
-            </a:pPr>
-            <a:r>
-              <a:rPr lang="hu-HU" sz="1800" b="1" dirty="0">
-                <a:effectLst/>
-                <a:latin typeface="Bodoni MT" panose="02070603080606020203" pitchFamily="18" charset="0"/>
-              </a:rPr>
-              <a:t>PC17 </a:t>
-            </a:r>
-            <a:r>
-              <a:rPr lang="hu-HU" sz="1800" b="1" dirty="0" err="1">
-                <a:effectLst/>
-                <a:latin typeface="Bodoni MT" panose="02070603080606020203" pitchFamily="18" charset="0"/>
-              </a:rPr>
-              <a:t>pingelése</a:t>
-            </a:r>
-            <a:r>
-              <a:rPr lang="hu-HU" sz="1800" b="1" dirty="0">
-                <a:effectLst/>
-                <a:latin typeface="Bodoni MT" panose="02070603080606020203" pitchFamily="18" charset="0"/>
-              </a:rPr>
-              <a:t> PC7-r</a:t>
-            </a:r>
-            <a:r>
-              <a:rPr lang="hu-HU" sz="1800" b="1" dirty="0">
-                <a:effectLst/>
-                <a:latin typeface="Calibri" panose="020F0502020204030204" pitchFamily="34" charset="0"/>
-              </a:rPr>
-              <a:t>ő</a:t>
-            </a:r>
-            <a:r>
-              <a:rPr lang="hu-HU" sz="1800" b="1" dirty="0">
-                <a:effectLst/>
-                <a:latin typeface="Bodoni MT" panose="02070603080606020203" pitchFamily="18" charset="0"/>
-              </a:rPr>
-              <a:t>l (192.168.3.10)</a:t>
-            </a:r>
-            <a:endParaRPr lang="hu-HU" sz="1800" b="1" dirty="0">
-              <a:effectLst/>
-              <a:latin typeface="Calibri" panose="020F0502020204030204" pitchFamily="34" charset="0"/>
-            </a:endParaRPr>
-          </a:p>
-        </p:txBody>
-      </p:sp>
-      <p:sp>
-        <p:nvSpPr>
-          <p:cNvPr id="12" name="Szövegdoboz 11">
-            <a:extLst>
-              <a:ext uri="{FF2B5EF4-FFF2-40B4-BE49-F238E27FC236}">
-                <a16:creationId xmlns:a16="http://schemas.microsoft.com/office/drawing/2014/main" id="{BBE19E2F-8E4C-C67F-1231-C595BD3E36D2}"/>
-              </a:ext>
-            </a:extLst>
-          </p:cNvPr>
-          <p:cNvSpPr txBox="1"/>
-          <p:nvPr/>
-        </p:nvSpPr>
-        <p:spPr>
-          <a:xfrm>
-            <a:off x="-8350683" y="4019209"/>
-            <a:ext cx="3839897" cy="646331"/>
-          </a:xfrm>
-          <a:prstGeom prst="rect">
-            <a:avLst/>
-          </a:prstGeom>
-          <a:noFill/>
-        </p:spPr>
-        <p:txBody>
-          <a:bodyPr wrap="none" rtlCol="0">
-            <a:spAutoFit/>
-          </a:bodyPr>
-          <a:lstStyle/>
-          <a:p>
-            <a:r>
-              <a:rPr lang="hu-HU" sz="1800" b="1" dirty="0">
-                <a:effectLst/>
-                <a:latin typeface="Bodoni MT" panose="02070603080606020203" pitchFamily="18" charset="0"/>
-              </a:rPr>
-              <a:t>PC12 </a:t>
-            </a:r>
-            <a:r>
-              <a:rPr lang="hu-HU" sz="1800" b="1" dirty="0" err="1">
-                <a:effectLst/>
-                <a:latin typeface="Bodoni MT" panose="02070603080606020203" pitchFamily="18" charset="0"/>
-              </a:rPr>
-              <a:t>pingelése</a:t>
-            </a:r>
-            <a:r>
-              <a:rPr lang="hu-HU" sz="1800" b="1" dirty="0">
-                <a:effectLst/>
-                <a:latin typeface="Bodoni MT" panose="02070603080606020203" pitchFamily="18" charset="0"/>
-              </a:rPr>
-              <a:t> PC2-r</a:t>
-            </a:r>
-            <a:r>
-              <a:rPr lang="hu-HU" sz="1800" b="1" dirty="0">
-                <a:effectLst/>
-                <a:latin typeface="Calibri" panose="020F0502020204030204" pitchFamily="34" charset="0"/>
-              </a:rPr>
-              <a:t>ő</a:t>
-            </a:r>
-            <a:r>
-              <a:rPr lang="hu-HU" sz="1800" b="1" dirty="0">
-                <a:effectLst/>
-                <a:latin typeface="Bodoni MT" panose="02070603080606020203" pitchFamily="18" charset="0"/>
-              </a:rPr>
-              <a:t>l (192.168.3.5)</a:t>
-            </a:r>
-            <a:endParaRPr lang="hu-HU" sz="1800" b="1" dirty="0">
-              <a:effectLst/>
-              <a:latin typeface="Calibri" panose="020F0502020204030204" pitchFamily="34" charset="0"/>
-            </a:endParaRPr>
-          </a:p>
-          <a:p>
-            <a:endParaRPr lang="hu-HU" dirty="0"/>
-          </a:p>
-        </p:txBody>
-      </p:sp>
-      <p:pic>
-        <p:nvPicPr>
-          <p:cNvPr id="13" name="Kép 12">
-            <a:extLst>
-              <a:ext uri="{FF2B5EF4-FFF2-40B4-BE49-F238E27FC236}">
-                <a16:creationId xmlns:a16="http://schemas.microsoft.com/office/drawing/2014/main" id="{A2AE1FDE-17E9-8702-32FF-437204BB8912}"/>
-              </a:ext>
-            </a:extLst>
-          </p:cNvPr>
-          <p:cNvPicPr>
-            <a:picLocks noChangeAspect="1"/>
-          </p:cNvPicPr>
-          <p:nvPr/>
-        </p:nvPicPr>
-        <p:blipFill>
-          <a:blip r:embed="rId5"/>
-          <a:stretch>
-            <a:fillRect/>
-          </a:stretch>
-        </p:blipFill>
-        <p:spPr>
-          <a:xfrm>
-            <a:off x="-8107797" y="4316909"/>
-            <a:ext cx="5012843" cy="2206113"/>
+            <a:off x="19491382" y="986790"/>
+            <a:ext cx="6065114" cy="4433176"/>
           </a:xfrm>
           <a:prstGeom prst="rect">
             <a:avLst/>
@@ -5374,7 +5340,7 @@
     </p:spTree>
     <p:extLst>
       <p:ext uri="{BB962C8B-B14F-4D97-AF65-F5344CB8AC3E}">
-        <p14:creationId xmlns:p14="http://schemas.microsoft.com/office/powerpoint/2010/main" val="2245206941"/>
+        <p14:creationId xmlns:p14="http://schemas.microsoft.com/office/powerpoint/2010/main" val="2926505301"/>
       </p:ext>
     </p:extLst>
   </p:cSld>
@@ -5477,11 +5443,7 @@
           <a:lstStyle/>
           <a:p>
             <a:pPr algn="ctr"/>
-            <a:endParaRPr lang="hu-HU" dirty="0">
-              <a:solidFill>
-                <a:schemeClr val="tx1"/>
-              </a:solidFill>
-            </a:endParaRPr>
+            <a:endParaRPr lang="hu-HU"/>
           </a:p>
         </p:txBody>
       </p:sp>
@@ -5503,7 +5465,7 @@
         </p:nvSpPr>
         <p:spPr>
           <a:xfrm>
-            <a:off x="838200" y="174625"/>
+            <a:off x="88900" y="-119205"/>
             <a:ext cx="10515600" cy="1325563"/>
           </a:xfrm>
         </p:spPr>
@@ -5511,10 +5473,9 @@
           <a:bodyPr/>
           <a:lstStyle/>
           <a:p>
-            <a:pPr algn="ctr"/>
             <a:r>
               <a:rPr lang="hu-HU" u="sng" dirty="0"/>
-              <a:t>Hálózat működése</a:t>
+              <a:t>Költségvetési kalkuláció</a:t>
             </a:r>
           </a:p>
         </p:txBody>
@@ -5524,7 +5485,7 @@
           <p:cNvPr id="5" name="Kép 4">
             <a:extLst>
               <a:ext uri="{FF2B5EF4-FFF2-40B4-BE49-F238E27FC236}">
-                <a16:creationId xmlns:a16="http://schemas.microsoft.com/office/drawing/2014/main" id="{37601C85-8537-45B7-7FCB-E8433D54ED7F}"/>
+                <a16:creationId xmlns:a16="http://schemas.microsoft.com/office/drawing/2014/main" id="{6759F4A8-DBAA-6AE9-0F7F-D4A27C77346C}"/>
               </a:ext>
             </a:extLst>
           </p:cNvPr>
@@ -5541,171 +5502,20 @@
         </p:blipFill>
         <p:spPr>
           <a:xfrm>
-            <a:off x="661986" y="1598559"/>
-            <a:ext cx="5012843" cy="2168026"/>
+            <a:off x="88900" y="986790"/>
+            <a:ext cx="6065113" cy="5756910"/>
           </a:xfrm>
           <a:prstGeom prst="rect">
             <a:avLst/>
           </a:prstGeom>
         </p:spPr>
       </p:pic>
-      <p:sp>
-        <p:nvSpPr>
-          <p:cNvPr id="8" name="Szövegdoboz 7">
-            <a:extLst>
-              <a:ext uri="{FF2B5EF4-FFF2-40B4-BE49-F238E27FC236}">
-                <a16:creationId xmlns:a16="http://schemas.microsoft.com/office/drawing/2014/main" id="{FBA6D594-76F7-15CD-93B6-0CAE86CE19C6}"/>
-              </a:ext>
-            </a:extLst>
-          </p:cNvPr>
-          <p:cNvSpPr txBox="1"/>
-          <p:nvPr/>
-        </p:nvSpPr>
-        <p:spPr>
-          <a:xfrm>
-            <a:off x="419100" y="1310777"/>
-            <a:ext cx="3839897" cy="378822"/>
-          </a:xfrm>
-          <a:prstGeom prst="rect">
-            <a:avLst/>
-          </a:prstGeom>
-          <a:noFill/>
-        </p:spPr>
-        <p:txBody>
-          <a:bodyPr wrap="none" rtlCol="0">
-            <a:spAutoFit/>
-          </a:bodyPr>
-          <a:lstStyle/>
-          <a:p>
-            <a:pPr>
-              <a:lnSpc>
-                <a:spcPct val="107000"/>
-              </a:lnSpc>
-              <a:spcBef>
-                <a:spcPts val="200"/>
-              </a:spcBef>
-            </a:pPr>
-            <a:r>
-              <a:rPr lang="hu-HU" sz="1800" b="1" dirty="0">
-                <a:effectLst/>
-                <a:latin typeface="Bodoni MT" panose="02070603080606020203" pitchFamily="18" charset="0"/>
-              </a:rPr>
-              <a:t>PC17 </a:t>
-            </a:r>
-            <a:r>
-              <a:rPr lang="hu-HU" sz="1800" b="1" dirty="0" err="1">
-                <a:effectLst/>
-                <a:latin typeface="Bodoni MT" panose="02070603080606020203" pitchFamily="18" charset="0"/>
-              </a:rPr>
-              <a:t>pingelése</a:t>
-            </a:r>
-            <a:r>
-              <a:rPr lang="hu-HU" sz="1800" b="1" dirty="0">
-                <a:effectLst/>
-                <a:latin typeface="Bodoni MT" panose="02070603080606020203" pitchFamily="18" charset="0"/>
-              </a:rPr>
-              <a:t> PC7-r</a:t>
-            </a:r>
-            <a:r>
-              <a:rPr lang="hu-HU" sz="1800" b="1" dirty="0">
-                <a:effectLst/>
-                <a:latin typeface="Calibri" panose="020F0502020204030204" pitchFamily="34" charset="0"/>
-              </a:rPr>
-              <a:t>ő</a:t>
-            </a:r>
-            <a:r>
-              <a:rPr lang="hu-HU" sz="1800" b="1" dirty="0">
-                <a:effectLst/>
-                <a:latin typeface="Bodoni MT" panose="02070603080606020203" pitchFamily="18" charset="0"/>
-              </a:rPr>
-              <a:t>l (192.168.3.10)</a:t>
-            </a:r>
-            <a:endParaRPr lang="hu-HU" sz="1800" b="1" dirty="0">
-              <a:effectLst/>
-              <a:latin typeface="Calibri" panose="020F0502020204030204" pitchFamily="34" charset="0"/>
-            </a:endParaRPr>
-          </a:p>
-        </p:txBody>
-      </p:sp>
-      <p:sp>
-        <p:nvSpPr>
-          <p:cNvPr id="9" name="Szövegdoboz 8">
-            <a:extLst>
-              <a:ext uri="{FF2B5EF4-FFF2-40B4-BE49-F238E27FC236}">
-                <a16:creationId xmlns:a16="http://schemas.microsoft.com/office/drawing/2014/main" id="{2E3F783A-679B-09EB-6C57-DA4C4881AA52}"/>
-              </a:ext>
-            </a:extLst>
-          </p:cNvPr>
-          <p:cNvSpPr txBox="1"/>
-          <p:nvPr/>
-        </p:nvSpPr>
-        <p:spPr>
-          <a:xfrm>
-            <a:off x="419100" y="3955996"/>
-            <a:ext cx="3839897" cy="646331"/>
-          </a:xfrm>
-          <a:prstGeom prst="rect">
-            <a:avLst/>
-          </a:prstGeom>
-          <a:noFill/>
-        </p:spPr>
-        <p:txBody>
-          <a:bodyPr wrap="none" rtlCol="0">
-            <a:spAutoFit/>
-          </a:bodyPr>
-          <a:lstStyle/>
-          <a:p>
-            <a:r>
-              <a:rPr lang="hu-HU" sz="1800" b="1" dirty="0">
-                <a:effectLst/>
-                <a:latin typeface="Bodoni MT" panose="02070603080606020203" pitchFamily="18" charset="0"/>
-              </a:rPr>
-              <a:t>PC12 </a:t>
-            </a:r>
-            <a:r>
-              <a:rPr lang="hu-HU" sz="1800" b="1" dirty="0" err="1">
-                <a:effectLst/>
-                <a:latin typeface="Bodoni MT" panose="02070603080606020203" pitchFamily="18" charset="0"/>
-              </a:rPr>
-              <a:t>pingelése</a:t>
-            </a:r>
-            <a:r>
-              <a:rPr lang="hu-HU" sz="1800" b="1" dirty="0">
-                <a:effectLst/>
-                <a:latin typeface="Bodoni MT" panose="02070603080606020203" pitchFamily="18" charset="0"/>
-              </a:rPr>
-              <a:t> PC2-r</a:t>
-            </a:r>
-            <a:r>
-              <a:rPr lang="hu-HU" sz="1800" b="1" dirty="0">
-                <a:effectLst/>
-                <a:latin typeface="Calibri" panose="020F0502020204030204" pitchFamily="34" charset="0"/>
-              </a:rPr>
-              <a:t>ő</a:t>
-            </a:r>
-            <a:r>
-              <a:rPr lang="hu-HU" sz="1800" b="1" dirty="0">
-                <a:effectLst/>
-                <a:latin typeface="Bodoni MT" panose="02070603080606020203" pitchFamily="18" charset="0"/>
-              </a:rPr>
-              <a:t>l (192.168.3.5)</a:t>
-            </a:r>
-            <a:endParaRPr lang="hu-HU" sz="1800" b="1" dirty="0">
-              <a:effectLst/>
-              <a:latin typeface="Calibri" panose="020F0502020204030204" pitchFamily="34" charset="0"/>
-            </a:endParaRPr>
-          </a:p>
-          <a:p>
-            <a:endParaRPr lang="hu-HU" dirty="0"/>
-          </a:p>
-        </p:txBody>
-      </p:sp>
       <p:pic>
         <p:nvPicPr>
-          <p:cNvPr id="10" name="Kép 9">
-            <a:extLst>
-              <a:ext uri="{FF2B5EF4-FFF2-40B4-BE49-F238E27FC236}">
-                <a16:creationId xmlns:a16="http://schemas.microsoft.com/office/drawing/2014/main" id="{8C4A9969-6448-14E1-EA6D-5EE570E009F9}"/>
+          <p:cNvPr id="9" name="Kép 8">
+            <a:extLst>
+              <a:ext uri="{FF2B5EF4-FFF2-40B4-BE49-F238E27FC236}">
+                <a16:creationId xmlns:a16="http://schemas.microsoft.com/office/drawing/2014/main" id="{8BF64BCF-E7A6-2088-EEBC-6BCE01483877}"/>
               </a:ext>
             </a:extLst>
           </p:cNvPr>
@@ -5722,8 +5532,8 @@
         </p:blipFill>
         <p:spPr>
           <a:xfrm>
-            <a:off x="661986" y="4253696"/>
-            <a:ext cx="5012843" cy="2206113"/>
+            <a:off x="6311901" y="986790"/>
+            <a:ext cx="6065114" cy="4433176"/>
           </a:xfrm>
           <a:prstGeom prst="rect">
             <a:avLst/>
@@ -5732,10 +5542,10 @@
       </p:pic>
       <p:pic>
         <p:nvPicPr>
-          <p:cNvPr id="11" name="Kép 10">
-            <a:extLst>
-              <a:ext uri="{FF2B5EF4-FFF2-40B4-BE49-F238E27FC236}">
-                <a16:creationId xmlns:a16="http://schemas.microsoft.com/office/drawing/2014/main" id="{9BAC15B8-C905-D2DD-BDC2-789DD552DBF7}"/>
+          <p:cNvPr id="10" name="Kép 9">
+            <a:extLst>
+              <a:ext uri="{FF2B5EF4-FFF2-40B4-BE49-F238E27FC236}">
+                <a16:creationId xmlns:a16="http://schemas.microsoft.com/office/drawing/2014/main" id="{B5F3507C-415C-2AEE-95A7-C8A8321F6301}"/>
               </a:ext>
             </a:extLst>
           </p:cNvPr>
@@ -5752,20 +5562,171 @@
         </p:blipFill>
         <p:spPr>
           <a:xfrm>
-            <a:off x="15220745" y="986790"/>
-            <a:ext cx="6065113" cy="5756910"/>
+            <a:off x="-8107797" y="1494140"/>
+            <a:ext cx="5012843" cy="2168026"/>
           </a:xfrm>
           <a:prstGeom prst="rect">
             <a:avLst/>
           </a:prstGeom>
         </p:spPr>
       </p:pic>
+      <p:sp>
+        <p:nvSpPr>
+          <p:cNvPr id="11" name="Szövegdoboz 10">
+            <a:extLst>
+              <a:ext uri="{FF2B5EF4-FFF2-40B4-BE49-F238E27FC236}">
+                <a16:creationId xmlns:a16="http://schemas.microsoft.com/office/drawing/2014/main" id="{F40E3E84-5E58-ABAC-4F16-0213A15A0712}"/>
+              </a:ext>
+            </a:extLst>
+          </p:cNvPr>
+          <p:cNvSpPr txBox="1"/>
+          <p:nvPr/>
+        </p:nvSpPr>
+        <p:spPr>
+          <a:xfrm>
+            <a:off x="-8350683" y="1206358"/>
+            <a:ext cx="3839897" cy="378822"/>
+          </a:xfrm>
+          <a:prstGeom prst="rect">
+            <a:avLst/>
+          </a:prstGeom>
+          <a:noFill/>
+        </p:spPr>
+        <p:txBody>
+          <a:bodyPr wrap="none" rtlCol="0">
+            <a:spAutoFit/>
+          </a:bodyPr>
+          <a:lstStyle/>
+          <a:p>
+            <a:pPr>
+              <a:lnSpc>
+                <a:spcPct val="107000"/>
+              </a:lnSpc>
+              <a:spcBef>
+                <a:spcPts val="200"/>
+              </a:spcBef>
+            </a:pPr>
+            <a:r>
+              <a:rPr lang="hu-HU" sz="1800" b="1" dirty="0">
+                <a:effectLst/>
+                <a:latin typeface="Bodoni MT" panose="02070603080606020203" pitchFamily="18" charset="0"/>
+              </a:rPr>
+              <a:t>PC17 </a:t>
+            </a:r>
+            <a:r>
+              <a:rPr lang="hu-HU" sz="1800" b="1" dirty="0" err="1">
+                <a:effectLst/>
+                <a:latin typeface="Bodoni MT" panose="02070603080606020203" pitchFamily="18" charset="0"/>
+              </a:rPr>
+              <a:t>pingelése</a:t>
+            </a:r>
+            <a:r>
+              <a:rPr lang="hu-HU" sz="1800" b="1" dirty="0">
+                <a:effectLst/>
+                <a:latin typeface="Bodoni MT" panose="02070603080606020203" pitchFamily="18" charset="0"/>
+              </a:rPr>
+              <a:t> PC7-r</a:t>
+            </a:r>
+            <a:r>
+              <a:rPr lang="hu-HU" sz="1800" b="1" dirty="0">
+                <a:effectLst/>
+                <a:latin typeface="Calibri" panose="020F0502020204030204" pitchFamily="34" charset="0"/>
+              </a:rPr>
+              <a:t>ő</a:t>
+            </a:r>
+            <a:r>
+              <a:rPr lang="hu-HU" sz="1800" b="1" dirty="0">
+                <a:effectLst/>
+                <a:latin typeface="Bodoni MT" panose="02070603080606020203" pitchFamily="18" charset="0"/>
+              </a:rPr>
+              <a:t>l (192.168.3.10)</a:t>
+            </a:r>
+            <a:endParaRPr lang="hu-HU" sz="1800" b="1" dirty="0">
+              <a:effectLst/>
+              <a:latin typeface="Calibri" panose="020F0502020204030204" pitchFamily="34" charset="0"/>
+            </a:endParaRPr>
+          </a:p>
+        </p:txBody>
+      </p:sp>
+      <p:sp>
+        <p:nvSpPr>
+          <p:cNvPr id="12" name="Szövegdoboz 11">
+            <a:extLst>
+              <a:ext uri="{FF2B5EF4-FFF2-40B4-BE49-F238E27FC236}">
+                <a16:creationId xmlns:a16="http://schemas.microsoft.com/office/drawing/2014/main" id="{BBE19E2F-8E4C-C67F-1231-C595BD3E36D2}"/>
+              </a:ext>
+            </a:extLst>
+          </p:cNvPr>
+          <p:cNvSpPr txBox="1"/>
+          <p:nvPr/>
+        </p:nvSpPr>
+        <p:spPr>
+          <a:xfrm>
+            <a:off x="-8350683" y="4019209"/>
+            <a:ext cx="3839897" cy="646331"/>
+          </a:xfrm>
+          <a:prstGeom prst="rect">
+            <a:avLst/>
+          </a:prstGeom>
+          <a:noFill/>
+        </p:spPr>
+        <p:txBody>
+          <a:bodyPr wrap="none" rtlCol="0">
+            <a:spAutoFit/>
+          </a:bodyPr>
+          <a:lstStyle/>
+          <a:p>
+            <a:r>
+              <a:rPr lang="hu-HU" sz="1800" b="1" dirty="0">
+                <a:effectLst/>
+                <a:latin typeface="Bodoni MT" panose="02070603080606020203" pitchFamily="18" charset="0"/>
+              </a:rPr>
+              <a:t>PC12 </a:t>
+            </a:r>
+            <a:r>
+              <a:rPr lang="hu-HU" sz="1800" b="1" dirty="0" err="1">
+                <a:effectLst/>
+                <a:latin typeface="Bodoni MT" panose="02070603080606020203" pitchFamily="18" charset="0"/>
+              </a:rPr>
+              <a:t>pingelése</a:t>
+            </a:r>
+            <a:r>
+              <a:rPr lang="hu-HU" sz="1800" b="1" dirty="0">
+                <a:effectLst/>
+                <a:latin typeface="Bodoni MT" panose="02070603080606020203" pitchFamily="18" charset="0"/>
+              </a:rPr>
+              <a:t> PC2-r</a:t>
+            </a:r>
+            <a:r>
+              <a:rPr lang="hu-HU" sz="1800" b="1" dirty="0">
+                <a:effectLst/>
+                <a:latin typeface="Calibri" panose="020F0502020204030204" pitchFamily="34" charset="0"/>
+              </a:rPr>
+              <a:t>ő</a:t>
+            </a:r>
+            <a:r>
+              <a:rPr lang="hu-HU" sz="1800" b="1" dirty="0">
+                <a:effectLst/>
+                <a:latin typeface="Bodoni MT" panose="02070603080606020203" pitchFamily="18" charset="0"/>
+              </a:rPr>
+              <a:t>l (192.168.3.5)</a:t>
+            </a:r>
+            <a:endParaRPr lang="hu-HU" sz="1800" b="1" dirty="0">
+              <a:effectLst/>
+              <a:latin typeface="Calibri" panose="020F0502020204030204" pitchFamily="34" charset="0"/>
+            </a:endParaRPr>
+          </a:p>
+          <a:p>
+            <a:endParaRPr lang="hu-HU" dirty="0"/>
+          </a:p>
+        </p:txBody>
+      </p:sp>
       <p:pic>
         <p:nvPicPr>
-          <p:cNvPr id="12" name="Kép 11">
-            <a:extLst>
-              <a:ext uri="{FF2B5EF4-FFF2-40B4-BE49-F238E27FC236}">
-                <a16:creationId xmlns:a16="http://schemas.microsoft.com/office/drawing/2014/main" id="{5A9F5AA1-788A-9A9D-54B7-156379F91363}"/>
+          <p:cNvPr id="13" name="Kép 12">
+            <a:extLst>
+              <a:ext uri="{FF2B5EF4-FFF2-40B4-BE49-F238E27FC236}">
+                <a16:creationId xmlns:a16="http://schemas.microsoft.com/office/drawing/2014/main" id="{A2AE1FDE-17E9-8702-32FF-437204BB8912}"/>
               </a:ext>
             </a:extLst>
           </p:cNvPr>
@@ -5782,8 +5743,533 @@
         </p:blipFill>
         <p:spPr>
           <a:xfrm>
+            <a:off x="-8107797" y="4316909"/>
+            <a:ext cx="5012843" cy="2206113"/>
+          </a:xfrm>
+          <a:prstGeom prst="rect">
+            <a:avLst/>
+          </a:prstGeom>
+        </p:spPr>
+      </p:pic>
+    </p:spTree>
+    <p:extLst>
+      <p:ext uri="{BB962C8B-B14F-4D97-AF65-F5344CB8AC3E}">
+        <p14:creationId xmlns:p14="http://schemas.microsoft.com/office/powerpoint/2010/main" val="2245206941"/>
+      </p:ext>
+    </p:extLst>
+  </p:cSld>
+  <p:clrMapOvr>
+    <a:masterClrMapping/>
+  </p:clrMapOvr>
+  <mc:AlternateContent xmlns:mc="http://schemas.openxmlformats.org/markup-compatibility/2006" xmlns:p159="http://schemas.microsoft.com/office/powerpoint/2015/09/main">
+    <mc:Choice Requires="p159">
+      <p:transition xmlns:p14="http://schemas.microsoft.com/office/powerpoint/2010/main" spd="slow" p14:dur="2000">
+        <p159:morph option="byObject"/>
+      </p:transition>
+    </mc:Choice>
+    <mc:Fallback xmlns="">
+      <p:transition spd="slow">
+        <p:fade/>
+      </p:transition>
+    </mc:Fallback>
+  </mc:AlternateContent>
+</p:sld>
+</file>
+
+<file path=ppt/slides/slide13.xml><?xml version="1.0" encoding="utf-8"?>
+<p:sld xmlns:a="http://schemas.openxmlformats.org/drawingml/2006/main" xmlns:r="http://schemas.openxmlformats.org/officeDocument/2006/relationships" xmlns:p="http://schemas.openxmlformats.org/presentationml/2006/main">
+  <p:cSld>
+    <p:bg>
+      <p:bgPr>
+        <a:solidFill>
+          <a:schemeClr val="accent6">
+            <a:lumMod val="20000"/>
+            <a:lumOff val="80000"/>
+          </a:schemeClr>
+        </a:solidFill>
+        <a:effectLst/>
+      </p:bgPr>
+    </p:bg>
+    <p:spTree>
+      <p:nvGrpSpPr>
+        <p:cNvPr id="1" name=""/>
+        <p:cNvGrpSpPr/>
+        <p:nvPr/>
+      </p:nvGrpSpPr>
+      <p:grpSpPr>
+        <a:xfrm>
+          <a:off x="0" y="0"/>
+          <a:ext cx="0" cy="0"/>
+          <a:chOff x="0" y="0"/>
+          <a:chExt cx="0" cy="0"/>
+        </a:xfrm>
+      </p:grpSpPr>
+      <p:sp>
+        <p:nvSpPr>
+          <p:cNvPr id="7" name="Téglalap: lekerekített 6">
+            <a:extLst>
+              <a:ext uri="{FF2B5EF4-FFF2-40B4-BE49-F238E27FC236}">
+                <a16:creationId xmlns:a16="http://schemas.microsoft.com/office/drawing/2014/main" id="{302EDCE5-9CB2-4459-B8BF-48CF291DC962}"/>
+              </a:ext>
+            </a:extLst>
+          </p:cNvPr>
+          <p:cNvSpPr/>
+          <p:nvPr/>
+        </p:nvSpPr>
+        <p:spPr>
+          <a:xfrm>
+            <a:off x="-1322439" y="-1442731"/>
+            <a:ext cx="14836877" cy="8996516"/>
+          </a:xfrm>
+          <a:prstGeom prst="roundRect">
+            <a:avLst/>
+          </a:prstGeom>
+          <a:solidFill>
+            <a:schemeClr val="accent6">
+              <a:lumMod val="40000"/>
+              <a:lumOff val="60000"/>
+            </a:schemeClr>
+          </a:solidFill>
+          <a:ln>
+            <a:solidFill>
+              <a:srgbClr val="C5E0B4"/>
+            </a:solidFill>
+          </a:ln>
+        </p:spPr>
+        <p:style>
+          <a:lnRef idx="2">
+            <a:schemeClr val="accent1">
+              <a:shade val="50000"/>
+            </a:schemeClr>
+          </a:lnRef>
+          <a:fillRef idx="1">
+            <a:schemeClr val="accent1"/>
+          </a:fillRef>
+          <a:effectRef idx="0">
+            <a:schemeClr val="accent1"/>
+          </a:effectRef>
+          <a:fontRef idx="minor">
+            <a:schemeClr val="lt1"/>
+          </a:fontRef>
+        </p:style>
+        <p:txBody>
+          <a:bodyPr rtlCol="0" anchor="ctr"/>
+          <a:lstStyle/>
+          <a:p>
+            <a:pPr algn="ctr"/>
+            <a:endParaRPr lang="hu-HU" dirty="0">
+              <a:solidFill>
+                <a:schemeClr val="tx1"/>
+              </a:solidFill>
+            </a:endParaRPr>
+          </a:p>
+        </p:txBody>
+      </p:sp>
+      <p:sp>
+        <p:nvSpPr>
+          <p:cNvPr id="2" name="Cím 1">
+            <a:extLst>
+              <a:ext uri="{FF2B5EF4-FFF2-40B4-BE49-F238E27FC236}">
+                <a16:creationId xmlns:a16="http://schemas.microsoft.com/office/drawing/2014/main" id="{02282DF4-002C-412E-A4FB-0F663EF5CBE2}"/>
+              </a:ext>
+            </a:extLst>
+          </p:cNvPr>
+          <p:cNvSpPr>
+            <a:spLocks noGrp="1"/>
+          </p:cNvSpPr>
+          <p:nvPr>
+            <p:ph type="title"/>
+          </p:nvPr>
+        </p:nvSpPr>
+        <p:spPr>
+          <a:xfrm>
+            <a:off x="838200" y="174625"/>
+            <a:ext cx="10515600" cy="1325563"/>
+          </a:xfrm>
+        </p:spPr>
+        <p:txBody>
+          <a:bodyPr/>
+          <a:lstStyle/>
+          <a:p>
+            <a:pPr algn="ctr"/>
+            <a:r>
+              <a:rPr lang="hu-HU" u="sng" dirty="0"/>
+              <a:t>Hálózat működése</a:t>
+            </a:r>
+          </a:p>
+        </p:txBody>
+      </p:sp>
+      <p:pic>
+        <p:nvPicPr>
+          <p:cNvPr id="5" name="Kép 4">
+            <a:extLst>
+              <a:ext uri="{FF2B5EF4-FFF2-40B4-BE49-F238E27FC236}">
+                <a16:creationId xmlns:a16="http://schemas.microsoft.com/office/drawing/2014/main" id="{37601C85-8537-45B7-7FCB-E8433D54ED7F}"/>
+              </a:ext>
+            </a:extLst>
+          </p:cNvPr>
+          <p:cNvPicPr>
+            <a:picLocks noChangeAspect="1"/>
+          </p:cNvPicPr>
+          <p:nvPr/>
+        </p:nvPicPr>
+        <p:blipFill>
+          <a:blip r:embed="rId2"/>
+          <a:stretch>
+            <a:fillRect/>
+          </a:stretch>
+        </p:blipFill>
+        <p:spPr>
+          <a:xfrm>
+            <a:off x="661986" y="1598559"/>
+            <a:ext cx="5012843" cy="2168026"/>
+          </a:xfrm>
+          <a:prstGeom prst="rect">
+            <a:avLst/>
+          </a:prstGeom>
+        </p:spPr>
+      </p:pic>
+      <p:sp>
+        <p:nvSpPr>
+          <p:cNvPr id="8" name="Szövegdoboz 7">
+            <a:extLst>
+              <a:ext uri="{FF2B5EF4-FFF2-40B4-BE49-F238E27FC236}">
+                <a16:creationId xmlns:a16="http://schemas.microsoft.com/office/drawing/2014/main" id="{FBA6D594-76F7-15CD-93B6-0CAE86CE19C6}"/>
+              </a:ext>
+            </a:extLst>
+          </p:cNvPr>
+          <p:cNvSpPr txBox="1"/>
+          <p:nvPr/>
+        </p:nvSpPr>
+        <p:spPr>
+          <a:xfrm>
+            <a:off x="419100" y="1310777"/>
+            <a:ext cx="3839897" cy="378822"/>
+          </a:xfrm>
+          <a:prstGeom prst="rect">
+            <a:avLst/>
+          </a:prstGeom>
+          <a:noFill/>
+        </p:spPr>
+        <p:txBody>
+          <a:bodyPr wrap="none" rtlCol="0">
+            <a:spAutoFit/>
+          </a:bodyPr>
+          <a:lstStyle/>
+          <a:p>
+            <a:pPr>
+              <a:lnSpc>
+                <a:spcPct val="107000"/>
+              </a:lnSpc>
+              <a:spcBef>
+                <a:spcPts val="200"/>
+              </a:spcBef>
+            </a:pPr>
+            <a:r>
+              <a:rPr lang="hu-HU" sz="1800" b="1" dirty="0">
+                <a:effectLst/>
+                <a:latin typeface="Bodoni MT" panose="02070603080606020203" pitchFamily="18" charset="0"/>
+              </a:rPr>
+              <a:t>PC17 </a:t>
+            </a:r>
+            <a:r>
+              <a:rPr lang="hu-HU" sz="1800" b="1" dirty="0" err="1">
+                <a:effectLst/>
+                <a:latin typeface="Bodoni MT" panose="02070603080606020203" pitchFamily="18" charset="0"/>
+              </a:rPr>
+              <a:t>pingelése</a:t>
+            </a:r>
+            <a:r>
+              <a:rPr lang="hu-HU" sz="1800" b="1" dirty="0">
+                <a:effectLst/>
+                <a:latin typeface="Bodoni MT" panose="02070603080606020203" pitchFamily="18" charset="0"/>
+              </a:rPr>
+              <a:t> PC7-r</a:t>
+            </a:r>
+            <a:r>
+              <a:rPr lang="hu-HU" sz="1800" b="1" dirty="0">
+                <a:effectLst/>
+                <a:latin typeface="Calibri" panose="020F0502020204030204" pitchFamily="34" charset="0"/>
+              </a:rPr>
+              <a:t>ő</a:t>
+            </a:r>
+            <a:r>
+              <a:rPr lang="hu-HU" sz="1800" b="1" dirty="0">
+                <a:effectLst/>
+                <a:latin typeface="Bodoni MT" panose="02070603080606020203" pitchFamily="18" charset="0"/>
+              </a:rPr>
+              <a:t>l (192.168.3.10)</a:t>
+            </a:r>
+            <a:endParaRPr lang="hu-HU" sz="1800" b="1" dirty="0">
+              <a:effectLst/>
+              <a:latin typeface="Calibri" panose="020F0502020204030204" pitchFamily="34" charset="0"/>
+            </a:endParaRPr>
+          </a:p>
+        </p:txBody>
+      </p:sp>
+      <p:sp>
+        <p:nvSpPr>
+          <p:cNvPr id="9" name="Szövegdoboz 8">
+            <a:extLst>
+              <a:ext uri="{FF2B5EF4-FFF2-40B4-BE49-F238E27FC236}">
+                <a16:creationId xmlns:a16="http://schemas.microsoft.com/office/drawing/2014/main" id="{2E3F783A-679B-09EB-6C57-DA4C4881AA52}"/>
+              </a:ext>
+            </a:extLst>
+          </p:cNvPr>
+          <p:cNvSpPr txBox="1"/>
+          <p:nvPr/>
+        </p:nvSpPr>
+        <p:spPr>
+          <a:xfrm>
+            <a:off x="419100" y="3955996"/>
+            <a:ext cx="3839897" cy="646331"/>
+          </a:xfrm>
+          <a:prstGeom prst="rect">
+            <a:avLst/>
+          </a:prstGeom>
+          <a:noFill/>
+        </p:spPr>
+        <p:txBody>
+          <a:bodyPr wrap="none" rtlCol="0">
+            <a:spAutoFit/>
+          </a:bodyPr>
+          <a:lstStyle/>
+          <a:p>
+            <a:r>
+              <a:rPr lang="hu-HU" sz="1800" b="1" dirty="0">
+                <a:effectLst/>
+                <a:latin typeface="Bodoni MT" panose="02070603080606020203" pitchFamily="18" charset="0"/>
+              </a:rPr>
+              <a:t>PC12 </a:t>
+            </a:r>
+            <a:r>
+              <a:rPr lang="hu-HU" sz="1800" b="1" dirty="0" err="1">
+                <a:effectLst/>
+                <a:latin typeface="Bodoni MT" panose="02070603080606020203" pitchFamily="18" charset="0"/>
+              </a:rPr>
+              <a:t>pingelése</a:t>
+            </a:r>
+            <a:r>
+              <a:rPr lang="hu-HU" sz="1800" b="1" dirty="0">
+                <a:effectLst/>
+                <a:latin typeface="Bodoni MT" panose="02070603080606020203" pitchFamily="18" charset="0"/>
+              </a:rPr>
+              <a:t> PC2-r</a:t>
+            </a:r>
+            <a:r>
+              <a:rPr lang="hu-HU" sz="1800" b="1" dirty="0">
+                <a:effectLst/>
+                <a:latin typeface="Calibri" panose="020F0502020204030204" pitchFamily="34" charset="0"/>
+              </a:rPr>
+              <a:t>ő</a:t>
+            </a:r>
+            <a:r>
+              <a:rPr lang="hu-HU" sz="1800" b="1" dirty="0">
+                <a:effectLst/>
+                <a:latin typeface="Bodoni MT" panose="02070603080606020203" pitchFamily="18" charset="0"/>
+              </a:rPr>
+              <a:t>l (192.168.3.5)</a:t>
+            </a:r>
+            <a:endParaRPr lang="hu-HU" sz="1800" b="1" dirty="0">
+              <a:effectLst/>
+              <a:latin typeface="Calibri" panose="020F0502020204030204" pitchFamily="34" charset="0"/>
+            </a:endParaRPr>
+          </a:p>
+          <a:p>
+            <a:endParaRPr lang="hu-HU" dirty="0"/>
+          </a:p>
+        </p:txBody>
+      </p:sp>
+      <p:pic>
+        <p:nvPicPr>
+          <p:cNvPr id="10" name="Kép 9">
+            <a:extLst>
+              <a:ext uri="{FF2B5EF4-FFF2-40B4-BE49-F238E27FC236}">
+                <a16:creationId xmlns:a16="http://schemas.microsoft.com/office/drawing/2014/main" id="{8C4A9969-6448-14E1-EA6D-5EE570E009F9}"/>
+              </a:ext>
+            </a:extLst>
+          </p:cNvPr>
+          <p:cNvPicPr>
+            <a:picLocks noChangeAspect="1"/>
+          </p:cNvPicPr>
+          <p:nvPr/>
+        </p:nvPicPr>
+        <p:blipFill>
+          <a:blip r:embed="rId3"/>
+          <a:stretch>
+            <a:fillRect/>
+          </a:stretch>
+        </p:blipFill>
+        <p:spPr>
+          <a:xfrm>
+            <a:off x="661986" y="4253696"/>
+            <a:ext cx="5012843" cy="2206113"/>
+          </a:xfrm>
+          <a:prstGeom prst="rect">
+            <a:avLst/>
+          </a:prstGeom>
+        </p:spPr>
+      </p:pic>
+      <p:pic>
+        <p:nvPicPr>
+          <p:cNvPr id="11" name="Kép 10">
+            <a:extLst>
+              <a:ext uri="{FF2B5EF4-FFF2-40B4-BE49-F238E27FC236}">
+                <a16:creationId xmlns:a16="http://schemas.microsoft.com/office/drawing/2014/main" id="{9BAC15B8-C905-D2DD-BDC2-789DD552DBF7}"/>
+              </a:ext>
+            </a:extLst>
+          </p:cNvPr>
+          <p:cNvPicPr>
+            <a:picLocks noChangeAspect="1"/>
+          </p:cNvPicPr>
+          <p:nvPr/>
+        </p:nvPicPr>
+        <p:blipFill>
+          <a:blip r:embed="rId4"/>
+          <a:stretch>
+            <a:fillRect/>
+          </a:stretch>
+        </p:blipFill>
+        <p:spPr>
+          <a:xfrm>
+            <a:off x="15220745" y="986790"/>
+            <a:ext cx="6065113" cy="5756910"/>
+          </a:xfrm>
+          <a:prstGeom prst="rect">
+            <a:avLst/>
+          </a:prstGeom>
+        </p:spPr>
+      </p:pic>
+      <p:pic>
+        <p:nvPicPr>
+          <p:cNvPr id="12" name="Kép 11">
+            <a:extLst>
+              <a:ext uri="{FF2B5EF4-FFF2-40B4-BE49-F238E27FC236}">
+                <a16:creationId xmlns:a16="http://schemas.microsoft.com/office/drawing/2014/main" id="{5A9F5AA1-788A-9A9D-54B7-156379F91363}"/>
+              </a:ext>
+            </a:extLst>
+          </p:cNvPr>
+          <p:cNvPicPr>
+            <a:picLocks noChangeAspect="1"/>
+          </p:cNvPicPr>
+          <p:nvPr/>
+        </p:nvPicPr>
+        <p:blipFill>
+          <a:blip r:embed="rId5"/>
+          <a:stretch>
+            <a:fillRect/>
+          </a:stretch>
+        </p:blipFill>
+        <p:spPr>
+          <a:xfrm>
             <a:off x="21443746" y="986790"/>
             <a:ext cx="6065114" cy="4433176"/>
+          </a:xfrm>
+          <a:prstGeom prst="rect">
+            <a:avLst/>
+          </a:prstGeom>
+        </p:spPr>
+      </p:pic>
+      <p:sp>
+        <p:nvSpPr>
+          <p:cNvPr id="3" name="Szövegdoboz 2">
+            <a:extLst>
+              <a:ext uri="{FF2B5EF4-FFF2-40B4-BE49-F238E27FC236}">
+                <a16:creationId xmlns:a16="http://schemas.microsoft.com/office/drawing/2014/main" id="{C0467890-A372-5F0D-EFB7-35206EAF3D84}"/>
+              </a:ext>
+            </a:extLst>
+          </p:cNvPr>
+          <p:cNvSpPr txBox="1"/>
+          <p:nvPr/>
+        </p:nvSpPr>
+        <p:spPr>
+          <a:xfrm>
+            <a:off x="5853822" y="1310777"/>
+            <a:ext cx="3823483" cy="378822"/>
+          </a:xfrm>
+          <a:prstGeom prst="rect">
+            <a:avLst/>
+          </a:prstGeom>
+          <a:noFill/>
+        </p:spPr>
+        <p:txBody>
+          <a:bodyPr wrap="none" rtlCol="0">
+            <a:spAutoFit/>
+          </a:bodyPr>
+          <a:lstStyle/>
+          <a:p>
+            <a:pPr>
+              <a:lnSpc>
+                <a:spcPct val="107000"/>
+              </a:lnSpc>
+              <a:spcBef>
+                <a:spcPts val="200"/>
+              </a:spcBef>
+            </a:pPr>
+            <a:r>
+              <a:rPr lang="hu-HU" sz="1800" b="1" dirty="0">
+                <a:effectLst/>
+                <a:latin typeface="Bodoni MT" panose="02070603080606020203" pitchFamily="18" charset="0"/>
+              </a:rPr>
+              <a:t>A-SW1 </a:t>
+            </a:r>
+            <a:r>
+              <a:rPr lang="hu-HU" b="1" dirty="0">
+                <a:latin typeface="Bodoni MT" panose="02070603080606020203" pitchFamily="18" charset="0"/>
+              </a:rPr>
+              <a:t>elérése</a:t>
+            </a:r>
+            <a:r>
+              <a:rPr lang="hu-HU" sz="1800" b="1" dirty="0">
+                <a:effectLst/>
+                <a:latin typeface="Bodoni MT" panose="02070603080606020203" pitchFamily="18" charset="0"/>
+              </a:rPr>
+              <a:t> PC13-r</a:t>
+            </a:r>
+            <a:r>
+              <a:rPr lang="hu-HU" b="1" dirty="0">
+                <a:latin typeface="Calibri" panose="020F0502020204030204" pitchFamily="34" charset="0"/>
+              </a:rPr>
+              <a:t>ó</a:t>
+            </a:r>
+            <a:r>
+              <a:rPr lang="hu-HU" sz="1800" b="1" dirty="0">
+                <a:effectLst/>
+                <a:latin typeface="Bodoni MT" panose="02070603080606020203" pitchFamily="18" charset="0"/>
+              </a:rPr>
+              <a:t>l (192.168.1.2)</a:t>
+            </a:r>
+            <a:endParaRPr lang="hu-HU" sz="1800" b="1" dirty="0">
+              <a:effectLst/>
+              <a:latin typeface="Calibri" panose="020F0502020204030204" pitchFamily="34" charset="0"/>
+            </a:endParaRPr>
+          </a:p>
+        </p:txBody>
+      </p:sp>
+      <p:pic>
+        <p:nvPicPr>
+          <p:cNvPr id="14" name="Kép 13">
+            <a:extLst>
+              <a:ext uri="{FF2B5EF4-FFF2-40B4-BE49-F238E27FC236}">
+                <a16:creationId xmlns:a16="http://schemas.microsoft.com/office/drawing/2014/main" id="{2C2C0954-D165-4A80-DC4A-9DFD475B61F4}"/>
+              </a:ext>
+            </a:extLst>
+          </p:cNvPr>
+          <p:cNvPicPr>
+            <a:picLocks noChangeAspect="1"/>
+          </p:cNvPicPr>
+          <p:nvPr/>
+        </p:nvPicPr>
+        <p:blipFill>
+          <a:blip r:embed="rId6"/>
+          <a:stretch>
+            <a:fillRect/>
+          </a:stretch>
+        </p:blipFill>
+        <p:spPr>
+          <a:xfrm>
+            <a:off x="5965304" y="1689599"/>
+            <a:ext cx="5299777" cy="3730367"/>
           </a:xfrm>
           <a:prstGeom prst="rect">
             <a:avLst/>
@@ -5800,13 +6286,13 @@
   <p:clrMapOvr>
     <a:masterClrMapping/>
   </p:clrMapOvr>
-  <mc:AlternateContent xmlns:mc="http://schemas.openxmlformats.org/markup-compatibility/2006">
-    <mc:Choice xmlns:p159="http://schemas.microsoft.com/office/powerpoint/2015/09/main" Requires="p159">
+  <mc:AlternateContent xmlns:mc="http://schemas.openxmlformats.org/markup-compatibility/2006" xmlns:p159="http://schemas.microsoft.com/office/powerpoint/2015/09/main">
+    <mc:Choice Requires="p159">
       <p:transition xmlns:p14="http://schemas.microsoft.com/office/powerpoint/2010/main" spd="slow" p14:dur="2000">
         <p159:morph option="byObject"/>
       </p:transition>
     </mc:Choice>
-    <mc:Fallback>
+    <mc:Fallback xmlns="">
       <p:transition spd="slow">
         <p:fade/>
       </p:transition>
@@ -5815,7 +6301,7 @@
 </p:sld>
 </file>
 
-<file path=ppt/slides/slide13.xml><?xml version="1.0" encoding="utf-8"?>
+<file path=ppt/slides/slide14.xml><?xml version="1.0" encoding="utf-8"?>
 <p:sld xmlns:a="http://schemas.openxmlformats.org/drawingml/2006/main" xmlns:r="http://schemas.openxmlformats.org/officeDocument/2006/relationships" xmlns:p="http://schemas.openxmlformats.org/presentationml/2006/main">
   <p:cSld>
     <p:bg>
@@ -6898,13 +7384,13 @@
   <p:clrMapOvr>
     <a:masterClrMapping/>
   </p:clrMapOvr>
-  <mc:AlternateContent xmlns:mc="http://schemas.openxmlformats.org/markup-compatibility/2006">
-    <mc:Choice xmlns:p159="http://schemas.microsoft.com/office/powerpoint/2015/09/main" Requires="p159">
+  <mc:AlternateContent xmlns:mc="http://schemas.openxmlformats.org/markup-compatibility/2006" xmlns:p159="http://schemas.microsoft.com/office/powerpoint/2015/09/main">
+    <mc:Choice Requires="p159">
       <p:transition xmlns:p14="http://schemas.microsoft.com/office/powerpoint/2010/main" spd="slow" p14:dur="2000">
         <p159:morph option="byObject"/>
       </p:transition>
     </mc:Choice>
-    <mc:Fallback>
+    <mc:Fallback xmlns="">
       <p:transition spd="slow">
         <p:fade/>
       </p:transition>
@@ -7219,13 +7705,13 @@
   <p:clrMapOvr>
     <a:masterClrMapping/>
   </p:clrMapOvr>
-  <mc:AlternateContent xmlns:mc="http://schemas.openxmlformats.org/markup-compatibility/2006">
-    <mc:Choice xmlns:p159="http://schemas.microsoft.com/office/powerpoint/2015/09/main" Requires="p159">
+  <mc:AlternateContent xmlns:mc="http://schemas.openxmlformats.org/markup-compatibility/2006" xmlns:p159="http://schemas.microsoft.com/office/powerpoint/2015/09/main">
+    <mc:Choice Requires="p159">
       <p:transition xmlns:p14="http://schemas.microsoft.com/office/powerpoint/2010/main" spd="slow" p14:dur="2000">
         <p159:morph option="byObject"/>
       </p:transition>
     </mc:Choice>
-    <mc:Fallback>
+    <mc:Fallback xmlns="">
       <p:transition spd="slow">
         <p:fade/>
       </p:transition>
@@ -7541,20 +8027,15 @@
               <a:buChar char="•"/>
             </a:pPr>
             <a:r>
-              <a:rPr lang="hu-HU" dirty="0" err="1"/>
-              <a:t>Asd</a:t>
-            </a:r>
-            <a:endParaRPr lang="hu-HU" dirty="0"/>
+              <a:rPr lang="hu-HU" dirty="0"/>
+              <a:t>RIP</a:t>
+            </a:r>
           </a:p>
           <a:p>
             <a:pPr marL="285750" indent="-285750">
               <a:buFont typeface="Arial" panose="020B0604020202020204" pitchFamily="34" charset="0"/>
               <a:buChar char="•"/>
             </a:pPr>
-            <a:r>
-              <a:rPr lang="hu-HU" dirty="0" err="1"/>
-              <a:t>Asd</a:t>
-            </a:r>
             <a:endParaRPr lang="hu-HU" dirty="0"/>
           </a:p>
           <a:p>
@@ -7562,10 +8043,6 @@
               <a:buFont typeface="Arial" panose="020B0604020202020204" pitchFamily="34" charset="0"/>
               <a:buChar char="•"/>
             </a:pPr>
-            <a:r>
-              <a:rPr lang="hu-HU" dirty="0" err="1"/>
-              <a:t>asd</a:t>
-            </a:r>
             <a:endParaRPr lang="hu-HU" dirty="0"/>
           </a:p>
         </p:txBody>
@@ -8115,7 +8592,7 @@
           <a:bodyPr/>
           <a:lstStyle/>
           <a:p>
-            <a:endParaRPr lang="hu-HU"/>
+            <a:endParaRPr lang="hu-HU" dirty="0"/>
           </a:p>
         </p:txBody>
       </p:sp>
@@ -8234,13 +8711,13 @@
   <p:clrMapOvr>
     <a:masterClrMapping/>
   </p:clrMapOvr>
-  <mc:AlternateContent xmlns:mc="http://schemas.openxmlformats.org/markup-compatibility/2006">
-    <mc:Choice xmlns:p159="http://schemas.microsoft.com/office/powerpoint/2015/09/main" Requires="p159">
+  <mc:AlternateContent xmlns:mc="http://schemas.openxmlformats.org/markup-compatibility/2006" xmlns:p159="http://schemas.microsoft.com/office/powerpoint/2015/09/main">
+    <mc:Choice Requires="p159">
       <p:transition xmlns:p14="http://schemas.microsoft.com/office/powerpoint/2010/main" spd="slow" p14:dur="2000">
         <p159:morph option="byObject"/>
       </p:transition>
     </mc:Choice>
-    <mc:Fallback>
+    <mc:Fallback xmlns="">
       <p:transition spd="slow">
         <p:fade/>
       </p:transition>
@@ -8698,13 +9175,13 @@
   <p:clrMapOvr>
     <a:masterClrMapping/>
   </p:clrMapOvr>
-  <mc:AlternateContent xmlns:mc="http://schemas.openxmlformats.org/markup-compatibility/2006">
-    <mc:Choice xmlns:p159="http://schemas.microsoft.com/office/powerpoint/2015/09/main" Requires="p159">
+  <mc:AlternateContent xmlns:mc="http://schemas.openxmlformats.org/markup-compatibility/2006" xmlns:p159="http://schemas.microsoft.com/office/powerpoint/2015/09/main">
+    <mc:Choice Requires="p159">
       <p:transition xmlns:p14="http://schemas.microsoft.com/office/powerpoint/2010/main" spd="slow" p14:dur="2000">
         <p159:morph option="byObject"/>
       </p:transition>
     </mc:Choice>
-    <mc:Fallback>
+    <mc:Fallback xmlns="">
       <p:transition spd="slow">
         <p:fade/>
       </p:transition>
@@ -8972,7 +9449,7 @@
         </p:blipFill>
         <p:spPr>
           <a:xfrm>
-            <a:off x="6398090" y="993781"/>
+            <a:off x="3399469" y="993780"/>
             <a:ext cx="5631739" cy="5711820"/>
           </a:xfrm>
           <a:prstGeom prst="rect">
@@ -8980,70 +9457,6 @@
           </a:prstGeom>
         </p:spPr>
       </p:pic>
-      <p:sp>
-        <p:nvSpPr>
-          <p:cNvPr id="13" name="Szövegdoboz 12">
-            <a:extLst>
-              <a:ext uri="{FF2B5EF4-FFF2-40B4-BE49-F238E27FC236}">
-                <a16:creationId xmlns:a16="http://schemas.microsoft.com/office/drawing/2014/main" id="{9861EEEE-C02A-EF69-0218-465584D4DE42}"/>
-              </a:ext>
-            </a:extLst>
-          </p:cNvPr>
-          <p:cNvSpPr txBox="1"/>
-          <p:nvPr/>
-        </p:nvSpPr>
-        <p:spPr>
-          <a:xfrm>
-            <a:off x="1074057" y="1749370"/>
-            <a:ext cx="2249077" cy="1477328"/>
-          </a:xfrm>
-          <a:prstGeom prst="rect">
-            <a:avLst/>
-          </a:prstGeom>
-          <a:noFill/>
-        </p:spPr>
-        <p:txBody>
-          <a:bodyPr wrap="none" rtlCol="0">
-            <a:spAutoFit/>
-          </a:bodyPr>
-          <a:lstStyle/>
-          <a:p>
-            <a:r>
-              <a:rPr lang="hu-HU" dirty="0" err="1"/>
-              <a:t>Assdfjfjf</a:t>
-            </a:r>
-            <a:endParaRPr lang="hu-HU" dirty="0"/>
-          </a:p>
-          <a:p>
-            <a:r>
-              <a:rPr lang="hu-HU" dirty="0" err="1"/>
-              <a:t>Asdjhfjfh</a:t>
-            </a:r>
-            <a:endParaRPr lang="hu-HU" dirty="0"/>
-          </a:p>
-          <a:p>
-            <a:r>
-              <a:rPr lang="hu-HU" dirty="0" err="1"/>
-              <a:t>As</a:t>
-            </a:r>
-            <a:endParaRPr lang="hu-HU" dirty="0"/>
-          </a:p>
-          <a:p>
-            <a:r>
-              <a:rPr lang="hu-HU" dirty="0" err="1"/>
-              <a:t>Csdfjfj</a:t>
-            </a:r>
-            <a:endParaRPr lang="hu-HU" dirty="0"/>
-          </a:p>
-          <a:p>
-            <a:r>
-              <a:rPr lang="hu-HU" dirty="0" err="1"/>
-              <a:t>sfdgtrhztrhthtgttztrgtr</a:t>
-            </a:r>
-            <a:endParaRPr lang="hu-HU" dirty="0"/>
-          </a:p>
-        </p:txBody>
-      </p:sp>
       <p:sp>
         <p:nvSpPr>
           <p:cNvPr id="15" name="Téglalap: lekerekített 14">
@@ -9214,31 +9627,6 @@
           </a:ln>
         </p:spPr>
       </p:pic>
-      <p:sp>
-        <p:nvSpPr>
-          <p:cNvPr id="23" name="Tartalom helye 22">
-            <a:extLst>
-              <a:ext uri="{FF2B5EF4-FFF2-40B4-BE49-F238E27FC236}">
-                <a16:creationId xmlns:a16="http://schemas.microsoft.com/office/drawing/2014/main" id="{67D33C1F-0AA7-BBFC-0211-CB043AB2A95A}"/>
-              </a:ext>
-            </a:extLst>
-          </p:cNvPr>
-          <p:cNvSpPr>
-            <a:spLocks noGrp="1"/>
-          </p:cNvSpPr>
-          <p:nvPr>
-            <p:ph idx="1"/>
-          </p:nvPr>
-        </p:nvSpPr>
-        <p:spPr/>
-        <p:txBody>
-          <a:bodyPr/>
-          <a:lstStyle/>
-          <a:p>
-            <a:endParaRPr lang="hu-HU" dirty="0"/>
-          </a:p>
-        </p:txBody>
-      </p:sp>
     </p:spTree>
     <p:extLst>
       <p:ext uri="{BB962C8B-B14F-4D97-AF65-F5344CB8AC3E}">
@@ -9249,13 +9637,13 @@
   <p:clrMapOvr>
     <a:masterClrMapping/>
   </p:clrMapOvr>
-  <mc:AlternateContent xmlns:mc="http://schemas.openxmlformats.org/markup-compatibility/2006">
-    <mc:Choice xmlns:p159="http://schemas.microsoft.com/office/powerpoint/2015/09/main" Requires="p159">
+  <mc:AlternateContent xmlns:mc="http://schemas.openxmlformats.org/markup-compatibility/2006" xmlns:p159="http://schemas.microsoft.com/office/powerpoint/2015/09/main">
+    <mc:Choice Requires="p159">
       <p:transition xmlns:p14="http://schemas.microsoft.com/office/powerpoint/2010/main" spd="slow" p14:dur="2000">
         <p159:morph option="byObject"/>
       </p:transition>
     </mc:Choice>
-    <mc:Fallback>
+    <mc:Fallback xmlns="">
       <p:transition spd="slow">
         <p:fade/>
       </p:transition>

--- a/Hálózati Prezentáció.pptx
+++ b/Hálózati Prezentáció.pptx
@@ -4648,7 +4648,7 @@
           <a:lstStyle/>
           <a:p>
             <a:pPr algn="ctr"/>
-            <a:endParaRPr lang="hu-HU"/>
+            <a:endParaRPr lang="hu-HU" dirty="0"/>
           </a:p>
         </p:txBody>
       </p:sp>
@@ -4686,129 +4686,35 @@
           </a:p>
         </p:txBody>
       </p:sp>
-      <p:sp>
-        <p:nvSpPr>
-          <p:cNvPr id="6" name="Tartalom helye 5">
-            <a:extLst>
-              <a:ext uri="{FF2B5EF4-FFF2-40B4-BE49-F238E27FC236}">
-                <a16:creationId xmlns:a16="http://schemas.microsoft.com/office/drawing/2014/main" id="{9E80218B-7E4E-472A-AD29-8BEA22AE402F}"/>
-              </a:ext>
-            </a:extLst>
-          </p:cNvPr>
-          <p:cNvSpPr>
-            <a:spLocks noGrp="1"/>
-          </p:cNvSpPr>
+      <p:pic>
+        <p:nvPicPr>
+          <p:cNvPr id="14" name="Tartalom helye 13">
+            <a:extLst>
+              <a:ext uri="{FF2B5EF4-FFF2-40B4-BE49-F238E27FC236}">
+                <a16:creationId xmlns:a16="http://schemas.microsoft.com/office/drawing/2014/main" id="{1A9B2314-312D-C881-36AE-4EFF03BF788F}"/>
+              </a:ext>
+            </a:extLst>
+          </p:cNvPr>
+          <p:cNvPicPr>
+            <a:picLocks noGrp="1" noChangeAspect="1"/>
+          </p:cNvPicPr>
           <p:nvPr>
             <p:ph idx="1"/>
           </p:nvPr>
-        </p:nvSpPr>
-        <p:spPr/>
-        <p:txBody>
-          <a:bodyPr/>
-          <a:lstStyle/>
-          <a:p>
-            <a:pPr>
-              <a:spcBef>
-                <a:spcPts val="1200"/>
-              </a:spcBef>
-              <a:spcAft>
-                <a:spcPts val="600"/>
-              </a:spcAft>
-            </a:pPr>
-            <a:r>
-              <a:rPr lang="hu-HU" dirty="0" err="1"/>
-              <a:t>Asdtiutiuti</a:t>
-            </a:r>
-            <a:endParaRPr lang="hu-HU" dirty="0"/>
-          </a:p>
-          <a:p>
-            <a:pPr>
-              <a:spcBef>
-                <a:spcPts val="1200"/>
-              </a:spcBef>
-              <a:spcAft>
-                <a:spcPts val="600"/>
-              </a:spcAft>
-            </a:pPr>
-            <a:r>
-              <a:rPr lang="hu-HU" dirty="0" err="1"/>
-              <a:t>Asdu</a:t>
-            </a:r>
-            <a:endParaRPr lang="hu-HU" dirty="0"/>
-          </a:p>
-          <a:p>
-            <a:pPr>
-              <a:spcBef>
-                <a:spcPts val="1200"/>
-              </a:spcBef>
-              <a:spcAft>
-                <a:spcPts val="600"/>
-              </a:spcAft>
-            </a:pPr>
-            <a:r>
-              <a:rPr lang="hu-HU" dirty="0" err="1"/>
-              <a:t>Asdiutiut</a:t>
-            </a:r>
-            <a:endParaRPr lang="hu-HU" dirty="0"/>
-          </a:p>
-          <a:p>
-            <a:pPr>
-              <a:spcBef>
-                <a:spcPts val="1200"/>
-              </a:spcBef>
-              <a:spcAft>
-                <a:spcPts val="600"/>
-              </a:spcAft>
-            </a:pPr>
-            <a:r>
-              <a:rPr lang="hu-HU" dirty="0" err="1"/>
-              <a:t>Asdjkhgiutiu</a:t>
-            </a:r>
-            <a:endParaRPr lang="hu-HU" dirty="0"/>
-          </a:p>
-          <a:p>
-            <a:pPr>
-              <a:spcBef>
-                <a:spcPts val="1200"/>
-              </a:spcBef>
-              <a:spcAft>
-                <a:spcPts val="600"/>
-              </a:spcAft>
-            </a:pPr>
-            <a:r>
-              <a:rPr lang="hu-HU" dirty="0" err="1"/>
-              <a:t>Asddssa</a:t>
-            </a:r>
-            <a:endParaRPr lang="hu-HU" dirty="0"/>
-          </a:p>
-          <a:p>
-            <a:pPr>
-              <a:spcBef>
-                <a:spcPts val="1200"/>
-              </a:spcBef>
-              <a:spcAft>
-                <a:spcPts val="600"/>
-              </a:spcAft>
-            </a:pPr>
-            <a:r>
-              <a:rPr lang="hu-HU" dirty="0" err="1"/>
-              <a:t>Aasdsdfs</a:t>
-            </a:r>
-            <a:endParaRPr lang="hu-HU" dirty="0"/>
-          </a:p>
-          <a:p>
-            <a:pPr>
-              <a:spcBef>
-                <a:spcPts val="1200"/>
-              </a:spcBef>
-              <a:spcAft>
-                <a:spcPts val="600"/>
-              </a:spcAft>
-            </a:pPr>
-            <a:endParaRPr lang="hu-HU" dirty="0"/>
-          </a:p>
-        </p:txBody>
-      </p:sp>
+        </p:nvPicPr>
+        <p:blipFill>
+          <a:blip r:embed="rId2"/>
+          <a:stretch>
+            <a:fillRect/>
+          </a:stretch>
+        </p:blipFill>
+        <p:spPr>
+          <a:xfrm>
+            <a:off x="550393" y="1270312"/>
+            <a:ext cx="8134565" cy="3069387"/>
+          </a:xfrm>
+        </p:spPr>
+      </p:pic>
       <p:sp>
         <p:nvSpPr>
           <p:cNvPr id="4" name="Téglalap: lekerekített 3">
@@ -4883,7 +4789,7 @@
           <p:nvPr/>
         </p:nvPicPr>
         <p:blipFill>
-          <a:blip r:embed="rId2"/>
+          <a:blip r:embed="rId3"/>
           <a:stretch>
             <a:fillRect/>
           </a:stretch>
@@ -4913,7 +4819,7 @@
           <p:nvPr/>
         </p:nvPicPr>
         <p:blipFill>
-          <a:blip r:embed="rId3"/>
+          <a:blip r:embed="rId4"/>
           <a:stretch>
             <a:fillRect/>
           </a:stretch>
@@ -4943,7 +4849,7 @@
           <p:nvPr/>
         </p:nvPicPr>
         <p:blipFill>
-          <a:blip r:embed="rId4"/>
+          <a:blip r:embed="rId5"/>
           <a:stretch>
             <a:fillRect/>
           </a:stretch>
@@ -4958,6 +4864,938 @@
           </a:prstGeom>
         </p:spPr>
       </p:pic>
+      <p:graphicFrame>
+        <p:nvGraphicFramePr>
+          <p:cNvPr id="5" name="Táblázat 4">
+            <a:extLst>
+              <a:ext uri="{FF2B5EF4-FFF2-40B4-BE49-F238E27FC236}">
+                <a16:creationId xmlns:a16="http://schemas.microsoft.com/office/drawing/2014/main" id="{9483642A-BB14-7C50-FCCF-9F3E4DFBBAFE}"/>
+              </a:ext>
+            </a:extLst>
+          </p:cNvPr>
+          <p:cNvGraphicFramePr>
+            <a:graphicFrameLocks noGrp="1"/>
+          </p:cNvGraphicFramePr>
+          <p:nvPr>
+            <p:extLst>
+              <p:ext uri="{D42A27DB-BD31-4B8C-83A1-F6EECF244321}">
+                <p14:modId xmlns:p14="http://schemas.microsoft.com/office/powerpoint/2010/main" val="1767281216"/>
+              </p:ext>
+            </p:extLst>
+          </p:nvPr>
+        </p:nvGraphicFramePr>
+        <p:xfrm>
+          <a:off x="0" y="8145228"/>
+          <a:ext cx="7444581" cy="2389029"/>
+        </p:xfrm>
+        <a:graphic>
+          <a:graphicData uri="http://schemas.openxmlformats.org/drawingml/2006/table">
+            <a:tbl>
+              <a:tblPr bandRow="1">
+                <a:tableStyleId>{5C22544A-7EE6-4342-B048-85BDC9FD1C3A}</a:tableStyleId>
+              </a:tblPr>
+              <a:tblGrid>
+                <a:gridCol w="2481527">
+                  <a:extLst>
+                    <a:ext uri="{9D8B030D-6E8A-4147-A177-3AD203B41FA5}">
+                      <a16:colId xmlns:a16="http://schemas.microsoft.com/office/drawing/2014/main" val="3895219105"/>
+                    </a:ext>
+                  </a:extLst>
+                </a:gridCol>
+                <a:gridCol w="2481527">
+                  <a:extLst>
+                    <a:ext uri="{9D8B030D-6E8A-4147-A177-3AD203B41FA5}">
+                      <a16:colId xmlns:a16="http://schemas.microsoft.com/office/drawing/2014/main" val="1530819411"/>
+                    </a:ext>
+                  </a:extLst>
+                </a:gridCol>
+                <a:gridCol w="2481527">
+                  <a:extLst>
+                    <a:ext uri="{9D8B030D-6E8A-4147-A177-3AD203B41FA5}">
+                      <a16:colId xmlns:a16="http://schemas.microsoft.com/office/drawing/2014/main" val="3735963141"/>
+                    </a:ext>
+                  </a:extLst>
+                </a:gridCol>
+              </a:tblGrid>
+              <a:tr h="499793">
+                <a:tc>
+                  <a:txBody>
+                    <a:bodyPr/>
+                    <a:lstStyle/>
+                    <a:p>
+                      <a:pPr>
+                        <a:lnSpc>
+                          <a:spcPct val="107000"/>
+                        </a:lnSpc>
+                        <a:spcAft>
+                          <a:spcPts val="800"/>
+                        </a:spcAft>
+                      </a:pPr>
+                      <a:r>
+                        <a:rPr lang="hu-HU" sz="1600" dirty="0">
+                          <a:effectLst/>
+                          <a:latin typeface="+mn-lt"/>
+                        </a:rPr>
+                        <a:t> </a:t>
+                      </a:r>
+                      <a:endParaRPr lang="hu-HU" sz="1600" dirty="0">
+                        <a:effectLst/>
+                        <a:latin typeface="+mn-lt"/>
+                        <a:ea typeface="Calibri" panose="020F0502020204030204" pitchFamily="34" charset="0"/>
+                      </a:endParaRPr>
+                    </a:p>
+                  </a:txBody>
+                  <a:tcPr marL="68580" marR="68580" marT="0" marB="0"/>
+                </a:tc>
+                <a:tc>
+                  <a:txBody>
+                    <a:bodyPr/>
+                    <a:lstStyle/>
+                    <a:p>
+                      <a:pPr algn="ctr">
+                        <a:lnSpc>
+                          <a:spcPct val="107000"/>
+                        </a:lnSpc>
+                        <a:spcAft>
+                          <a:spcPts val="800"/>
+                        </a:spcAft>
+                      </a:pPr>
+                      <a:r>
+                        <a:rPr lang="hu-HU" sz="1600" dirty="0">
+                          <a:effectLst/>
+                          <a:latin typeface="+mn-lt"/>
+                        </a:rPr>
+                        <a:t>Felhasználónév</a:t>
+                      </a:r>
+                      <a:endParaRPr lang="hu-HU" sz="1600" dirty="0">
+                        <a:effectLst/>
+                        <a:latin typeface="+mn-lt"/>
+                        <a:ea typeface="Calibri" panose="020F0502020204030204" pitchFamily="34" charset="0"/>
+                      </a:endParaRPr>
+                    </a:p>
+                  </a:txBody>
+                  <a:tcPr marL="68580" marR="68580" marT="0" marB="0" anchor="ctr"/>
+                </a:tc>
+                <a:tc>
+                  <a:txBody>
+                    <a:bodyPr/>
+                    <a:lstStyle/>
+                    <a:p>
+                      <a:pPr algn="ctr">
+                        <a:lnSpc>
+                          <a:spcPct val="107000"/>
+                        </a:lnSpc>
+                        <a:spcAft>
+                          <a:spcPts val="800"/>
+                        </a:spcAft>
+                      </a:pPr>
+                      <a:r>
+                        <a:rPr lang="hu-HU" sz="1600" dirty="0">
+                          <a:effectLst/>
+                          <a:latin typeface="+mn-lt"/>
+                        </a:rPr>
+                        <a:t>Jelszó</a:t>
+                      </a:r>
+                      <a:endParaRPr lang="hu-HU" sz="1600" dirty="0">
+                        <a:effectLst/>
+                        <a:latin typeface="+mn-lt"/>
+                        <a:ea typeface="Calibri" panose="020F0502020204030204" pitchFamily="34" charset="0"/>
+                      </a:endParaRPr>
+                    </a:p>
+                  </a:txBody>
+                  <a:tcPr marL="68580" marR="68580" marT="0" marB="0" anchor="ctr"/>
+                </a:tc>
+                <a:extLst>
+                  <a:ext uri="{0D108BD9-81ED-4DB2-BD59-A6C34878D82A}">
+                    <a16:rowId xmlns:a16="http://schemas.microsoft.com/office/drawing/2014/main" val="4165399226"/>
+                  </a:ext>
+                </a:extLst>
+              </a:tr>
+              <a:tr h="472309">
+                <a:tc>
+                  <a:txBody>
+                    <a:bodyPr/>
+                    <a:lstStyle/>
+                    <a:p>
+                      <a:pPr>
+                        <a:lnSpc>
+                          <a:spcPct val="107000"/>
+                        </a:lnSpc>
+                        <a:spcAft>
+                          <a:spcPts val="800"/>
+                        </a:spcAft>
+                      </a:pPr>
+                      <a:r>
+                        <a:rPr lang="hu-HU" sz="1600">
+                          <a:effectLst/>
+                          <a:latin typeface="+mn-lt"/>
+                        </a:rPr>
+                        <a:t>Privilegizált EXEC mód</a:t>
+                      </a:r>
+                      <a:endParaRPr lang="hu-HU" sz="1600">
+                        <a:effectLst/>
+                        <a:latin typeface="+mn-lt"/>
+                        <a:ea typeface="Calibri" panose="020F0502020204030204" pitchFamily="34" charset="0"/>
+                      </a:endParaRPr>
+                    </a:p>
+                  </a:txBody>
+                  <a:tcPr marL="68580" marR="68580" marT="0" marB="0" anchor="ctr"/>
+                </a:tc>
+                <a:tc>
+                  <a:txBody>
+                    <a:bodyPr/>
+                    <a:lstStyle/>
+                    <a:p>
+                      <a:pPr algn="ctr">
+                        <a:lnSpc>
+                          <a:spcPct val="107000"/>
+                        </a:lnSpc>
+                        <a:spcAft>
+                          <a:spcPts val="800"/>
+                        </a:spcAft>
+                      </a:pPr>
+                      <a:r>
+                        <a:rPr lang="hu-HU" sz="1600">
+                          <a:effectLst/>
+                          <a:latin typeface="+mn-lt"/>
+                        </a:rPr>
+                        <a:t>admin</a:t>
+                      </a:r>
+                      <a:endParaRPr lang="hu-HU" sz="1600">
+                        <a:effectLst/>
+                        <a:latin typeface="+mn-lt"/>
+                        <a:ea typeface="Calibri" panose="020F0502020204030204" pitchFamily="34" charset="0"/>
+                      </a:endParaRPr>
+                    </a:p>
+                  </a:txBody>
+                  <a:tcPr marL="68580" marR="68580" marT="0" marB="0" anchor="ctr"/>
+                </a:tc>
+                <a:tc>
+                  <a:txBody>
+                    <a:bodyPr/>
+                    <a:lstStyle/>
+                    <a:p>
+                      <a:pPr algn="ctr">
+                        <a:lnSpc>
+                          <a:spcPct val="107000"/>
+                        </a:lnSpc>
+                        <a:spcAft>
+                          <a:spcPts val="800"/>
+                        </a:spcAft>
+                      </a:pPr>
+                      <a:r>
+                        <a:rPr lang="hu-HU" sz="1600">
+                          <a:effectLst/>
+                          <a:latin typeface="+mn-lt"/>
+                        </a:rPr>
+                        <a:t>Mil4tech</a:t>
+                      </a:r>
+                      <a:endParaRPr lang="hu-HU" sz="1600">
+                        <a:effectLst/>
+                        <a:latin typeface="+mn-lt"/>
+                        <a:ea typeface="Calibri" panose="020F0502020204030204" pitchFamily="34" charset="0"/>
+                      </a:endParaRPr>
+                    </a:p>
+                  </a:txBody>
+                  <a:tcPr marL="68580" marR="68580" marT="0" marB="0" anchor="ctr"/>
+                </a:tc>
+                <a:extLst>
+                  <a:ext uri="{0D108BD9-81ED-4DB2-BD59-A6C34878D82A}">
+                    <a16:rowId xmlns:a16="http://schemas.microsoft.com/office/drawing/2014/main" val="457366227"/>
+                  </a:ext>
+                </a:extLst>
+              </a:tr>
+              <a:tr h="472309">
+                <a:tc>
+                  <a:txBody>
+                    <a:bodyPr/>
+                    <a:lstStyle/>
+                    <a:p>
+                      <a:pPr>
+                        <a:lnSpc>
+                          <a:spcPct val="107000"/>
+                        </a:lnSpc>
+                        <a:spcAft>
+                          <a:spcPts val="800"/>
+                        </a:spcAft>
+                      </a:pPr>
+                      <a:r>
+                        <a:rPr lang="hu-HU" sz="1600">
+                          <a:effectLst/>
+                          <a:latin typeface="+mn-lt"/>
+                        </a:rPr>
+                        <a:t>Felhasználói EXEC mód</a:t>
+                      </a:r>
+                      <a:endParaRPr lang="hu-HU" sz="1600">
+                        <a:effectLst/>
+                        <a:latin typeface="+mn-lt"/>
+                        <a:ea typeface="Calibri" panose="020F0502020204030204" pitchFamily="34" charset="0"/>
+                      </a:endParaRPr>
+                    </a:p>
+                  </a:txBody>
+                  <a:tcPr marL="68580" marR="68580" marT="0" marB="0" anchor="ctr"/>
+                </a:tc>
+                <a:tc>
+                  <a:txBody>
+                    <a:bodyPr/>
+                    <a:lstStyle/>
+                    <a:p>
+                      <a:pPr algn="ctr">
+                        <a:lnSpc>
+                          <a:spcPct val="107000"/>
+                        </a:lnSpc>
+                        <a:spcAft>
+                          <a:spcPts val="800"/>
+                        </a:spcAft>
+                      </a:pPr>
+                      <a:r>
+                        <a:rPr lang="hu-HU" sz="1600">
+                          <a:effectLst/>
+                          <a:latin typeface="+mn-lt"/>
+                        </a:rPr>
+                        <a:t>admin</a:t>
+                      </a:r>
+                      <a:endParaRPr lang="hu-HU" sz="1600">
+                        <a:effectLst/>
+                        <a:latin typeface="+mn-lt"/>
+                        <a:ea typeface="Calibri" panose="020F0502020204030204" pitchFamily="34" charset="0"/>
+                      </a:endParaRPr>
+                    </a:p>
+                  </a:txBody>
+                  <a:tcPr marL="68580" marR="68580" marT="0" marB="0" anchor="ctr"/>
+                </a:tc>
+                <a:tc>
+                  <a:txBody>
+                    <a:bodyPr/>
+                    <a:lstStyle/>
+                    <a:p>
+                      <a:pPr algn="ctr">
+                        <a:lnSpc>
+                          <a:spcPct val="107000"/>
+                        </a:lnSpc>
+                        <a:spcAft>
+                          <a:spcPts val="800"/>
+                        </a:spcAft>
+                      </a:pPr>
+                      <a:r>
+                        <a:rPr lang="hu-HU" sz="1600">
+                          <a:effectLst/>
+                          <a:latin typeface="+mn-lt"/>
+                        </a:rPr>
+                        <a:t>Mil4tech</a:t>
+                      </a:r>
+                      <a:endParaRPr lang="hu-HU" sz="1600">
+                        <a:effectLst/>
+                        <a:latin typeface="+mn-lt"/>
+                        <a:ea typeface="Calibri" panose="020F0502020204030204" pitchFamily="34" charset="0"/>
+                      </a:endParaRPr>
+                    </a:p>
+                  </a:txBody>
+                  <a:tcPr marL="68580" marR="68580" marT="0" marB="0" anchor="ctr"/>
+                </a:tc>
+                <a:extLst>
+                  <a:ext uri="{0D108BD9-81ED-4DB2-BD59-A6C34878D82A}">
+                    <a16:rowId xmlns:a16="http://schemas.microsoft.com/office/drawing/2014/main" val="3691237575"/>
+                  </a:ext>
+                </a:extLst>
+              </a:tr>
+              <a:tr h="472309">
+                <a:tc>
+                  <a:txBody>
+                    <a:bodyPr/>
+                    <a:lstStyle/>
+                    <a:p>
+                      <a:pPr>
+                        <a:lnSpc>
+                          <a:spcPct val="107000"/>
+                        </a:lnSpc>
+                        <a:spcAft>
+                          <a:spcPts val="800"/>
+                        </a:spcAft>
+                      </a:pPr>
+                      <a:r>
+                        <a:rPr lang="hu-HU" sz="1600">
+                          <a:effectLst/>
+                          <a:latin typeface="+mn-lt"/>
+                        </a:rPr>
+                        <a:t>SSH</a:t>
+                      </a:r>
+                      <a:endParaRPr lang="hu-HU" sz="1600">
+                        <a:effectLst/>
+                        <a:latin typeface="+mn-lt"/>
+                        <a:ea typeface="Calibri" panose="020F0502020204030204" pitchFamily="34" charset="0"/>
+                      </a:endParaRPr>
+                    </a:p>
+                  </a:txBody>
+                  <a:tcPr marL="68580" marR="68580" marT="0" marB="0" anchor="ctr"/>
+                </a:tc>
+                <a:tc>
+                  <a:txBody>
+                    <a:bodyPr/>
+                    <a:lstStyle/>
+                    <a:p>
+                      <a:pPr algn="ctr">
+                        <a:lnSpc>
+                          <a:spcPct val="107000"/>
+                        </a:lnSpc>
+                        <a:spcAft>
+                          <a:spcPts val="800"/>
+                        </a:spcAft>
+                      </a:pPr>
+                      <a:r>
+                        <a:rPr lang="hu-HU" sz="1600">
+                          <a:effectLst/>
+                          <a:latin typeface="+mn-lt"/>
+                        </a:rPr>
+                        <a:t>admin</a:t>
+                      </a:r>
+                      <a:endParaRPr lang="hu-HU" sz="1600">
+                        <a:effectLst/>
+                        <a:latin typeface="+mn-lt"/>
+                        <a:ea typeface="Calibri" panose="020F0502020204030204" pitchFamily="34" charset="0"/>
+                      </a:endParaRPr>
+                    </a:p>
+                  </a:txBody>
+                  <a:tcPr marL="68580" marR="68580" marT="0" marB="0" anchor="ctr"/>
+                </a:tc>
+                <a:tc>
+                  <a:txBody>
+                    <a:bodyPr/>
+                    <a:lstStyle/>
+                    <a:p>
+                      <a:pPr algn="ctr">
+                        <a:lnSpc>
+                          <a:spcPct val="107000"/>
+                        </a:lnSpc>
+                        <a:spcAft>
+                          <a:spcPts val="800"/>
+                        </a:spcAft>
+                      </a:pPr>
+                      <a:r>
+                        <a:rPr lang="hu-HU" sz="1600">
+                          <a:effectLst/>
+                          <a:latin typeface="+mn-lt"/>
+                        </a:rPr>
+                        <a:t>Mil4tech</a:t>
+                      </a:r>
+                      <a:endParaRPr lang="hu-HU" sz="1600">
+                        <a:effectLst/>
+                        <a:latin typeface="+mn-lt"/>
+                        <a:ea typeface="Calibri" panose="020F0502020204030204" pitchFamily="34" charset="0"/>
+                      </a:endParaRPr>
+                    </a:p>
+                  </a:txBody>
+                  <a:tcPr marL="68580" marR="68580" marT="0" marB="0" anchor="ctr"/>
+                </a:tc>
+                <a:extLst>
+                  <a:ext uri="{0D108BD9-81ED-4DB2-BD59-A6C34878D82A}">
+                    <a16:rowId xmlns:a16="http://schemas.microsoft.com/office/drawing/2014/main" val="2250888279"/>
+                  </a:ext>
+                </a:extLst>
+              </a:tr>
+              <a:tr h="472309">
+                <a:tc>
+                  <a:txBody>
+                    <a:bodyPr/>
+                    <a:lstStyle/>
+                    <a:p>
+                      <a:pPr>
+                        <a:lnSpc>
+                          <a:spcPct val="107000"/>
+                        </a:lnSpc>
+                        <a:spcAft>
+                          <a:spcPts val="800"/>
+                        </a:spcAft>
+                      </a:pPr>
+                      <a:r>
+                        <a:rPr lang="hu-HU" sz="1600">
+                          <a:effectLst/>
+                          <a:latin typeface="+mn-lt"/>
+                        </a:rPr>
+                        <a:t>Wireless Router</a:t>
+                      </a:r>
+                      <a:endParaRPr lang="hu-HU" sz="1600">
+                        <a:effectLst/>
+                        <a:latin typeface="+mn-lt"/>
+                        <a:ea typeface="Calibri" panose="020F0502020204030204" pitchFamily="34" charset="0"/>
+                      </a:endParaRPr>
+                    </a:p>
+                  </a:txBody>
+                  <a:tcPr marL="68580" marR="68580" marT="0" marB="0" anchor="ctr"/>
+                </a:tc>
+                <a:tc>
+                  <a:txBody>
+                    <a:bodyPr/>
+                    <a:lstStyle/>
+                    <a:p>
+                      <a:pPr>
+                        <a:lnSpc>
+                          <a:spcPct val="107000"/>
+                        </a:lnSpc>
+                      </a:pPr>
+                      <a:endParaRPr lang="hu-HU" sz="1600">
+                        <a:effectLst/>
+                        <a:latin typeface="+mn-lt"/>
+                      </a:endParaRPr>
+                    </a:p>
+                  </a:txBody>
+                  <a:tcPr marL="68580" marR="68580" marT="0" marB="0" anchor="ctr"/>
+                </a:tc>
+                <a:tc>
+                  <a:txBody>
+                    <a:bodyPr/>
+                    <a:lstStyle/>
+                    <a:p>
+                      <a:pPr algn="ctr">
+                        <a:lnSpc>
+                          <a:spcPct val="107000"/>
+                        </a:lnSpc>
+                        <a:spcAft>
+                          <a:spcPts val="800"/>
+                        </a:spcAft>
+                      </a:pPr>
+                      <a:r>
+                        <a:rPr lang="hu-HU" sz="1600" dirty="0">
+                          <a:effectLst/>
+                          <a:latin typeface="+mn-lt"/>
+                        </a:rPr>
+                        <a:t>Milatech1</a:t>
+                      </a:r>
+                      <a:endParaRPr lang="hu-HU" sz="1600" dirty="0">
+                        <a:effectLst/>
+                        <a:latin typeface="+mn-lt"/>
+                        <a:ea typeface="Calibri" panose="020F0502020204030204" pitchFamily="34" charset="0"/>
+                      </a:endParaRPr>
+                    </a:p>
+                  </a:txBody>
+                  <a:tcPr marL="68580" marR="68580" marT="0" marB="0" anchor="ctr"/>
+                </a:tc>
+                <a:extLst>
+                  <a:ext uri="{0D108BD9-81ED-4DB2-BD59-A6C34878D82A}">
+                    <a16:rowId xmlns:a16="http://schemas.microsoft.com/office/drawing/2014/main" val="3916211040"/>
+                  </a:ext>
+                </a:extLst>
+              </a:tr>
+            </a:tbl>
+          </a:graphicData>
+        </a:graphic>
+      </p:graphicFrame>
+      <p:sp>
+        <p:nvSpPr>
+          <p:cNvPr id="15" name="Szövegdoboz 14">
+            <a:extLst>
+              <a:ext uri="{FF2B5EF4-FFF2-40B4-BE49-F238E27FC236}">
+                <a16:creationId xmlns:a16="http://schemas.microsoft.com/office/drawing/2014/main" id="{B09E601B-8FDE-16FB-F53B-F65C99850535}"/>
+              </a:ext>
+            </a:extLst>
+          </p:cNvPr>
+          <p:cNvSpPr txBox="1"/>
+          <p:nvPr/>
+        </p:nvSpPr>
+        <p:spPr>
+          <a:xfrm>
+            <a:off x="550393" y="4515643"/>
+            <a:ext cx="7114977" cy="1569660"/>
+          </a:xfrm>
+          <a:prstGeom prst="rect">
+            <a:avLst/>
+          </a:prstGeom>
+          <a:noFill/>
+        </p:spPr>
+        <p:txBody>
+          <a:bodyPr wrap="square" rtlCol="0">
+            <a:spAutoFit/>
+          </a:bodyPr>
+          <a:lstStyle/>
+          <a:p>
+            <a:pPr marL="342900" indent="-342900">
+              <a:buFont typeface="Arial" panose="020B0604020202020204" pitchFamily="34" charset="0"/>
+              <a:buChar char="•"/>
+            </a:pPr>
+            <a:r>
+              <a:rPr lang="hu-HU" sz="2400" dirty="0"/>
+              <a:t>Az iroda vezetők egy külön </a:t>
+            </a:r>
+            <a:r>
+              <a:rPr lang="hu-HU" sz="2400" dirty="0" err="1"/>
+              <a:t>vlan-on</a:t>
+            </a:r>
+            <a:r>
+              <a:rPr lang="hu-HU" sz="2400" dirty="0"/>
+              <a:t> kommunikálhatnak egymással</a:t>
+            </a:r>
+          </a:p>
+          <a:p>
+            <a:pPr marL="342900" indent="-342900">
+              <a:buFont typeface="Arial" panose="020B0604020202020204" pitchFamily="34" charset="0"/>
+              <a:buChar char="•"/>
+            </a:pPr>
+            <a:r>
+              <a:rPr lang="hu-HU" sz="2400" dirty="0"/>
+              <a:t>A dinamikus címkiosztás érdekében DHCP-t alkalmaztunk</a:t>
+            </a:r>
+          </a:p>
+        </p:txBody>
+      </p:sp>
+      <p:graphicFrame>
+        <p:nvGraphicFramePr>
+          <p:cNvPr id="16" name="Táblázat 15">
+            <a:extLst>
+              <a:ext uri="{FF2B5EF4-FFF2-40B4-BE49-F238E27FC236}">
+                <a16:creationId xmlns:a16="http://schemas.microsoft.com/office/drawing/2014/main" id="{360BA948-4668-728B-1CFF-D83FEF8B744D}"/>
+              </a:ext>
+            </a:extLst>
+          </p:cNvPr>
+          <p:cNvGraphicFramePr>
+            <a:graphicFrameLocks noGrp="1"/>
+          </p:cNvGraphicFramePr>
+          <p:nvPr>
+            <p:extLst>
+              <p:ext uri="{D42A27DB-BD31-4B8C-83A1-F6EECF244321}">
+                <p14:modId xmlns:p14="http://schemas.microsoft.com/office/powerpoint/2010/main" val="1025303899"/>
+              </p:ext>
+            </p:extLst>
+          </p:nvPr>
+        </p:nvGraphicFramePr>
+        <p:xfrm>
+          <a:off x="7889712" y="8139940"/>
+          <a:ext cx="3984788" cy="2394317"/>
+        </p:xfrm>
+        <a:graphic>
+          <a:graphicData uri="http://schemas.openxmlformats.org/drawingml/2006/table">
+            <a:tbl>
+              <a:tblPr bandRow="1">
+                <a:tableStyleId>{5C22544A-7EE6-4342-B048-85BDC9FD1C3A}</a:tableStyleId>
+              </a:tblPr>
+              <a:tblGrid>
+                <a:gridCol w="1992071">
+                  <a:extLst>
+                    <a:ext uri="{9D8B030D-6E8A-4147-A177-3AD203B41FA5}">
+                      <a16:colId xmlns:a16="http://schemas.microsoft.com/office/drawing/2014/main" val="1047251706"/>
+                    </a:ext>
+                  </a:extLst>
+                </a:gridCol>
+                <a:gridCol w="1992717">
+                  <a:extLst>
+                    <a:ext uri="{9D8B030D-6E8A-4147-A177-3AD203B41FA5}">
+                      <a16:colId xmlns:a16="http://schemas.microsoft.com/office/drawing/2014/main" val="1094314456"/>
+                    </a:ext>
+                  </a:extLst>
+                </a:gridCol>
+              </a:tblGrid>
+              <a:tr h="455085">
+                <a:tc>
+                  <a:txBody>
+                    <a:bodyPr/>
+                    <a:lstStyle/>
+                    <a:p>
+                      <a:pPr algn="l">
+                        <a:lnSpc>
+                          <a:spcPct val="107000"/>
+                        </a:lnSpc>
+                        <a:spcAft>
+                          <a:spcPts val="800"/>
+                        </a:spcAft>
+                      </a:pPr>
+                      <a:r>
+                        <a:rPr lang="hu-HU" sz="1800" dirty="0">
+                          <a:effectLst/>
+                          <a:latin typeface="+mn-lt"/>
+                        </a:rPr>
+                        <a:t>AAA</a:t>
+                      </a:r>
+                      <a:endParaRPr lang="hu-HU" sz="1800" dirty="0">
+                        <a:effectLst/>
+                        <a:latin typeface="+mn-lt"/>
+                        <a:ea typeface="Calibri" panose="020F0502020204030204" pitchFamily="34" charset="0"/>
+                      </a:endParaRPr>
+                    </a:p>
+                  </a:txBody>
+                  <a:tcPr marL="68580" marR="68580" marT="0" marB="0"/>
+                </a:tc>
+                <a:tc>
+                  <a:txBody>
+                    <a:bodyPr/>
+                    <a:lstStyle/>
+                    <a:p>
+                      <a:pPr algn="ctr">
+                        <a:lnSpc>
+                          <a:spcPct val="107000"/>
+                        </a:lnSpc>
+                        <a:spcAft>
+                          <a:spcPts val="800"/>
+                        </a:spcAft>
+                      </a:pPr>
+                      <a:r>
+                        <a:rPr lang="hu-HU" sz="1800">
+                          <a:effectLst/>
+                          <a:latin typeface="+mn-lt"/>
+                        </a:rPr>
+                        <a:t> </a:t>
+                      </a:r>
+                      <a:endParaRPr lang="hu-HU" sz="1800">
+                        <a:effectLst/>
+                        <a:latin typeface="+mn-lt"/>
+                        <a:ea typeface="Calibri" panose="020F0502020204030204" pitchFamily="34" charset="0"/>
+                      </a:endParaRPr>
+                    </a:p>
+                  </a:txBody>
+                  <a:tcPr marL="68580" marR="68580" marT="0" marB="0" anchor="ctr"/>
+                </a:tc>
+                <a:extLst>
+                  <a:ext uri="{0D108BD9-81ED-4DB2-BD59-A6C34878D82A}">
+                    <a16:rowId xmlns:a16="http://schemas.microsoft.com/office/drawing/2014/main" val="3726853058"/>
+                  </a:ext>
+                </a:extLst>
+              </a:tr>
+              <a:tr h="455085">
+                <a:tc>
+                  <a:txBody>
+                    <a:bodyPr/>
+                    <a:lstStyle/>
+                    <a:p>
+                      <a:pPr algn="l">
+                        <a:lnSpc>
+                          <a:spcPct val="107000"/>
+                        </a:lnSpc>
+                      </a:pPr>
+                      <a:endParaRPr lang="hu-HU" sz="1800" dirty="0">
+                        <a:effectLst/>
+                        <a:latin typeface="+mn-lt"/>
+                      </a:endParaRPr>
+                    </a:p>
+                  </a:txBody>
+                  <a:tcPr marL="68580" marR="68580" marT="0" marB="0"/>
+                </a:tc>
+                <a:tc>
+                  <a:txBody>
+                    <a:bodyPr/>
+                    <a:lstStyle/>
+                    <a:p>
+                      <a:pPr algn="ctr">
+                        <a:lnSpc>
+                          <a:spcPct val="107000"/>
+                        </a:lnSpc>
+                        <a:spcAft>
+                          <a:spcPts val="800"/>
+                        </a:spcAft>
+                      </a:pPr>
+                      <a:r>
+                        <a:rPr lang="hu-HU" sz="1800">
+                          <a:effectLst/>
+                          <a:latin typeface="+mn-lt"/>
+                        </a:rPr>
+                        <a:t>Admin</a:t>
+                      </a:r>
+                      <a:endParaRPr lang="hu-HU" sz="1800">
+                        <a:effectLst/>
+                        <a:latin typeface="+mn-lt"/>
+                        <a:ea typeface="Calibri" panose="020F0502020204030204" pitchFamily="34" charset="0"/>
+                      </a:endParaRPr>
+                    </a:p>
+                  </a:txBody>
+                  <a:tcPr marL="68580" marR="68580" marT="0" marB="0" anchor="ctr"/>
+                </a:tc>
+                <a:extLst>
+                  <a:ext uri="{0D108BD9-81ED-4DB2-BD59-A6C34878D82A}">
+                    <a16:rowId xmlns:a16="http://schemas.microsoft.com/office/drawing/2014/main" val="3906000122"/>
+                  </a:ext>
+                </a:extLst>
+              </a:tr>
+              <a:tr h="455085">
+                <a:tc>
+                  <a:txBody>
+                    <a:bodyPr/>
+                    <a:lstStyle/>
+                    <a:p>
+                      <a:pPr algn="l">
+                        <a:lnSpc>
+                          <a:spcPct val="107000"/>
+                        </a:lnSpc>
+                        <a:spcAft>
+                          <a:spcPts val="800"/>
+                        </a:spcAft>
+                      </a:pPr>
+                      <a:r>
+                        <a:rPr lang="hu-HU" sz="1800" dirty="0">
+                          <a:effectLst/>
+                          <a:latin typeface="+mn-lt"/>
+                          <a:ea typeface="Calibri" panose="020F0502020204030204" pitchFamily="34" charset="0"/>
+                        </a:rPr>
+                        <a:t>Jelszó</a:t>
+                      </a:r>
+                    </a:p>
+                  </a:txBody>
+                  <a:tcPr marL="68580" marR="68580" marT="0" marB="0"/>
+                </a:tc>
+                <a:tc>
+                  <a:txBody>
+                    <a:bodyPr/>
+                    <a:lstStyle/>
+                    <a:p>
+                      <a:pPr algn="ctr">
+                        <a:lnSpc>
+                          <a:spcPct val="107000"/>
+                        </a:lnSpc>
+                        <a:spcAft>
+                          <a:spcPts val="800"/>
+                        </a:spcAft>
+                      </a:pPr>
+                      <a:r>
+                        <a:rPr lang="hu-HU" sz="1800">
+                          <a:effectLst/>
+                          <a:latin typeface="+mn-lt"/>
+                        </a:rPr>
+                        <a:t>Mil4tech</a:t>
+                      </a:r>
+                      <a:endParaRPr lang="hu-HU" sz="1800">
+                        <a:effectLst/>
+                        <a:latin typeface="+mn-lt"/>
+                        <a:ea typeface="Calibri" panose="020F0502020204030204" pitchFamily="34" charset="0"/>
+                      </a:endParaRPr>
+                    </a:p>
+                  </a:txBody>
+                  <a:tcPr marL="68580" marR="68580" marT="0" marB="0" anchor="ctr"/>
+                </a:tc>
+                <a:extLst>
+                  <a:ext uri="{0D108BD9-81ED-4DB2-BD59-A6C34878D82A}">
+                    <a16:rowId xmlns:a16="http://schemas.microsoft.com/office/drawing/2014/main" val="1017908711"/>
+                  </a:ext>
+                </a:extLst>
+              </a:tr>
+              <a:tr h="568690">
+                <a:tc>
+                  <a:txBody>
+                    <a:bodyPr/>
+                    <a:lstStyle/>
+                    <a:p>
+                      <a:pPr algn="l">
+                        <a:lnSpc>
+                          <a:spcPct val="107000"/>
+                        </a:lnSpc>
+                        <a:spcAft>
+                          <a:spcPts val="800"/>
+                        </a:spcAft>
+                      </a:pPr>
+                      <a:r>
+                        <a:rPr lang="hu-HU" sz="1800" dirty="0">
+                          <a:effectLst/>
+                          <a:latin typeface="+mn-lt"/>
+                          <a:ea typeface="Calibri" panose="020F0502020204030204" pitchFamily="34" charset="0"/>
+                        </a:rPr>
+                        <a:t>Kliens név</a:t>
+                      </a:r>
+                    </a:p>
+                  </a:txBody>
+                  <a:tcPr marL="68580" marR="68580" marT="0" marB="0"/>
+                </a:tc>
+                <a:tc>
+                  <a:txBody>
+                    <a:bodyPr/>
+                    <a:lstStyle/>
+                    <a:p>
+                      <a:pPr algn="ctr">
+                        <a:lnSpc>
+                          <a:spcPct val="107000"/>
+                        </a:lnSpc>
+                        <a:spcAft>
+                          <a:spcPts val="800"/>
+                        </a:spcAft>
+                      </a:pPr>
+                      <a:r>
+                        <a:rPr lang="hu-HU" sz="1800" dirty="0">
+                          <a:effectLst/>
+                          <a:latin typeface="+mn-lt"/>
+                        </a:rPr>
+                        <a:t>Felhasználónév </a:t>
+                      </a:r>
+                      <a:r>
+                        <a:rPr lang="hu-HU" sz="1800" dirty="0" err="1">
+                          <a:effectLst/>
+                          <a:latin typeface="+mn-lt"/>
+                        </a:rPr>
+                        <a:t>Milatech.aaa</a:t>
+                      </a:r>
+                      <a:endParaRPr lang="hu-HU" sz="1800" dirty="0">
+                        <a:effectLst/>
+                        <a:latin typeface="+mn-lt"/>
+                        <a:ea typeface="Calibri" panose="020F0502020204030204" pitchFamily="34" charset="0"/>
+                      </a:endParaRPr>
+                    </a:p>
+                  </a:txBody>
+                  <a:tcPr marL="68580" marR="68580" marT="0" marB="0" anchor="ctr"/>
+                </a:tc>
+                <a:extLst>
+                  <a:ext uri="{0D108BD9-81ED-4DB2-BD59-A6C34878D82A}">
+                    <a16:rowId xmlns:a16="http://schemas.microsoft.com/office/drawing/2014/main" val="2461985301"/>
+                  </a:ext>
+                </a:extLst>
+              </a:tr>
+              <a:tr h="455085">
+                <a:tc>
+                  <a:txBody>
+                    <a:bodyPr/>
+                    <a:lstStyle/>
+                    <a:p>
+                      <a:pPr algn="l">
+                        <a:lnSpc>
+                          <a:spcPct val="107000"/>
+                        </a:lnSpc>
+                        <a:spcAft>
+                          <a:spcPts val="800"/>
+                        </a:spcAft>
+                      </a:pPr>
+                      <a:r>
+                        <a:rPr lang="hu-HU" sz="1800" dirty="0">
+                          <a:effectLst/>
+                          <a:latin typeface="+mn-lt"/>
+                          <a:ea typeface="Calibri" panose="020F0502020204030204" pitchFamily="34" charset="0"/>
+                        </a:rPr>
+                        <a:t>Titkosított</a:t>
+                      </a:r>
+                    </a:p>
+                  </a:txBody>
+                  <a:tcPr marL="68580" marR="68580" marT="0" marB="0"/>
+                </a:tc>
+                <a:tc>
+                  <a:txBody>
+                    <a:bodyPr/>
+                    <a:lstStyle/>
+                    <a:p>
+                      <a:pPr algn="ctr">
+                        <a:lnSpc>
+                          <a:spcPct val="107000"/>
+                        </a:lnSpc>
+                        <a:spcAft>
+                          <a:spcPts val="800"/>
+                        </a:spcAft>
+                      </a:pPr>
+                      <a:r>
+                        <a:rPr lang="hu-HU" sz="1800" dirty="0">
+                          <a:effectLst/>
+                          <a:latin typeface="+mn-lt"/>
+                        </a:rPr>
+                        <a:t>Mil4tech</a:t>
+                      </a:r>
+                      <a:endParaRPr lang="hu-HU" sz="1800" dirty="0">
+                        <a:effectLst/>
+                        <a:latin typeface="+mn-lt"/>
+                        <a:ea typeface="Calibri" panose="020F0502020204030204" pitchFamily="34" charset="0"/>
+                      </a:endParaRPr>
+                    </a:p>
+                  </a:txBody>
+                  <a:tcPr marL="68580" marR="68580" marT="0" marB="0" anchor="ctr"/>
+                </a:tc>
+                <a:extLst>
+                  <a:ext uri="{0D108BD9-81ED-4DB2-BD59-A6C34878D82A}">
+                    <a16:rowId xmlns:a16="http://schemas.microsoft.com/office/drawing/2014/main" val="615191734"/>
+                  </a:ext>
+                </a:extLst>
+              </a:tr>
+            </a:tbl>
+          </a:graphicData>
+        </a:graphic>
+      </p:graphicFrame>
     </p:spTree>
     <p:extLst>
       <p:ext uri="{BB962C8B-B14F-4D97-AF65-F5344CB8AC3E}">
@@ -5337,6 +6175,980 @@
           </a:prstGeom>
         </p:spPr>
       </p:pic>
+      <p:graphicFrame>
+        <p:nvGraphicFramePr>
+          <p:cNvPr id="3" name="Táblázat 2">
+            <a:extLst>
+              <a:ext uri="{FF2B5EF4-FFF2-40B4-BE49-F238E27FC236}">
+                <a16:creationId xmlns:a16="http://schemas.microsoft.com/office/drawing/2014/main" id="{9B636498-E315-B511-62B4-2430B430D40E}"/>
+              </a:ext>
+            </a:extLst>
+          </p:cNvPr>
+          <p:cNvGraphicFramePr>
+            <a:graphicFrameLocks noGrp="1"/>
+          </p:cNvGraphicFramePr>
+          <p:nvPr>
+            <p:extLst>
+              <p:ext uri="{D42A27DB-BD31-4B8C-83A1-F6EECF244321}">
+                <p14:modId xmlns:p14="http://schemas.microsoft.com/office/powerpoint/2010/main" val="2585073729"/>
+              </p:ext>
+            </p:extLst>
+          </p:nvPr>
+        </p:nvGraphicFramePr>
+        <p:xfrm>
+          <a:off x="119224" y="4225451"/>
+          <a:ext cx="7444581" cy="2389029"/>
+        </p:xfrm>
+        <a:graphic>
+          <a:graphicData uri="http://schemas.openxmlformats.org/drawingml/2006/table">
+            <a:tbl>
+              <a:tblPr bandRow="1">
+                <a:tableStyleId>{5C22544A-7EE6-4342-B048-85BDC9FD1C3A}</a:tableStyleId>
+              </a:tblPr>
+              <a:tblGrid>
+                <a:gridCol w="2481527">
+                  <a:extLst>
+                    <a:ext uri="{9D8B030D-6E8A-4147-A177-3AD203B41FA5}">
+                      <a16:colId xmlns:a16="http://schemas.microsoft.com/office/drawing/2014/main" val="3895219105"/>
+                    </a:ext>
+                  </a:extLst>
+                </a:gridCol>
+                <a:gridCol w="2481527">
+                  <a:extLst>
+                    <a:ext uri="{9D8B030D-6E8A-4147-A177-3AD203B41FA5}">
+                      <a16:colId xmlns:a16="http://schemas.microsoft.com/office/drawing/2014/main" val="1530819411"/>
+                    </a:ext>
+                  </a:extLst>
+                </a:gridCol>
+                <a:gridCol w="2481527">
+                  <a:extLst>
+                    <a:ext uri="{9D8B030D-6E8A-4147-A177-3AD203B41FA5}">
+                      <a16:colId xmlns:a16="http://schemas.microsoft.com/office/drawing/2014/main" val="3735963141"/>
+                    </a:ext>
+                  </a:extLst>
+                </a:gridCol>
+              </a:tblGrid>
+              <a:tr h="499793">
+                <a:tc>
+                  <a:txBody>
+                    <a:bodyPr/>
+                    <a:lstStyle/>
+                    <a:p>
+                      <a:pPr>
+                        <a:lnSpc>
+                          <a:spcPct val="107000"/>
+                        </a:lnSpc>
+                        <a:spcAft>
+                          <a:spcPts val="800"/>
+                        </a:spcAft>
+                      </a:pPr>
+                      <a:r>
+                        <a:rPr lang="hu-HU" sz="1600" dirty="0">
+                          <a:effectLst/>
+                          <a:latin typeface="+mn-lt"/>
+                        </a:rPr>
+                        <a:t> </a:t>
+                      </a:r>
+                      <a:endParaRPr lang="hu-HU" sz="1600" dirty="0">
+                        <a:effectLst/>
+                        <a:latin typeface="+mn-lt"/>
+                        <a:ea typeface="Calibri" panose="020F0502020204030204" pitchFamily="34" charset="0"/>
+                      </a:endParaRPr>
+                    </a:p>
+                  </a:txBody>
+                  <a:tcPr marL="68580" marR="68580" marT="0" marB="0"/>
+                </a:tc>
+                <a:tc>
+                  <a:txBody>
+                    <a:bodyPr/>
+                    <a:lstStyle/>
+                    <a:p>
+                      <a:pPr algn="ctr">
+                        <a:lnSpc>
+                          <a:spcPct val="107000"/>
+                        </a:lnSpc>
+                        <a:spcAft>
+                          <a:spcPts val="800"/>
+                        </a:spcAft>
+                      </a:pPr>
+                      <a:r>
+                        <a:rPr lang="hu-HU" sz="1600" dirty="0">
+                          <a:effectLst/>
+                          <a:latin typeface="+mn-lt"/>
+                        </a:rPr>
+                        <a:t>Felhasználónév</a:t>
+                      </a:r>
+                      <a:endParaRPr lang="hu-HU" sz="1600" dirty="0">
+                        <a:effectLst/>
+                        <a:latin typeface="+mn-lt"/>
+                        <a:ea typeface="Calibri" panose="020F0502020204030204" pitchFamily="34" charset="0"/>
+                      </a:endParaRPr>
+                    </a:p>
+                  </a:txBody>
+                  <a:tcPr marL="68580" marR="68580" marT="0" marB="0" anchor="ctr"/>
+                </a:tc>
+                <a:tc>
+                  <a:txBody>
+                    <a:bodyPr/>
+                    <a:lstStyle/>
+                    <a:p>
+                      <a:pPr algn="ctr">
+                        <a:lnSpc>
+                          <a:spcPct val="107000"/>
+                        </a:lnSpc>
+                        <a:spcAft>
+                          <a:spcPts val="800"/>
+                        </a:spcAft>
+                      </a:pPr>
+                      <a:r>
+                        <a:rPr lang="hu-HU" sz="1600" dirty="0">
+                          <a:effectLst/>
+                          <a:latin typeface="+mn-lt"/>
+                        </a:rPr>
+                        <a:t>Jelszó</a:t>
+                      </a:r>
+                      <a:endParaRPr lang="hu-HU" sz="1600" dirty="0">
+                        <a:effectLst/>
+                        <a:latin typeface="+mn-lt"/>
+                        <a:ea typeface="Calibri" panose="020F0502020204030204" pitchFamily="34" charset="0"/>
+                      </a:endParaRPr>
+                    </a:p>
+                  </a:txBody>
+                  <a:tcPr marL="68580" marR="68580" marT="0" marB="0" anchor="ctr"/>
+                </a:tc>
+                <a:extLst>
+                  <a:ext uri="{0D108BD9-81ED-4DB2-BD59-A6C34878D82A}">
+                    <a16:rowId xmlns:a16="http://schemas.microsoft.com/office/drawing/2014/main" val="4165399226"/>
+                  </a:ext>
+                </a:extLst>
+              </a:tr>
+              <a:tr h="472309">
+                <a:tc>
+                  <a:txBody>
+                    <a:bodyPr/>
+                    <a:lstStyle/>
+                    <a:p>
+                      <a:pPr>
+                        <a:lnSpc>
+                          <a:spcPct val="107000"/>
+                        </a:lnSpc>
+                        <a:spcAft>
+                          <a:spcPts val="800"/>
+                        </a:spcAft>
+                      </a:pPr>
+                      <a:r>
+                        <a:rPr lang="hu-HU" sz="1600">
+                          <a:effectLst/>
+                          <a:latin typeface="+mn-lt"/>
+                        </a:rPr>
+                        <a:t>Privilegizált EXEC mód</a:t>
+                      </a:r>
+                      <a:endParaRPr lang="hu-HU" sz="1600">
+                        <a:effectLst/>
+                        <a:latin typeface="+mn-lt"/>
+                        <a:ea typeface="Calibri" panose="020F0502020204030204" pitchFamily="34" charset="0"/>
+                      </a:endParaRPr>
+                    </a:p>
+                  </a:txBody>
+                  <a:tcPr marL="68580" marR="68580" marT="0" marB="0" anchor="ctr"/>
+                </a:tc>
+                <a:tc>
+                  <a:txBody>
+                    <a:bodyPr/>
+                    <a:lstStyle/>
+                    <a:p>
+                      <a:pPr algn="ctr">
+                        <a:lnSpc>
+                          <a:spcPct val="107000"/>
+                        </a:lnSpc>
+                        <a:spcAft>
+                          <a:spcPts val="800"/>
+                        </a:spcAft>
+                      </a:pPr>
+                      <a:r>
+                        <a:rPr lang="hu-HU" sz="1600">
+                          <a:effectLst/>
+                          <a:latin typeface="+mn-lt"/>
+                        </a:rPr>
+                        <a:t>admin</a:t>
+                      </a:r>
+                      <a:endParaRPr lang="hu-HU" sz="1600">
+                        <a:effectLst/>
+                        <a:latin typeface="+mn-lt"/>
+                        <a:ea typeface="Calibri" panose="020F0502020204030204" pitchFamily="34" charset="0"/>
+                      </a:endParaRPr>
+                    </a:p>
+                  </a:txBody>
+                  <a:tcPr marL="68580" marR="68580" marT="0" marB="0" anchor="ctr"/>
+                </a:tc>
+                <a:tc>
+                  <a:txBody>
+                    <a:bodyPr/>
+                    <a:lstStyle/>
+                    <a:p>
+                      <a:pPr algn="ctr">
+                        <a:lnSpc>
+                          <a:spcPct val="107000"/>
+                        </a:lnSpc>
+                        <a:spcAft>
+                          <a:spcPts val="800"/>
+                        </a:spcAft>
+                      </a:pPr>
+                      <a:r>
+                        <a:rPr lang="hu-HU" sz="1600">
+                          <a:effectLst/>
+                          <a:latin typeface="+mn-lt"/>
+                        </a:rPr>
+                        <a:t>Mil4tech</a:t>
+                      </a:r>
+                      <a:endParaRPr lang="hu-HU" sz="1600">
+                        <a:effectLst/>
+                        <a:latin typeface="+mn-lt"/>
+                        <a:ea typeface="Calibri" panose="020F0502020204030204" pitchFamily="34" charset="0"/>
+                      </a:endParaRPr>
+                    </a:p>
+                  </a:txBody>
+                  <a:tcPr marL="68580" marR="68580" marT="0" marB="0" anchor="ctr"/>
+                </a:tc>
+                <a:extLst>
+                  <a:ext uri="{0D108BD9-81ED-4DB2-BD59-A6C34878D82A}">
+                    <a16:rowId xmlns:a16="http://schemas.microsoft.com/office/drawing/2014/main" val="457366227"/>
+                  </a:ext>
+                </a:extLst>
+              </a:tr>
+              <a:tr h="472309">
+                <a:tc>
+                  <a:txBody>
+                    <a:bodyPr/>
+                    <a:lstStyle/>
+                    <a:p>
+                      <a:pPr>
+                        <a:lnSpc>
+                          <a:spcPct val="107000"/>
+                        </a:lnSpc>
+                        <a:spcAft>
+                          <a:spcPts val="800"/>
+                        </a:spcAft>
+                      </a:pPr>
+                      <a:r>
+                        <a:rPr lang="hu-HU" sz="1600">
+                          <a:effectLst/>
+                          <a:latin typeface="+mn-lt"/>
+                        </a:rPr>
+                        <a:t>Felhasználói EXEC mód</a:t>
+                      </a:r>
+                      <a:endParaRPr lang="hu-HU" sz="1600">
+                        <a:effectLst/>
+                        <a:latin typeface="+mn-lt"/>
+                        <a:ea typeface="Calibri" panose="020F0502020204030204" pitchFamily="34" charset="0"/>
+                      </a:endParaRPr>
+                    </a:p>
+                  </a:txBody>
+                  <a:tcPr marL="68580" marR="68580" marT="0" marB="0" anchor="ctr"/>
+                </a:tc>
+                <a:tc>
+                  <a:txBody>
+                    <a:bodyPr/>
+                    <a:lstStyle/>
+                    <a:p>
+                      <a:pPr algn="ctr">
+                        <a:lnSpc>
+                          <a:spcPct val="107000"/>
+                        </a:lnSpc>
+                        <a:spcAft>
+                          <a:spcPts val="800"/>
+                        </a:spcAft>
+                      </a:pPr>
+                      <a:r>
+                        <a:rPr lang="hu-HU" sz="1600">
+                          <a:effectLst/>
+                          <a:latin typeface="+mn-lt"/>
+                        </a:rPr>
+                        <a:t>admin</a:t>
+                      </a:r>
+                      <a:endParaRPr lang="hu-HU" sz="1600">
+                        <a:effectLst/>
+                        <a:latin typeface="+mn-lt"/>
+                        <a:ea typeface="Calibri" panose="020F0502020204030204" pitchFamily="34" charset="0"/>
+                      </a:endParaRPr>
+                    </a:p>
+                  </a:txBody>
+                  <a:tcPr marL="68580" marR="68580" marT="0" marB="0" anchor="ctr"/>
+                </a:tc>
+                <a:tc>
+                  <a:txBody>
+                    <a:bodyPr/>
+                    <a:lstStyle/>
+                    <a:p>
+                      <a:pPr algn="ctr">
+                        <a:lnSpc>
+                          <a:spcPct val="107000"/>
+                        </a:lnSpc>
+                        <a:spcAft>
+                          <a:spcPts val="800"/>
+                        </a:spcAft>
+                      </a:pPr>
+                      <a:r>
+                        <a:rPr lang="hu-HU" sz="1600">
+                          <a:effectLst/>
+                          <a:latin typeface="+mn-lt"/>
+                        </a:rPr>
+                        <a:t>Mil4tech</a:t>
+                      </a:r>
+                      <a:endParaRPr lang="hu-HU" sz="1600">
+                        <a:effectLst/>
+                        <a:latin typeface="+mn-lt"/>
+                        <a:ea typeface="Calibri" panose="020F0502020204030204" pitchFamily="34" charset="0"/>
+                      </a:endParaRPr>
+                    </a:p>
+                  </a:txBody>
+                  <a:tcPr marL="68580" marR="68580" marT="0" marB="0" anchor="ctr"/>
+                </a:tc>
+                <a:extLst>
+                  <a:ext uri="{0D108BD9-81ED-4DB2-BD59-A6C34878D82A}">
+                    <a16:rowId xmlns:a16="http://schemas.microsoft.com/office/drawing/2014/main" val="3691237575"/>
+                  </a:ext>
+                </a:extLst>
+              </a:tr>
+              <a:tr h="472309">
+                <a:tc>
+                  <a:txBody>
+                    <a:bodyPr/>
+                    <a:lstStyle/>
+                    <a:p>
+                      <a:pPr>
+                        <a:lnSpc>
+                          <a:spcPct val="107000"/>
+                        </a:lnSpc>
+                        <a:spcAft>
+                          <a:spcPts val="800"/>
+                        </a:spcAft>
+                      </a:pPr>
+                      <a:r>
+                        <a:rPr lang="hu-HU" sz="1600">
+                          <a:effectLst/>
+                          <a:latin typeface="+mn-lt"/>
+                        </a:rPr>
+                        <a:t>SSH</a:t>
+                      </a:r>
+                      <a:endParaRPr lang="hu-HU" sz="1600">
+                        <a:effectLst/>
+                        <a:latin typeface="+mn-lt"/>
+                        <a:ea typeface="Calibri" panose="020F0502020204030204" pitchFamily="34" charset="0"/>
+                      </a:endParaRPr>
+                    </a:p>
+                  </a:txBody>
+                  <a:tcPr marL="68580" marR="68580" marT="0" marB="0" anchor="ctr"/>
+                </a:tc>
+                <a:tc>
+                  <a:txBody>
+                    <a:bodyPr/>
+                    <a:lstStyle/>
+                    <a:p>
+                      <a:pPr algn="ctr">
+                        <a:lnSpc>
+                          <a:spcPct val="107000"/>
+                        </a:lnSpc>
+                        <a:spcAft>
+                          <a:spcPts val="800"/>
+                        </a:spcAft>
+                      </a:pPr>
+                      <a:r>
+                        <a:rPr lang="hu-HU" sz="1600">
+                          <a:effectLst/>
+                          <a:latin typeface="+mn-lt"/>
+                        </a:rPr>
+                        <a:t>admin</a:t>
+                      </a:r>
+                      <a:endParaRPr lang="hu-HU" sz="1600">
+                        <a:effectLst/>
+                        <a:latin typeface="+mn-lt"/>
+                        <a:ea typeface="Calibri" panose="020F0502020204030204" pitchFamily="34" charset="0"/>
+                      </a:endParaRPr>
+                    </a:p>
+                  </a:txBody>
+                  <a:tcPr marL="68580" marR="68580" marT="0" marB="0" anchor="ctr"/>
+                </a:tc>
+                <a:tc>
+                  <a:txBody>
+                    <a:bodyPr/>
+                    <a:lstStyle/>
+                    <a:p>
+                      <a:pPr algn="ctr">
+                        <a:lnSpc>
+                          <a:spcPct val="107000"/>
+                        </a:lnSpc>
+                        <a:spcAft>
+                          <a:spcPts val="800"/>
+                        </a:spcAft>
+                      </a:pPr>
+                      <a:r>
+                        <a:rPr lang="hu-HU" sz="1600">
+                          <a:effectLst/>
+                          <a:latin typeface="+mn-lt"/>
+                        </a:rPr>
+                        <a:t>Mil4tech</a:t>
+                      </a:r>
+                      <a:endParaRPr lang="hu-HU" sz="1600">
+                        <a:effectLst/>
+                        <a:latin typeface="+mn-lt"/>
+                        <a:ea typeface="Calibri" panose="020F0502020204030204" pitchFamily="34" charset="0"/>
+                      </a:endParaRPr>
+                    </a:p>
+                  </a:txBody>
+                  <a:tcPr marL="68580" marR="68580" marT="0" marB="0" anchor="ctr"/>
+                </a:tc>
+                <a:extLst>
+                  <a:ext uri="{0D108BD9-81ED-4DB2-BD59-A6C34878D82A}">
+                    <a16:rowId xmlns:a16="http://schemas.microsoft.com/office/drawing/2014/main" val="2250888279"/>
+                  </a:ext>
+                </a:extLst>
+              </a:tr>
+              <a:tr h="472309">
+                <a:tc>
+                  <a:txBody>
+                    <a:bodyPr/>
+                    <a:lstStyle/>
+                    <a:p>
+                      <a:pPr>
+                        <a:lnSpc>
+                          <a:spcPct val="107000"/>
+                        </a:lnSpc>
+                        <a:spcAft>
+                          <a:spcPts val="800"/>
+                        </a:spcAft>
+                      </a:pPr>
+                      <a:r>
+                        <a:rPr lang="hu-HU" sz="1600">
+                          <a:effectLst/>
+                          <a:latin typeface="+mn-lt"/>
+                        </a:rPr>
+                        <a:t>Wireless Router</a:t>
+                      </a:r>
+                      <a:endParaRPr lang="hu-HU" sz="1600">
+                        <a:effectLst/>
+                        <a:latin typeface="+mn-lt"/>
+                        <a:ea typeface="Calibri" panose="020F0502020204030204" pitchFamily="34" charset="0"/>
+                      </a:endParaRPr>
+                    </a:p>
+                  </a:txBody>
+                  <a:tcPr marL="68580" marR="68580" marT="0" marB="0" anchor="ctr"/>
+                </a:tc>
+                <a:tc>
+                  <a:txBody>
+                    <a:bodyPr/>
+                    <a:lstStyle/>
+                    <a:p>
+                      <a:pPr>
+                        <a:lnSpc>
+                          <a:spcPct val="107000"/>
+                        </a:lnSpc>
+                      </a:pPr>
+                      <a:endParaRPr lang="hu-HU" sz="1600">
+                        <a:effectLst/>
+                        <a:latin typeface="+mn-lt"/>
+                      </a:endParaRPr>
+                    </a:p>
+                  </a:txBody>
+                  <a:tcPr marL="68580" marR="68580" marT="0" marB="0" anchor="ctr"/>
+                </a:tc>
+                <a:tc>
+                  <a:txBody>
+                    <a:bodyPr/>
+                    <a:lstStyle/>
+                    <a:p>
+                      <a:pPr algn="ctr">
+                        <a:lnSpc>
+                          <a:spcPct val="107000"/>
+                        </a:lnSpc>
+                        <a:spcAft>
+                          <a:spcPts val="800"/>
+                        </a:spcAft>
+                      </a:pPr>
+                      <a:r>
+                        <a:rPr lang="hu-HU" sz="1600" dirty="0">
+                          <a:effectLst/>
+                          <a:latin typeface="+mn-lt"/>
+                        </a:rPr>
+                        <a:t>Milatech1</a:t>
+                      </a:r>
+                      <a:endParaRPr lang="hu-HU" sz="1600" dirty="0">
+                        <a:effectLst/>
+                        <a:latin typeface="+mn-lt"/>
+                        <a:ea typeface="Calibri" panose="020F0502020204030204" pitchFamily="34" charset="0"/>
+                      </a:endParaRPr>
+                    </a:p>
+                  </a:txBody>
+                  <a:tcPr marL="68580" marR="68580" marT="0" marB="0" anchor="ctr"/>
+                </a:tc>
+                <a:extLst>
+                  <a:ext uri="{0D108BD9-81ED-4DB2-BD59-A6C34878D82A}">
+                    <a16:rowId xmlns:a16="http://schemas.microsoft.com/office/drawing/2014/main" val="3916211040"/>
+                  </a:ext>
+                </a:extLst>
+              </a:tr>
+            </a:tbl>
+          </a:graphicData>
+        </a:graphic>
+      </p:graphicFrame>
+      <p:graphicFrame>
+        <p:nvGraphicFramePr>
+          <p:cNvPr id="5" name="Táblázat 4">
+            <a:extLst>
+              <a:ext uri="{FF2B5EF4-FFF2-40B4-BE49-F238E27FC236}">
+                <a16:creationId xmlns:a16="http://schemas.microsoft.com/office/drawing/2014/main" id="{056E177E-8024-6B6A-FFE0-4B1174C74B69}"/>
+              </a:ext>
+            </a:extLst>
+          </p:cNvPr>
+          <p:cNvGraphicFramePr>
+            <a:graphicFrameLocks noGrp="1"/>
+          </p:cNvGraphicFramePr>
+          <p:nvPr>
+            <p:extLst>
+              <p:ext uri="{D42A27DB-BD31-4B8C-83A1-F6EECF244321}">
+                <p14:modId xmlns:p14="http://schemas.microsoft.com/office/powerpoint/2010/main" val="797337427"/>
+              </p:ext>
+            </p:extLst>
+          </p:nvPr>
+        </p:nvGraphicFramePr>
+        <p:xfrm>
+          <a:off x="7775412" y="4225451"/>
+          <a:ext cx="3984788" cy="2394317"/>
+        </p:xfrm>
+        <a:graphic>
+          <a:graphicData uri="http://schemas.openxmlformats.org/drawingml/2006/table">
+            <a:tbl>
+              <a:tblPr bandRow="1">
+                <a:tableStyleId>{5C22544A-7EE6-4342-B048-85BDC9FD1C3A}</a:tableStyleId>
+              </a:tblPr>
+              <a:tblGrid>
+                <a:gridCol w="1992071">
+                  <a:extLst>
+                    <a:ext uri="{9D8B030D-6E8A-4147-A177-3AD203B41FA5}">
+                      <a16:colId xmlns:a16="http://schemas.microsoft.com/office/drawing/2014/main" val="1047251706"/>
+                    </a:ext>
+                  </a:extLst>
+                </a:gridCol>
+                <a:gridCol w="1992717">
+                  <a:extLst>
+                    <a:ext uri="{9D8B030D-6E8A-4147-A177-3AD203B41FA5}">
+                      <a16:colId xmlns:a16="http://schemas.microsoft.com/office/drawing/2014/main" val="1094314456"/>
+                    </a:ext>
+                  </a:extLst>
+                </a:gridCol>
+              </a:tblGrid>
+              <a:tr h="455085">
+                <a:tc>
+                  <a:txBody>
+                    <a:bodyPr/>
+                    <a:lstStyle/>
+                    <a:p>
+                      <a:pPr algn="l">
+                        <a:lnSpc>
+                          <a:spcPct val="107000"/>
+                        </a:lnSpc>
+                        <a:spcAft>
+                          <a:spcPts val="800"/>
+                        </a:spcAft>
+                      </a:pPr>
+                      <a:r>
+                        <a:rPr lang="hu-HU" sz="1800" dirty="0">
+                          <a:effectLst/>
+                          <a:latin typeface="+mn-lt"/>
+                        </a:rPr>
+                        <a:t>AAA</a:t>
+                      </a:r>
+                      <a:endParaRPr lang="hu-HU" sz="1800" dirty="0">
+                        <a:effectLst/>
+                        <a:latin typeface="+mn-lt"/>
+                        <a:ea typeface="Calibri" panose="020F0502020204030204" pitchFamily="34" charset="0"/>
+                      </a:endParaRPr>
+                    </a:p>
+                  </a:txBody>
+                  <a:tcPr marL="68580" marR="68580" marT="0" marB="0"/>
+                </a:tc>
+                <a:tc>
+                  <a:txBody>
+                    <a:bodyPr/>
+                    <a:lstStyle/>
+                    <a:p>
+                      <a:pPr algn="ctr">
+                        <a:lnSpc>
+                          <a:spcPct val="107000"/>
+                        </a:lnSpc>
+                        <a:spcAft>
+                          <a:spcPts val="800"/>
+                        </a:spcAft>
+                      </a:pPr>
+                      <a:r>
+                        <a:rPr lang="hu-HU" sz="1800">
+                          <a:effectLst/>
+                          <a:latin typeface="+mn-lt"/>
+                        </a:rPr>
+                        <a:t> </a:t>
+                      </a:r>
+                      <a:endParaRPr lang="hu-HU" sz="1800">
+                        <a:effectLst/>
+                        <a:latin typeface="+mn-lt"/>
+                        <a:ea typeface="Calibri" panose="020F0502020204030204" pitchFamily="34" charset="0"/>
+                      </a:endParaRPr>
+                    </a:p>
+                  </a:txBody>
+                  <a:tcPr marL="68580" marR="68580" marT="0" marB="0" anchor="ctr"/>
+                </a:tc>
+                <a:extLst>
+                  <a:ext uri="{0D108BD9-81ED-4DB2-BD59-A6C34878D82A}">
+                    <a16:rowId xmlns:a16="http://schemas.microsoft.com/office/drawing/2014/main" val="3726853058"/>
+                  </a:ext>
+                </a:extLst>
+              </a:tr>
+              <a:tr h="455085">
+                <a:tc>
+                  <a:txBody>
+                    <a:bodyPr/>
+                    <a:lstStyle/>
+                    <a:p>
+                      <a:pPr algn="l">
+                        <a:lnSpc>
+                          <a:spcPct val="107000"/>
+                        </a:lnSpc>
+                      </a:pPr>
+                      <a:endParaRPr lang="hu-HU" sz="1800" dirty="0">
+                        <a:effectLst/>
+                        <a:latin typeface="+mn-lt"/>
+                      </a:endParaRPr>
+                    </a:p>
+                  </a:txBody>
+                  <a:tcPr marL="68580" marR="68580" marT="0" marB="0"/>
+                </a:tc>
+                <a:tc>
+                  <a:txBody>
+                    <a:bodyPr/>
+                    <a:lstStyle/>
+                    <a:p>
+                      <a:pPr algn="ctr">
+                        <a:lnSpc>
+                          <a:spcPct val="107000"/>
+                        </a:lnSpc>
+                        <a:spcAft>
+                          <a:spcPts val="800"/>
+                        </a:spcAft>
+                      </a:pPr>
+                      <a:r>
+                        <a:rPr lang="hu-HU" sz="1800">
+                          <a:effectLst/>
+                          <a:latin typeface="+mn-lt"/>
+                        </a:rPr>
+                        <a:t>Admin</a:t>
+                      </a:r>
+                      <a:endParaRPr lang="hu-HU" sz="1800">
+                        <a:effectLst/>
+                        <a:latin typeface="+mn-lt"/>
+                        <a:ea typeface="Calibri" panose="020F0502020204030204" pitchFamily="34" charset="0"/>
+                      </a:endParaRPr>
+                    </a:p>
+                  </a:txBody>
+                  <a:tcPr marL="68580" marR="68580" marT="0" marB="0" anchor="ctr"/>
+                </a:tc>
+                <a:extLst>
+                  <a:ext uri="{0D108BD9-81ED-4DB2-BD59-A6C34878D82A}">
+                    <a16:rowId xmlns:a16="http://schemas.microsoft.com/office/drawing/2014/main" val="3906000122"/>
+                  </a:ext>
+                </a:extLst>
+              </a:tr>
+              <a:tr h="455085">
+                <a:tc>
+                  <a:txBody>
+                    <a:bodyPr/>
+                    <a:lstStyle/>
+                    <a:p>
+                      <a:pPr algn="l">
+                        <a:lnSpc>
+                          <a:spcPct val="107000"/>
+                        </a:lnSpc>
+                        <a:spcAft>
+                          <a:spcPts val="800"/>
+                        </a:spcAft>
+                      </a:pPr>
+                      <a:r>
+                        <a:rPr lang="hu-HU" sz="1800" dirty="0">
+                          <a:effectLst/>
+                          <a:latin typeface="+mn-lt"/>
+                          <a:ea typeface="Calibri" panose="020F0502020204030204" pitchFamily="34" charset="0"/>
+                        </a:rPr>
+                        <a:t>Jelszó</a:t>
+                      </a:r>
+                    </a:p>
+                  </a:txBody>
+                  <a:tcPr marL="68580" marR="68580" marT="0" marB="0"/>
+                </a:tc>
+                <a:tc>
+                  <a:txBody>
+                    <a:bodyPr/>
+                    <a:lstStyle/>
+                    <a:p>
+                      <a:pPr algn="ctr">
+                        <a:lnSpc>
+                          <a:spcPct val="107000"/>
+                        </a:lnSpc>
+                        <a:spcAft>
+                          <a:spcPts val="800"/>
+                        </a:spcAft>
+                      </a:pPr>
+                      <a:r>
+                        <a:rPr lang="hu-HU" sz="1800">
+                          <a:effectLst/>
+                          <a:latin typeface="+mn-lt"/>
+                        </a:rPr>
+                        <a:t>Mil4tech</a:t>
+                      </a:r>
+                      <a:endParaRPr lang="hu-HU" sz="1800">
+                        <a:effectLst/>
+                        <a:latin typeface="+mn-lt"/>
+                        <a:ea typeface="Calibri" panose="020F0502020204030204" pitchFamily="34" charset="0"/>
+                      </a:endParaRPr>
+                    </a:p>
+                  </a:txBody>
+                  <a:tcPr marL="68580" marR="68580" marT="0" marB="0" anchor="ctr"/>
+                </a:tc>
+                <a:extLst>
+                  <a:ext uri="{0D108BD9-81ED-4DB2-BD59-A6C34878D82A}">
+                    <a16:rowId xmlns:a16="http://schemas.microsoft.com/office/drawing/2014/main" val="1017908711"/>
+                  </a:ext>
+                </a:extLst>
+              </a:tr>
+              <a:tr h="568690">
+                <a:tc>
+                  <a:txBody>
+                    <a:bodyPr/>
+                    <a:lstStyle/>
+                    <a:p>
+                      <a:pPr algn="l">
+                        <a:lnSpc>
+                          <a:spcPct val="107000"/>
+                        </a:lnSpc>
+                        <a:spcAft>
+                          <a:spcPts val="800"/>
+                        </a:spcAft>
+                      </a:pPr>
+                      <a:r>
+                        <a:rPr lang="hu-HU" sz="1800" dirty="0">
+                          <a:effectLst/>
+                          <a:latin typeface="+mn-lt"/>
+                          <a:ea typeface="Calibri" panose="020F0502020204030204" pitchFamily="34" charset="0"/>
+                        </a:rPr>
+                        <a:t>Kliens név</a:t>
+                      </a:r>
+                    </a:p>
+                  </a:txBody>
+                  <a:tcPr marL="68580" marR="68580" marT="0" marB="0"/>
+                </a:tc>
+                <a:tc>
+                  <a:txBody>
+                    <a:bodyPr/>
+                    <a:lstStyle/>
+                    <a:p>
+                      <a:pPr algn="ctr">
+                        <a:lnSpc>
+                          <a:spcPct val="107000"/>
+                        </a:lnSpc>
+                        <a:spcAft>
+                          <a:spcPts val="800"/>
+                        </a:spcAft>
+                      </a:pPr>
+                      <a:r>
+                        <a:rPr lang="hu-HU" sz="1800" dirty="0">
+                          <a:effectLst/>
+                          <a:latin typeface="+mn-lt"/>
+                        </a:rPr>
+                        <a:t>Felhasználónév </a:t>
+                      </a:r>
+                      <a:r>
+                        <a:rPr lang="hu-HU" sz="1800" dirty="0" err="1">
+                          <a:effectLst/>
+                          <a:latin typeface="+mn-lt"/>
+                        </a:rPr>
+                        <a:t>Milatech.aaa</a:t>
+                      </a:r>
+                      <a:endParaRPr lang="hu-HU" sz="1800" dirty="0">
+                        <a:effectLst/>
+                        <a:latin typeface="+mn-lt"/>
+                        <a:ea typeface="Calibri" panose="020F0502020204030204" pitchFamily="34" charset="0"/>
+                      </a:endParaRPr>
+                    </a:p>
+                  </a:txBody>
+                  <a:tcPr marL="68580" marR="68580" marT="0" marB="0" anchor="ctr"/>
+                </a:tc>
+                <a:extLst>
+                  <a:ext uri="{0D108BD9-81ED-4DB2-BD59-A6C34878D82A}">
+                    <a16:rowId xmlns:a16="http://schemas.microsoft.com/office/drawing/2014/main" val="2461985301"/>
+                  </a:ext>
+                </a:extLst>
+              </a:tr>
+              <a:tr h="455085">
+                <a:tc>
+                  <a:txBody>
+                    <a:bodyPr/>
+                    <a:lstStyle/>
+                    <a:p>
+                      <a:pPr algn="l">
+                        <a:lnSpc>
+                          <a:spcPct val="107000"/>
+                        </a:lnSpc>
+                        <a:spcAft>
+                          <a:spcPts val="800"/>
+                        </a:spcAft>
+                      </a:pPr>
+                      <a:r>
+                        <a:rPr lang="hu-HU" sz="1800" dirty="0">
+                          <a:effectLst/>
+                          <a:latin typeface="+mn-lt"/>
+                          <a:ea typeface="Calibri" panose="020F0502020204030204" pitchFamily="34" charset="0"/>
+                        </a:rPr>
+                        <a:t>Titkosított</a:t>
+                      </a:r>
+                    </a:p>
+                  </a:txBody>
+                  <a:tcPr marL="68580" marR="68580" marT="0" marB="0"/>
+                </a:tc>
+                <a:tc>
+                  <a:txBody>
+                    <a:bodyPr/>
+                    <a:lstStyle/>
+                    <a:p>
+                      <a:pPr algn="ctr">
+                        <a:lnSpc>
+                          <a:spcPct val="107000"/>
+                        </a:lnSpc>
+                        <a:spcAft>
+                          <a:spcPts val="800"/>
+                        </a:spcAft>
+                      </a:pPr>
+                      <a:r>
+                        <a:rPr lang="hu-HU" sz="1800" dirty="0">
+                          <a:effectLst/>
+                          <a:latin typeface="+mn-lt"/>
+                        </a:rPr>
+                        <a:t>Mil4tech</a:t>
+                      </a:r>
+                      <a:endParaRPr lang="hu-HU" sz="1800" dirty="0">
+                        <a:effectLst/>
+                        <a:latin typeface="+mn-lt"/>
+                        <a:ea typeface="Calibri" panose="020F0502020204030204" pitchFamily="34" charset="0"/>
+                      </a:endParaRPr>
+                    </a:p>
+                  </a:txBody>
+                  <a:tcPr marL="68580" marR="68580" marT="0" marB="0" anchor="ctr"/>
+                </a:tc>
+                <a:extLst>
+                  <a:ext uri="{0D108BD9-81ED-4DB2-BD59-A6C34878D82A}">
+                    <a16:rowId xmlns:a16="http://schemas.microsoft.com/office/drawing/2014/main" val="615191734"/>
+                  </a:ext>
+                </a:extLst>
+              </a:tr>
+            </a:tbl>
+          </a:graphicData>
+        </a:graphic>
+      </p:graphicFrame>
+      <p:sp>
+        <p:nvSpPr>
+          <p:cNvPr id="8" name="Rectangle 1">
+            <a:extLst>
+              <a:ext uri="{FF2B5EF4-FFF2-40B4-BE49-F238E27FC236}">
+                <a16:creationId xmlns:a16="http://schemas.microsoft.com/office/drawing/2014/main" id="{0506DD9D-3818-E252-DA8E-0319E23F85C9}"/>
+              </a:ext>
+            </a:extLst>
+          </p:cNvPr>
+          <p:cNvSpPr>
+            <a:spLocks noChangeArrowheads="1"/>
+          </p:cNvSpPr>
+          <p:nvPr/>
+        </p:nvSpPr>
+        <p:spPr bwMode="auto">
+          <a:xfrm>
+            <a:off x="11353800" y="4699795"/>
+            <a:ext cx="12192000" cy="457200"/>
+          </a:xfrm>
+          <a:prstGeom prst="rect">
+            <a:avLst/>
+          </a:prstGeom>
+          <a:noFill/>
+          <a:ln>
+            <a:noFill/>
+          </a:ln>
+          <a:effectLst/>
+          <a:extLst>
+            <a:ext uri="{909E8E84-426E-40DD-AFC4-6F175D3DCCD1}">
+              <a14:hiddenFill xmlns:a14="http://schemas.microsoft.com/office/drawing/2010/main">
+                <a:solidFill>
+                  <a:schemeClr val="accent1"/>
+                </a:solidFill>
+              </a14:hiddenFill>
+            </a:ext>
+            <a:ext uri="{91240B29-F687-4F45-9708-019B960494DF}">
+              <a14:hiddenLine xmlns:a14="http://schemas.microsoft.com/office/drawing/2010/main" w="9525">
+                <a:solidFill>
+                  <a:schemeClr val="tx1"/>
+                </a:solidFill>
+                <a:miter lim="800000"/>
+                <a:headEnd/>
+                <a:tailEnd/>
+              </a14:hiddenLine>
+            </a:ext>
+            <a:ext uri="{AF507438-7753-43E0-B8FC-AC1667EBCBE1}">
+              <a14:hiddenEffects xmlns:a14="http://schemas.microsoft.com/office/drawing/2010/main">
+                <a:effectLst>
+                  <a:outerShdw dist="35921" dir="2700000" algn="ctr" rotWithShape="0">
+                    <a:schemeClr val="bg2"/>
+                  </a:outerShdw>
+                </a:effectLst>
+              </a14:hiddenEffects>
+            </a:ext>
+          </a:extLst>
+        </p:spPr>
+        <p:txBody>
+          <a:bodyPr vert="horz" wrap="none" lIns="91440" tIns="45720" rIns="91440" bIns="45720" numCol="1" anchor="ctr" anchorCtr="0" compatLnSpc="1">
+            <a:prstTxWarp prst="textNoShape">
+              <a:avLst/>
+            </a:prstTxWarp>
+            <a:spAutoFit/>
+          </a:bodyPr>
+          <a:lstStyle/>
+          <a:p>
+            <a:endParaRPr lang="hu-HU"/>
+          </a:p>
+        </p:txBody>
+      </p:sp>
+      <p:pic>
+        <p:nvPicPr>
+          <p:cNvPr id="14" name="Tartalom helye 13">
+            <a:extLst>
+              <a:ext uri="{FF2B5EF4-FFF2-40B4-BE49-F238E27FC236}">
+                <a16:creationId xmlns:a16="http://schemas.microsoft.com/office/drawing/2014/main" id="{B33F7129-4075-D415-21B0-8F814C475721}"/>
+              </a:ext>
+            </a:extLst>
+          </p:cNvPr>
+          <p:cNvPicPr>
+            <a:picLocks noChangeAspect="1"/>
+          </p:cNvPicPr>
+          <p:nvPr/>
+        </p:nvPicPr>
+        <p:blipFill>
+          <a:blip r:embed="rId5"/>
+          <a:stretch>
+            <a:fillRect/>
+          </a:stretch>
+        </p:blipFill>
+        <p:spPr>
+          <a:xfrm>
+            <a:off x="14233414" y="1156064"/>
+            <a:ext cx="8134565" cy="3069387"/>
+          </a:xfrm>
+          <a:prstGeom prst="rect">
+            <a:avLst/>
+          </a:prstGeom>
+        </p:spPr>
+      </p:pic>
     </p:spTree>
     <p:extLst>
       <p:ext uri="{BB962C8B-B14F-4D97-AF65-F5344CB8AC3E}">
@@ -5347,13 +7159,13 @@
   <p:clrMapOvr>
     <a:masterClrMapping/>
   </p:clrMapOvr>
-  <mc:AlternateContent xmlns:mc="http://schemas.openxmlformats.org/markup-compatibility/2006">
-    <mc:Choice xmlns:p159="http://schemas.microsoft.com/office/powerpoint/2015/09/main" Requires="p159">
+  <mc:AlternateContent xmlns:mc="http://schemas.openxmlformats.org/markup-compatibility/2006" xmlns:p159="http://schemas.microsoft.com/office/powerpoint/2015/09/main">
+    <mc:Choice Requires="p159">
       <p:transition xmlns:p14="http://schemas.microsoft.com/office/powerpoint/2010/main" spd="slow" p14:dur="2000">
         <p159:morph option="byObject"/>
       </p:transition>
     </mc:Choice>
-    <mc:Fallback>
+    <mc:Fallback xmlns="">
       <p:transition spd="slow">
         <p:fade/>
       </p:transition>
@@ -5751,6 +7563,881 @@
           </a:prstGeom>
         </p:spPr>
       </p:pic>
+      <p:graphicFrame>
+        <p:nvGraphicFramePr>
+          <p:cNvPr id="8" name="Táblázat 7">
+            <a:extLst>
+              <a:ext uri="{FF2B5EF4-FFF2-40B4-BE49-F238E27FC236}">
+                <a16:creationId xmlns:a16="http://schemas.microsoft.com/office/drawing/2014/main" id="{54BED844-6821-6DC6-1F6F-975B07831FE3}"/>
+              </a:ext>
+            </a:extLst>
+          </p:cNvPr>
+          <p:cNvGraphicFramePr>
+            <a:graphicFrameLocks noGrp="1"/>
+          </p:cNvGraphicFramePr>
+          <p:nvPr>
+            <p:extLst>
+              <p:ext uri="{D42A27DB-BD31-4B8C-83A1-F6EECF244321}">
+                <p14:modId xmlns:p14="http://schemas.microsoft.com/office/powerpoint/2010/main" val="1583318851"/>
+              </p:ext>
+            </p:extLst>
+          </p:nvPr>
+        </p:nvGraphicFramePr>
+        <p:xfrm>
+          <a:off x="0" y="8183849"/>
+          <a:ext cx="7444581" cy="2389029"/>
+        </p:xfrm>
+        <a:graphic>
+          <a:graphicData uri="http://schemas.openxmlformats.org/drawingml/2006/table">
+            <a:tbl>
+              <a:tblPr bandRow="1">
+                <a:tableStyleId>{5C22544A-7EE6-4342-B048-85BDC9FD1C3A}</a:tableStyleId>
+              </a:tblPr>
+              <a:tblGrid>
+                <a:gridCol w="2481527">
+                  <a:extLst>
+                    <a:ext uri="{9D8B030D-6E8A-4147-A177-3AD203B41FA5}">
+                      <a16:colId xmlns:a16="http://schemas.microsoft.com/office/drawing/2014/main" val="3895219105"/>
+                    </a:ext>
+                  </a:extLst>
+                </a:gridCol>
+                <a:gridCol w="2481527">
+                  <a:extLst>
+                    <a:ext uri="{9D8B030D-6E8A-4147-A177-3AD203B41FA5}">
+                      <a16:colId xmlns:a16="http://schemas.microsoft.com/office/drawing/2014/main" val="1530819411"/>
+                    </a:ext>
+                  </a:extLst>
+                </a:gridCol>
+                <a:gridCol w="2481527">
+                  <a:extLst>
+                    <a:ext uri="{9D8B030D-6E8A-4147-A177-3AD203B41FA5}">
+                      <a16:colId xmlns:a16="http://schemas.microsoft.com/office/drawing/2014/main" val="3735963141"/>
+                    </a:ext>
+                  </a:extLst>
+                </a:gridCol>
+              </a:tblGrid>
+              <a:tr h="499793">
+                <a:tc>
+                  <a:txBody>
+                    <a:bodyPr/>
+                    <a:lstStyle/>
+                    <a:p>
+                      <a:pPr>
+                        <a:lnSpc>
+                          <a:spcPct val="107000"/>
+                        </a:lnSpc>
+                        <a:spcAft>
+                          <a:spcPts val="800"/>
+                        </a:spcAft>
+                      </a:pPr>
+                      <a:r>
+                        <a:rPr lang="hu-HU" sz="1600" dirty="0">
+                          <a:effectLst/>
+                          <a:latin typeface="+mn-lt"/>
+                        </a:rPr>
+                        <a:t> </a:t>
+                      </a:r>
+                      <a:endParaRPr lang="hu-HU" sz="1600" dirty="0">
+                        <a:effectLst/>
+                        <a:latin typeface="+mn-lt"/>
+                        <a:ea typeface="Calibri" panose="020F0502020204030204" pitchFamily="34" charset="0"/>
+                      </a:endParaRPr>
+                    </a:p>
+                  </a:txBody>
+                  <a:tcPr marL="68580" marR="68580" marT="0" marB="0"/>
+                </a:tc>
+                <a:tc>
+                  <a:txBody>
+                    <a:bodyPr/>
+                    <a:lstStyle/>
+                    <a:p>
+                      <a:pPr algn="ctr">
+                        <a:lnSpc>
+                          <a:spcPct val="107000"/>
+                        </a:lnSpc>
+                        <a:spcAft>
+                          <a:spcPts val="800"/>
+                        </a:spcAft>
+                      </a:pPr>
+                      <a:r>
+                        <a:rPr lang="hu-HU" sz="1600" dirty="0">
+                          <a:effectLst/>
+                          <a:latin typeface="+mn-lt"/>
+                        </a:rPr>
+                        <a:t>Felhasználónév</a:t>
+                      </a:r>
+                      <a:endParaRPr lang="hu-HU" sz="1600" dirty="0">
+                        <a:effectLst/>
+                        <a:latin typeface="+mn-lt"/>
+                        <a:ea typeface="Calibri" panose="020F0502020204030204" pitchFamily="34" charset="0"/>
+                      </a:endParaRPr>
+                    </a:p>
+                  </a:txBody>
+                  <a:tcPr marL="68580" marR="68580" marT="0" marB="0" anchor="ctr"/>
+                </a:tc>
+                <a:tc>
+                  <a:txBody>
+                    <a:bodyPr/>
+                    <a:lstStyle/>
+                    <a:p>
+                      <a:pPr algn="ctr">
+                        <a:lnSpc>
+                          <a:spcPct val="107000"/>
+                        </a:lnSpc>
+                        <a:spcAft>
+                          <a:spcPts val="800"/>
+                        </a:spcAft>
+                      </a:pPr>
+                      <a:r>
+                        <a:rPr lang="hu-HU" sz="1600" dirty="0">
+                          <a:effectLst/>
+                          <a:latin typeface="+mn-lt"/>
+                        </a:rPr>
+                        <a:t>Jelszó</a:t>
+                      </a:r>
+                      <a:endParaRPr lang="hu-HU" sz="1600" dirty="0">
+                        <a:effectLst/>
+                        <a:latin typeface="+mn-lt"/>
+                        <a:ea typeface="Calibri" panose="020F0502020204030204" pitchFamily="34" charset="0"/>
+                      </a:endParaRPr>
+                    </a:p>
+                  </a:txBody>
+                  <a:tcPr marL="68580" marR="68580" marT="0" marB="0" anchor="ctr"/>
+                </a:tc>
+                <a:extLst>
+                  <a:ext uri="{0D108BD9-81ED-4DB2-BD59-A6C34878D82A}">
+                    <a16:rowId xmlns:a16="http://schemas.microsoft.com/office/drawing/2014/main" val="4165399226"/>
+                  </a:ext>
+                </a:extLst>
+              </a:tr>
+              <a:tr h="472309">
+                <a:tc>
+                  <a:txBody>
+                    <a:bodyPr/>
+                    <a:lstStyle/>
+                    <a:p>
+                      <a:pPr>
+                        <a:lnSpc>
+                          <a:spcPct val="107000"/>
+                        </a:lnSpc>
+                        <a:spcAft>
+                          <a:spcPts val="800"/>
+                        </a:spcAft>
+                      </a:pPr>
+                      <a:r>
+                        <a:rPr lang="hu-HU" sz="1600">
+                          <a:effectLst/>
+                          <a:latin typeface="+mn-lt"/>
+                        </a:rPr>
+                        <a:t>Privilegizált EXEC mód</a:t>
+                      </a:r>
+                      <a:endParaRPr lang="hu-HU" sz="1600">
+                        <a:effectLst/>
+                        <a:latin typeface="+mn-lt"/>
+                        <a:ea typeface="Calibri" panose="020F0502020204030204" pitchFamily="34" charset="0"/>
+                      </a:endParaRPr>
+                    </a:p>
+                  </a:txBody>
+                  <a:tcPr marL="68580" marR="68580" marT="0" marB="0" anchor="ctr"/>
+                </a:tc>
+                <a:tc>
+                  <a:txBody>
+                    <a:bodyPr/>
+                    <a:lstStyle/>
+                    <a:p>
+                      <a:pPr algn="ctr">
+                        <a:lnSpc>
+                          <a:spcPct val="107000"/>
+                        </a:lnSpc>
+                        <a:spcAft>
+                          <a:spcPts val="800"/>
+                        </a:spcAft>
+                      </a:pPr>
+                      <a:r>
+                        <a:rPr lang="hu-HU" sz="1600">
+                          <a:effectLst/>
+                          <a:latin typeface="+mn-lt"/>
+                        </a:rPr>
+                        <a:t>admin</a:t>
+                      </a:r>
+                      <a:endParaRPr lang="hu-HU" sz="1600">
+                        <a:effectLst/>
+                        <a:latin typeface="+mn-lt"/>
+                        <a:ea typeface="Calibri" panose="020F0502020204030204" pitchFamily="34" charset="0"/>
+                      </a:endParaRPr>
+                    </a:p>
+                  </a:txBody>
+                  <a:tcPr marL="68580" marR="68580" marT="0" marB="0" anchor="ctr"/>
+                </a:tc>
+                <a:tc>
+                  <a:txBody>
+                    <a:bodyPr/>
+                    <a:lstStyle/>
+                    <a:p>
+                      <a:pPr algn="ctr">
+                        <a:lnSpc>
+                          <a:spcPct val="107000"/>
+                        </a:lnSpc>
+                        <a:spcAft>
+                          <a:spcPts val="800"/>
+                        </a:spcAft>
+                      </a:pPr>
+                      <a:r>
+                        <a:rPr lang="hu-HU" sz="1600">
+                          <a:effectLst/>
+                          <a:latin typeface="+mn-lt"/>
+                        </a:rPr>
+                        <a:t>Mil4tech</a:t>
+                      </a:r>
+                      <a:endParaRPr lang="hu-HU" sz="1600">
+                        <a:effectLst/>
+                        <a:latin typeface="+mn-lt"/>
+                        <a:ea typeface="Calibri" panose="020F0502020204030204" pitchFamily="34" charset="0"/>
+                      </a:endParaRPr>
+                    </a:p>
+                  </a:txBody>
+                  <a:tcPr marL="68580" marR="68580" marT="0" marB="0" anchor="ctr"/>
+                </a:tc>
+                <a:extLst>
+                  <a:ext uri="{0D108BD9-81ED-4DB2-BD59-A6C34878D82A}">
+                    <a16:rowId xmlns:a16="http://schemas.microsoft.com/office/drawing/2014/main" val="457366227"/>
+                  </a:ext>
+                </a:extLst>
+              </a:tr>
+              <a:tr h="472309">
+                <a:tc>
+                  <a:txBody>
+                    <a:bodyPr/>
+                    <a:lstStyle/>
+                    <a:p>
+                      <a:pPr>
+                        <a:lnSpc>
+                          <a:spcPct val="107000"/>
+                        </a:lnSpc>
+                        <a:spcAft>
+                          <a:spcPts val="800"/>
+                        </a:spcAft>
+                      </a:pPr>
+                      <a:r>
+                        <a:rPr lang="hu-HU" sz="1600">
+                          <a:effectLst/>
+                          <a:latin typeface="+mn-lt"/>
+                        </a:rPr>
+                        <a:t>Felhasználói EXEC mód</a:t>
+                      </a:r>
+                      <a:endParaRPr lang="hu-HU" sz="1600">
+                        <a:effectLst/>
+                        <a:latin typeface="+mn-lt"/>
+                        <a:ea typeface="Calibri" panose="020F0502020204030204" pitchFamily="34" charset="0"/>
+                      </a:endParaRPr>
+                    </a:p>
+                  </a:txBody>
+                  <a:tcPr marL="68580" marR="68580" marT="0" marB="0" anchor="ctr"/>
+                </a:tc>
+                <a:tc>
+                  <a:txBody>
+                    <a:bodyPr/>
+                    <a:lstStyle/>
+                    <a:p>
+                      <a:pPr algn="ctr">
+                        <a:lnSpc>
+                          <a:spcPct val="107000"/>
+                        </a:lnSpc>
+                        <a:spcAft>
+                          <a:spcPts val="800"/>
+                        </a:spcAft>
+                      </a:pPr>
+                      <a:r>
+                        <a:rPr lang="hu-HU" sz="1600">
+                          <a:effectLst/>
+                          <a:latin typeface="+mn-lt"/>
+                        </a:rPr>
+                        <a:t>admin</a:t>
+                      </a:r>
+                      <a:endParaRPr lang="hu-HU" sz="1600">
+                        <a:effectLst/>
+                        <a:latin typeface="+mn-lt"/>
+                        <a:ea typeface="Calibri" panose="020F0502020204030204" pitchFamily="34" charset="0"/>
+                      </a:endParaRPr>
+                    </a:p>
+                  </a:txBody>
+                  <a:tcPr marL="68580" marR="68580" marT="0" marB="0" anchor="ctr"/>
+                </a:tc>
+                <a:tc>
+                  <a:txBody>
+                    <a:bodyPr/>
+                    <a:lstStyle/>
+                    <a:p>
+                      <a:pPr algn="ctr">
+                        <a:lnSpc>
+                          <a:spcPct val="107000"/>
+                        </a:lnSpc>
+                        <a:spcAft>
+                          <a:spcPts val="800"/>
+                        </a:spcAft>
+                      </a:pPr>
+                      <a:r>
+                        <a:rPr lang="hu-HU" sz="1600">
+                          <a:effectLst/>
+                          <a:latin typeface="+mn-lt"/>
+                        </a:rPr>
+                        <a:t>Mil4tech</a:t>
+                      </a:r>
+                      <a:endParaRPr lang="hu-HU" sz="1600">
+                        <a:effectLst/>
+                        <a:latin typeface="+mn-lt"/>
+                        <a:ea typeface="Calibri" panose="020F0502020204030204" pitchFamily="34" charset="0"/>
+                      </a:endParaRPr>
+                    </a:p>
+                  </a:txBody>
+                  <a:tcPr marL="68580" marR="68580" marT="0" marB="0" anchor="ctr"/>
+                </a:tc>
+                <a:extLst>
+                  <a:ext uri="{0D108BD9-81ED-4DB2-BD59-A6C34878D82A}">
+                    <a16:rowId xmlns:a16="http://schemas.microsoft.com/office/drawing/2014/main" val="3691237575"/>
+                  </a:ext>
+                </a:extLst>
+              </a:tr>
+              <a:tr h="472309">
+                <a:tc>
+                  <a:txBody>
+                    <a:bodyPr/>
+                    <a:lstStyle/>
+                    <a:p>
+                      <a:pPr>
+                        <a:lnSpc>
+                          <a:spcPct val="107000"/>
+                        </a:lnSpc>
+                        <a:spcAft>
+                          <a:spcPts val="800"/>
+                        </a:spcAft>
+                      </a:pPr>
+                      <a:r>
+                        <a:rPr lang="hu-HU" sz="1600">
+                          <a:effectLst/>
+                          <a:latin typeface="+mn-lt"/>
+                        </a:rPr>
+                        <a:t>SSH</a:t>
+                      </a:r>
+                      <a:endParaRPr lang="hu-HU" sz="1600">
+                        <a:effectLst/>
+                        <a:latin typeface="+mn-lt"/>
+                        <a:ea typeface="Calibri" panose="020F0502020204030204" pitchFamily="34" charset="0"/>
+                      </a:endParaRPr>
+                    </a:p>
+                  </a:txBody>
+                  <a:tcPr marL="68580" marR="68580" marT="0" marB="0" anchor="ctr"/>
+                </a:tc>
+                <a:tc>
+                  <a:txBody>
+                    <a:bodyPr/>
+                    <a:lstStyle/>
+                    <a:p>
+                      <a:pPr algn="ctr">
+                        <a:lnSpc>
+                          <a:spcPct val="107000"/>
+                        </a:lnSpc>
+                        <a:spcAft>
+                          <a:spcPts val="800"/>
+                        </a:spcAft>
+                      </a:pPr>
+                      <a:r>
+                        <a:rPr lang="hu-HU" sz="1600">
+                          <a:effectLst/>
+                          <a:latin typeface="+mn-lt"/>
+                        </a:rPr>
+                        <a:t>admin</a:t>
+                      </a:r>
+                      <a:endParaRPr lang="hu-HU" sz="1600">
+                        <a:effectLst/>
+                        <a:latin typeface="+mn-lt"/>
+                        <a:ea typeface="Calibri" panose="020F0502020204030204" pitchFamily="34" charset="0"/>
+                      </a:endParaRPr>
+                    </a:p>
+                  </a:txBody>
+                  <a:tcPr marL="68580" marR="68580" marT="0" marB="0" anchor="ctr"/>
+                </a:tc>
+                <a:tc>
+                  <a:txBody>
+                    <a:bodyPr/>
+                    <a:lstStyle/>
+                    <a:p>
+                      <a:pPr algn="ctr">
+                        <a:lnSpc>
+                          <a:spcPct val="107000"/>
+                        </a:lnSpc>
+                        <a:spcAft>
+                          <a:spcPts val="800"/>
+                        </a:spcAft>
+                      </a:pPr>
+                      <a:r>
+                        <a:rPr lang="hu-HU" sz="1600">
+                          <a:effectLst/>
+                          <a:latin typeface="+mn-lt"/>
+                        </a:rPr>
+                        <a:t>Mil4tech</a:t>
+                      </a:r>
+                      <a:endParaRPr lang="hu-HU" sz="1600">
+                        <a:effectLst/>
+                        <a:latin typeface="+mn-lt"/>
+                        <a:ea typeface="Calibri" panose="020F0502020204030204" pitchFamily="34" charset="0"/>
+                      </a:endParaRPr>
+                    </a:p>
+                  </a:txBody>
+                  <a:tcPr marL="68580" marR="68580" marT="0" marB="0" anchor="ctr"/>
+                </a:tc>
+                <a:extLst>
+                  <a:ext uri="{0D108BD9-81ED-4DB2-BD59-A6C34878D82A}">
+                    <a16:rowId xmlns:a16="http://schemas.microsoft.com/office/drawing/2014/main" val="2250888279"/>
+                  </a:ext>
+                </a:extLst>
+              </a:tr>
+              <a:tr h="472309">
+                <a:tc>
+                  <a:txBody>
+                    <a:bodyPr/>
+                    <a:lstStyle/>
+                    <a:p>
+                      <a:pPr>
+                        <a:lnSpc>
+                          <a:spcPct val="107000"/>
+                        </a:lnSpc>
+                        <a:spcAft>
+                          <a:spcPts val="800"/>
+                        </a:spcAft>
+                      </a:pPr>
+                      <a:r>
+                        <a:rPr lang="hu-HU" sz="1600">
+                          <a:effectLst/>
+                          <a:latin typeface="+mn-lt"/>
+                        </a:rPr>
+                        <a:t>Wireless Router</a:t>
+                      </a:r>
+                      <a:endParaRPr lang="hu-HU" sz="1600">
+                        <a:effectLst/>
+                        <a:latin typeface="+mn-lt"/>
+                        <a:ea typeface="Calibri" panose="020F0502020204030204" pitchFamily="34" charset="0"/>
+                      </a:endParaRPr>
+                    </a:p>
+                  </a:txBody>
+                  <a:tcPr marL="68580" marR="68580" marT="0" marB="0" anchor="ctr"/>
+                </a:tc>
+                <a:tc>
+                  <a:txBody>
+                    <a:bodyPr/>
+                    <a:lstStyle/>
+                    <a:p>
+                      <a:pPr>
+                        <a:lnSpc>
+                          <a:spcPct val="107000"/>
+                        </a:lnSpc>
+                      </a:pPr>
+                      <a:endParaRPr lang="hu-HU" sz="1600">
+                        <a:effectLst/>
+                        <a:latin typeface="+mn-lt"/>
+                      </a:endParaRPr>
+                    </a:p>
+                  </a:txBody>
+                  <a:tcPr marL="68580" marR="68580" marT="0" marB="0" anchor="ctr"/>
+                </a:tc>
+                <a:tc>
+                  <a:txBody>
+                    <a:bodyPr/>
+                    <a:lstStyle/>
+                    <a:p>
+                      <a:pPr algn="ctr">
+                        <a:lnSpc>
+                          <a:spcPct val="107000"/>
+                        </a:lnSpc>
+                        <a:spcAft>
+                          <a:spcPts val="800"/>
+                        </a:spcAft>
+                      </a:pPr>
+                      <a:r>
+                        <a:rPr lang="hu-HU" sz="1600" dirty="0">
+                          <a:effectLst/>
+                          <a:latin typeface="+mn-lt"/>
+                        </a:rPr>
+                        <a:t>Milatech1</a:t>
+                      </a:r>
+                      <a:endParaRPr lang="hu-HU" sz="1600" dirty="0">
+                        <a:effectLst/>
+                        <a:latin typeface="+mn-lt"/>
+                        <a:ea typeface="Calibri" panose="020F0502020204030204" pitchFamily="34" charset="0"/>
+                      </a:endParaRPr>
+                    </a:p>
+                  </a:txBody>
+                  <a:tcPr marL="68580" marR="68580" marT="0" marB="0" anchor="ctr"/>
+                </a:tc>
+                <a:extLst>
+                  <a:ext uri="{0D108BD9-81ED-4DB2-BD59-A6C34878D82A}">
+                    <a16:rowId xmlns:a16="http://schemas.microsoft.com/office/drawing/2014/main" val="3916211040"/>
+                  </a:ext>
+                </a:extLst>
+              </a:tr>
+            </a:tbl>
+          </a:graphicData>
+        </a:graphic>
+      </p:graphicFrame>
+      <p:graphicFrame>
+        <p:nvGraphicFramePr>
+          <p:cNvPr id="14" name="Táblázat 13">
+            <a:extLst>
+              <a:ext uri="{FF2B5EF4-FFF2-40B4-BE49-F238E27FC236}">
+                <a16:creationId xmlns:a16="http://schemas.microsoft.com/office/drawing/2014/main" id="{0EDA7ABB-3668-950E-A60B-8FB574EE1FB5}"/>
+              </a:ext>
+            </a:extLst>
+          </p:cNvPr>
+          <p:cNvGraphicFramePr>
+            <a:graphicFrameLocks noGrp="1"/>
+          </p:cNvGraphicFramePr>
+          <p:nvPr>
+            <p:extLst>
+              <p:ext uri="{D42A27DB-BD31-4B8C-83A1-F6EECF244321}">
+                <p14:modId xmlns:p14="http://schemas.microsoft.com/office/powerpoint/2010/main" val="2002975600"/>
+              </p:ext>
+            </p:extLst>
+          </p:nvPr>
+        </p:nvGraphicFramePr>
+        <p:xfrm>
+          <a:off x="7746384" y="8183849"/>
+          <a:ext cx="3984788" cy="2394317"/>
+        </p:xfrm>
+        <a:graphic>
+          <a:graphicData uri="http://schemas.openxmlformats.org/drawingml/2006/table">
+            <a:tbl>
+              <a:tblPr bandRow="1">
+                <a:tableStyleId>{5C22544A-7EE6-4342-B048-85BDC9FD1C3A}</a:tableStyleId>
+              </a:tblPr>
+              <a:tblGrid>
+                <a:gridCol w="1992071">
+                  <a:extLst>
+                    <a:ext uri="{9D8B030D-6E8A-4147-A177-3AD203B41FA5}">
+                      <a16:colId xmlns:a16="http://schemas.microsoft.com/office/drawing/2014/main" val="1047251706"/>
+                    </a:ext>
+                  </a:extLst>
+                </a:gridCol>
+                <a:gridCol w="1992717">
+                  <a:extLst>
+                    <a:ext uri="{9D8B030D-6E8A-4147-A177-3AD203B41FA5}">
+                      <a16:colId xmlns:a16="http://schemas.microsoft.com/office/drawing/2014/main" val="1094314456"/>
+                    </a:ext>
+                  </a:extLst>
+                </a:gridCol>
+              </a:tblGrid>
+              <a:tr h="455085">
+                <a:tc>
+                  <a:txBody>
+                    <a:bodyPr/>
+                    <a:lstStyle/>
+                    <a:p>
+                      <a:pPr algn="l">
+                        <a:lnSpc>
+                          <a:spcPct val="107000"/>
+                        </a:lnSpc>
+                        <a:spcAft>
+                          <a:spcPts val="800"/>
+                        </a:spcAft>
+                      </a:pPr>
+                      <a:r>
+                        <a:rPr lang="hu-HU" sz="1800" dirty="0">
+                          <a:effectLst/>
+                          <a:latin typeface="+mn-lt"/>
+                        </a:rPr>
+                        <a:t>AAA</a:t>
+                      </a:r>
+                      <a:endParaRPr lang="hu-HU" sz="1800" dirty="0">
+                        <a:effectLst/>
+                        <a:latin typeface="+mn-lt"/>
+                        <a:ea typeface="Calibri" panose="020F0502020204030204" pitchFamily="34" charset="0"/>
+                      </a:endParaRPr>
+                    </a:p>
+                  </a:txBody>
+                  <a:tcPr marL="68580" marR="68580" marT="0" marB="0"/>
+                </a:tc>
+                <a:tc>
+                  <a:txBody>
+                    <a:bodyPr/>
+                    <a:lstStyle/>
+                    <a:p>
+                      <a:pPr algn="ctr">
+                        <a:lnSpc>
+                          <a:spcPct val="107000"/>
+                        </a:lnSpc>
+                        <a:spcAft>
+                          <a:spcPts val="800"/>
+                        </a:spcAft>
+                      </a:pPr>
+                      <a:r>
+                        <a:rPr lang="hu-HU" sz="1800">
+                          <a:effectLst/>
+                          <a:latin typeface="+mn-lt"/>
+                        </a:rPr>
+                        <a:t> </a:t>
+                      </a:r>
+                      <a:endParaRPr lang="hu-HU" sz="1800">
+                        <a:effectLst/>
+                        <a:latin typeface="+mn-lt"/>
+                        <a:ea typeface="Calibri" panose="020F0502020204030204" pitchFamily="34" charset="0"/>
+                      </a:endParaRPr>
+                    </a:p>
+                  </a:txBody>
+                  <a:tcPr marL="68580" marR="68580" marT="0" marB="0" anchor="ctr"/>
+                </a:tc>
+                <a:extLst>
+                  <a:ext uri="{0D108BD9-81ED-4DB2-BD59-A6C34878D82A}">
+                    <a16:rowId xmlns:a16="http://schemas.microsoft.com/office/drawing/2014/main" val="3726853058"/>
+                  </a:ext>
+                </a:extLst>
+              </a:tr>
+              <a:tr h="455085">
+                <a:tc>
+                  <a:txBody>
+                    <a:bodyPr/>
+                    <a:lstStyle/>
+                    <a:p>
+                      <a:pPr algn="l">
+                        <a:lnSpc>
+                          <a:spcPct val="107000"/>
+                        </a:lnSpc>
+                      </a:pPr>
+                      <a:endParaRPr lang="hu-HU" sz="1800" dirty="0">
+                        <a:effectLst/>
+                        <a:latin typeface="+mn-lt"/>
+                      </a:endParaRPr>
+                    </a:p>
+                  </a:txBody>
+                  <a:tcPr marL="68580" marR="68580" marT="0" marB="0"/>
+                </a:tc>
+                <a:tc>
+                  <a:txBody>
+                    <a:bodyPr/>
+                    <a:lstStyle/>
+                    <a:p>
+                      <a:pPr algn="ctr">
+                        <a:lnSpc>
+                          <a:spcPct val="107000"/>
+                        </a:lnSpc>
+                        <a:spcAft>
+                          <a:spcPts val="800"/>
+                        </a:spcAft>
+                      </a:pPr>
+                      <a:r>
+                        <a:rPr lang="hu-HU" sz="1800">
+                          <a:effectLst/>
+                          <a:latin typeface="+mn-lt"/>
+                        </a:rPr>
+                        <a:t>Admin</a:t>
+                      </a:r>
+                      <a:endParaRPr lang="hu-HU" sz="1800">
+                        <a:effectLst/>
+                        <a:latin typeface="+mn-lt"/>
+                        <a:ea typeface="Calibri" panose="020F0502020204030204" pitchFamily="34" charset="0"/>
+                      </a:endParaRPr>
+                    </a:p>
+                  </a:txBody>
+                  <a:tcPr marL="68580" marR="68580" marT="0" marB="0" anchor="ctr"/>
+                </a:tc>
+                <a:extLst>
+                  <a:ext uri="{0D108BD9-81ED-4DB2-BD59-A6C34878D82A}">
+                    <a16:rowId xmlns:a16="http://schemas.microsoft.com/office/drawing/2014/main" val="3906000122"/>
+                  </a:ext>
+                </a:extLst>
+              </a:tr>
+              <a:tr h="455085">
+                <a:tc>
+                  <a:txBody>
+                    <a:bodyPr/>
+                    <a:lstStyle/>
+                    <a:p>
+                      <a:pPr algn="l">
+                        <a:lnSpc>
+                          <a:spcPct val="107000"/>
+                        </a:lnSpc>
+                        <a:spcAft>
+                          <a:spcPts val="800"/>
+                        </a:spcAft>
+                      </a:pPr>
+                      <a:r>
+                        <a:rPr lang="hu-HU" sz="1800" dirty="0">
+                          <a:effectLst/>
+                          <a:latin typeface="+mn-lt"/>
+                          <a:ea typeface="Calibri" panose="020F0502020204030204" pitchFamily="34" charset="0"/>
+                        </a:rPr>
+                        <a:t>Jelszó</a:t>
+                      </a:r>
+                    </a:p>
+                  </a:txBody>
+                  <a:tcPr marL="68580" marR="68580" marT="0" marB="0"/>
+                </a:tc>
+                <a:tc>
+                  <a:txBody>
+                    <a:bodyPr/>
+                    <a:lstStyle/>
+                    <a:p>
+                      <a:pPr algn="ctr">
+                        <a:lnSpc>
+                          <a:spcPct val="107000"/>
+                        </a:lnSpc>
+                        <a:spcAft>
+                          <a:spcPts val="800"/>
+                        </a:spcAft>
+                      </a:pPr>
+                      <a:r>
+                        <a:rPr lang="hu-HU" sz="1800">
+                          <a:effectLst/>
+                          <a:latin typeface="+mn-lt"/>
+                        </a:rPr>
+                        <a:t>Mil4tech</a:t>
+                      </a:r>
+                      <a:endParaRPr lang="hu-HU" sz="1800">
+                        <a:effectLst/>
+                        <a:latin typeface="+mn-lt"/>
+                        <a:ea typeface="Calibri" panose="020F0502020204030204" pitchFamily="34" charset="0"/>
+                      </a:endParaRPr>
+                    </a:p>
+                  </a:txBody>
+                  <a:tcPr marL="68580" marR="68580" marT="0" marB="0" anchor="ctr"/>
+                </a:tc>
+                <a:extLst>
+                  <a:ext uri="{0D108BD9-81ED-4DB2-BD59-A6C34878D82A}">
+                    <a16:rowId xmlns:a16="http://schemas.microsoft.com/office/drawing/2014/main" val="1017908711"/>
+                  </a:ext>
+                </a:extLst>
+              </a:tr>
+              <a:tr h="568690">
+                <a:tc>
+                  <a:txBody>
+                    <a:bodyPr/>
+                    <a:lstStyle/>
+                    <a:p>
+                      <a:pPr algn="l">
+                        <a:lnSpc>
+                          <a:spcPct val="107000"/>
+                        </a:lnSpc>
+                        <a:spcAft>
+                          <a:spcPts val="800"/>
+                        </a:spcAft>
+                      </a:pPr>
+                      <a:r>
+                        <a:rPr lang="hu-HU" sz="1800" dirty="0">
+                          <a:effectLst/>
+                          <a:latin typeface="+mn-lt"/>
+                          <a:ea typeface="Calibri" panose="020F0502020204030204" pitchFamily="34" charset="0"/>
+                        </a:rPr>
+                        <a:t>Kliens név</a:t>
+                      </a:r>
+                    </a:p>
+                  </a:txBody>
+                  <a:tcPr marL="68580" marR="68580" marT="0" marB="0"/>
+                </a:tc>
+                <a:tc>
+                  <a:txBody>
+                    <a:bodyPr/>
+                    <a:lstStyle/>
+                    <a:p>
+                      <a:pPr algn="ctr">
+                        <a:lnSpc>
+                          <a:spcPct val="107000"/>
+                        </a:lnSpc>
+                        <a:spcAft>
+                          <a:spcPts val="800"/>
+                        </a:spcAft>
+                      </a:pPr>
+                      <a:r>
+                        <a:rPr lang="hu-HU" sz="1800" dirty="0">
+                          <a:effectLst/>
+                          <a:latin typeface="+mn-lt"/>
+                        </a:rPr>
+                        <a:t>Felhasználónév </a:t>
+                      </a:r>
+                      <a:r>
+                        <a:rPr lang="hu-HU" sz="1800" dirty="0" err="1">
+                          <a:effectLst/>
+                          <a:latin typeface="+mn-lt"/>
+                        </a:rPr>
+                        <a:t>Milatech.aaa</a:t>
+                      </a:r>
+                      <a:endParaRPr lang="hu-HU" sz="1800" dirty="0">
+                        <a:effectLst/>
+                        <a:latin typeface="+mn-lt"/>
+                        <a:ea typeface="Calibri" panose="020F0502020204030204" pitchFamily="34" charset="0"/>
+                      </a:endParaRPr>
+                    </a:p>
+                  </a:txBody>
+                  <a:tcPr marL="68580" marR="68580" marT="0" marB="0" anchor="ctr"/>
+                </a:tc>
+                <a:extLst>
+                  <a:ext uri="{0D108BD9-81ED-4DB2-BD59-A6C34878D82A}">
+                    <a16:rowId xmlns:a16="http://schemas.microsoft.com/office/drawing/2014/main" val="2461985301"/>
+                  </a:ext>
+                </a:extLst>
+              </a:tr>
+              <a:tr h="455085">
+                <a:tc>
+                  <a:txBody>
+                    <a:bodyPr/>
+                    <a:lstStyle/>
+                    <a:p>
+                      <a:pPr algn="l">
+                        <a:lnSpc>
+                          <a:spcPct val="107000"/>
+                        </a:lnSpc>
+                        <a:spcAft>
+                          <a:spcPts val="800"/>
+                        </a:spcAft>
+                      </a:pPr>
+                      <a:r>
+                        <a:rPr lang="hu-HU" sz="1800" dirty="0">
+                          <a:effectLst/>
+                          <a:latin typeface="+mn-lt"/>
+                          <a:ea typeface="Calibri" panose="020F0502020204030204" pitchFamily="34" charset="0"/>
+                        </a:rPr>
+                        <a:t>Titkosított</a:t>
+                      </a:r>
+                    </a:p>
+                  </a:txBody>
+                  <a:tcPr marL="68580" marR="68580" marT="0" marB="0"/>
+                </a:tc>
+                <a:tc>
+                  <a:txBody>
+                    <a:bodyPr/>
+                    <a:lstStyle/>
+                    <a:p>
+                      <a:pPr algn="ctr">
+                        <a:lnSpc>
+                          <a:spcPct val="107000"/>
+                        </a:lnSpc>
+                        <a:spcAft>
+                          <a:spcPts val="800"/>
+                        </a:spcAft>
+                      </a:pPr>
+                      <a:r>
+                        <a:rPr lang="hu-HU" sz="1800" dirty="0">
+                          <a:effectLst/>
+                          <a:latin typeface="+mn-lt"/>
+                        </a:rPr>
+                        <a:t>Mil4tech</a:t>
+                      </a:r>
+                      <a:endParaRPr lang="hu-HU" sz="1800" dirty="0">
+                        <a:effectLst/>
+                        <a:latin typeface="+mn-lt"/>
+                        <a:ea typeface="Calibri" panose="020F0502020204030204" pitchFamily="34" charset="0"/>
+                      </a:endParaRPr>
+                    </a:p>
+                  </a:txBody>
+                  <a:tcPr marL="68580" marR="68580" marT="0" marB="0" anchor="ctr"/>
+                </a:tc>
+                <a:extLst>
+                  <a:ext uri="{0D108BD9-81ED-4DB2-BD59-A6C34878D82A}">
+                    <a16:rowId xmlns:a16="http://schemas.microsoft.com/office/drawing/2014/main" val="615191734"/>
+                  </a:ext>
+                </a:extLst>
+              </a:tr>
+            </a:tbl>
+          </a:graphicData>
+        </a:graphic>
+      </p:graphicFrame>
     </p:spTree>
     <p:extLst>
       <p:ext uri="{BB962C8B-B14F-4D97-AF65-F5344CB8AC3E}">
@@ -6268,7 +8955,7 @@
         </p:blipFill>
         <p:spPr>
           <a:xfrm>
-            <a:off x="5965304" y="1689599"/>
+            <a:off x="5965304" y="1598559"/>
             <a:ext cx="5299777" cy="3730367"/>
           </a:xfrm>
           <a:prstGeom prst="rect">
@@ -7374,6 +10061,41 @@
           </a:ln>
         </p:spPr>
       </p:pic>
+      <p:pic>
+        <p:nvPicPr>
+          <p:cNvPr id="8" name="Kép 7">
+            <a:extLst>
+              <a:ext uri="{FF2B5EF4-FFF2-40B4-BE49-F238E27FC236}">
+                <a16:creationId xmlns:a16="http://schemas.microsoft.com/office/drawing/2014/main" id="{A5774CDF-5B00-A465-D887-93ABAF50D164}"/>
+              </a:ext>
+            </a:extLst>
+          </p:cNvPr>
+          <p:cNvPicPr>
+            <a:picLocks noChangeAspect="1"/>
+          </p:cNvPicPr>
+          <p:nvPr/>
+        </p:nvPicPr>
+        <p:blipFill>
+          <a:blip r:embed="rId5"/>
+          <a:stretch>
+            <a:fillRect/>
+          </a:stretch>
+        </p:blipFill>
+        <p:spPr>
+          <a:xfrm>
+            <a:off x="-14199122" y="1136425"/>
+            <a:ext cx="10315574" cy="5729738"/>
+          </a:xfrm>
+          <a:prstGeom prst="rect">
+            <a:avLst/>
+          </a:prstGeom>
+          <a:ln w="15875">
+            <a:solidFill>
+              <a:schemeClr val="tx1"/>
+            </a:solidFill>
+          </a:ln>
+        </p:spPr>
+      </p:pic>
     </p:spTree>
     <p:extLst>
       <p:ext uri="{BB962C8B-B14F-4D97-AF65-F5344CB8AC3E}">
@@ -7981,7 +10703,7 @@
         </p:blipFill>
         <p:spPr>
           <a:xfrm>
-            <a:off x="7291131" y="1038097"/>
+            <a:off x="6173299" y="1038097"/>
             <a:ext cx="4665054" cy="5654803"/>
           </a:xfrm>
           <a:prstGeom prst="rect">
@@ -8008,8 +10730,8 @@
         </p:nvSpPr>
         <p:spPr>
           <a:xfrm>
-            <a:off x="819001" y="2044700"/>
-            <a:ext cx="5549900" cy="923330"/>
+            <a:off x="927645" y="1926506"/>
+            <a:ext cx="5549900" cy="1938992"/>
           </a:xfrm>
           <a:prstGeom prst="rect">
             <a:avLst/>
@@ -8027,7 +10749,7 @@
               <a:buChar char="•"/>
             </a:pPr>
             <a:r>
-              <a:rPr lang="hu-HU" dirty="0"/>
+              <a:rPr lang="hu-HU" sz="2400" dirty="0"/>
               <a:t>RIP</a:t>
             </a:r>
           </a:p>
@@ -8036,14 +10758,45 @@
               <a:buFont typeface="Arial" panose="020B0604020202020204" pitchFamily="34" charset="0"/>
               <a:buChar char="•"/>
             </a:pPr>
-            <a:endParaRPr lang="hu-HU" dirty="0"/>
+            <a:r>
+              <a:rPr lang="hu-HU" sz="2400" dirty="0"/>
+              <a:t>IP ROUTE</a:t>
+            </a:r>
           </a:p>
           <a:p>
             <a:pPr marL="285750" indent="-285750">
               <a:buFont typeface="Arial" panose="020B0604020202020204" pitchFamily="34" charset="0"/>
               <a:buChar char="•"/>
             </a:pPr>
-            <a:endParaRPr lang="hu-HU" dirty="0"/>
+            <a:r>
+              <a:rPr lang="hu-HU" sz="2400" dirty="0"/>
+              <a:t>SSH</a:t>
+            </a:r>
+          </a:p>
+          <a:p>
+            <a:pPr marL="285750" indent="-285750">
+              <a:buFont typeface="Arial" panose="020B0604020202020204" pitchFamily="34" charset="0"/>
+              <a:buChar char="•"/>
+            </a:pPr>
+            <a:r>
+              <a:rPr lang="hu-HU" sz="2400" dirty="0"/>
+              <a:t>Banner </a:t>
+            </a:r>
+            <a:r>
+              <a:rPr lang="hu-HU" sz="2400" dirty="0" err="1"/>
+              <a:t>motd</a:t>
+            </a:r>
+            <a:endParaRPr lang="hu-HU" sz="2400" dirty="0"/>
+          </a:p>
+          <a:p>
+            <a:pPr marL="285750" indent="-285750">
+              <a:buFont typeface="Arial" panose="020B0604020202020204" pitchFamily="34" charset="0"/>
+              <a:buChar char="•"/>
+            </a:pPr>
+            <a:r>
+              <a:rPr lang="hu-HU" sz="2400" dirty="0"/>
+              <a:t>Jelszavak</a:t>
+            </a:r>
           </a:p>
         </p:txBody>
       </p:sp>
@@ -8364,7 +11117,7 @@
         </p:nvSpPr>
         <p:spPr>
           <a:xfrm>
-            <a:off x="162170" y="717248"/>
+            <a:off x="211765" y="1166969"/>
             <a:ext cx="3048000" cy="553064"/>
           </a:xfrm>
           <a:prstGeom prst="roundRect">
@@ -8429,8 +11182,8 @@
         </p:nvSpPr>
         <p:spPr>
           <a:xfrm>
-            <a:off x="819001" y="2044700"/>
-            <a:ext cx="5549900" cy="923330"/>
+            <a:off x="964144" y="1859340"/>
+            <a:ext cx="5549900" cy="1569660"/>
           </a:xfrm>
           <a:prstGeom prst="rect">
             <a:avLst/>
@@ -8448,10 +11201,9 @@
               <a:buChar char="•"/>
             </a:pPr>
             <a:r>
-              <a:rPr lang="hu-HU" dirty="0" err="1"/>
-              <a:t>Asd</a:t>
-            </a:r>
-            <a:endParaRPr lang="hu-HU" dirty="0"/>
+              <a:rPr lang="hu-HU" sz="2400" dirty="0"/>
+              <a:t>MAC-cím szűrés</a:t>
+            </a:r>
           </a:p>
           <a:p>
             <a:pPr marL="285750" indent="-285750">
@@ -8459,10 +11211,9 @@
               <a:buChar char="•"/>
             </a:pPr>
             <a:r>
-              <a:rPr lang="hu-HU" dirty="0" err="1"/>
-              <a:t>Asd</a:t>
-            </a:r>
-            <a:endParaRPr lang="hu-HU" dirty="0"/>
+              <a:rPr lang="hu-HU" sz="2400" dirty="0"/>
+              <a:t>SSH</a:t>
+            </a:r>
           </a:p>
           <a:p>
             <a:pPr marL="285750" indent="-285750">
@@ -8470,10 +11221,24 @@
               <a:buChar char="•"/>
             </a:pPr>
             <a:r>
-              <a:rPr lang="hu-HU" dirty="0" err="1"/>
-              <a:t>asd</a:t>
-            </a:r>
-            <a:endParaRPr lang="hu-HU" dirty="0"/>
+              <a:rPr lang="hu-HU" sz="2400" dirty="0"/>
+              <a:t>Jelszavak</a:t>
+            </a:r>
+          </a:p>
+          <a:p>
+            <a:pPr marL="285750" indent="-285750">
+              <a:buFont typeface="Arial" panose="020B0604020202020204" pitchFamily="34" charset="0"/>
+              <a:buChar char="•"/>
+            </a:pPr>
+            <a:r>
+              <a:rPr lang="hu-HU" sz="2400" dirty="0"/>
+              <a:t>Banner </a:t>
+            </a:r>
+            <a:r>
+              <a:rPr lang="hu-HU" sz="2400" dirty="0" err="1"/>
+              <a:t>motd</a:t>
+            </a:r>
+            <a:endParaRPr lang="hu-HU" sz="2400" dirty="0"/>
           </a:p>
         </p:txBody>
       </p:sp>
@@ -8571,31 +11336,6 @@
           </a:ln>
         </p:spPr>
       </p:pic>
-      <p:sp>
-        <p:nvSpPr>
-          <p:cNvPr id="20" name="Tartalom helye 19">
-            <a:extLst>
-              <a:ext uri="{FF2B5EF4-FFF2-40B4-BE49-F238E27FC236}">
-                <a16:creationId xmlns:a16="http://schemas.microsoft.com/office/drawing/2014/main" id="{27570585-DA7E-C4DB-DAAA-72DE997AFE45}"/>
-              </a:ext>
-            </a:extLst>
-          </p:cNvPr>
-          <p:cNvSpPr>
-            <a:spLocks noGrp="1"/>
-          </p:cNvSpPr>
-          <p:nvPr>
-            <p:ph idx="1"/>
-          </p:nvPr>
-        </p:nvSpPr>
-        <p:spPr/>
-        <p:txBody>
-          <a:bodyPr/>
-          <a:lstStyle/>
-          <a:p>
-            <a:endParaRPr lang="hu-HU" dirty="0"/>
-          </a:p>
-        </p:txBody>
-      </p:sp>
       <p:pic>
         <p:nvPicPr>
           <p:cNvPr id="24" name="Kép 23">
@@ -9625,6 +12365,929 @@
               <a:schemeClr val="tx1"/>
             </a:solidFill>
           </a:ln>
+        </p:spPr>
+      </p:pic>
+      <p:graphicFrame>
+        <p:nvGraphicFramePr>
+          <p:cNvPr id="3" name="Táblázat 2">
+            <a:extLst>
+              <a:ext uri="{FF2B5EF4-FFF2-40B4-BE49-F238E27FC236}">
+                <a16:creationId xmlns:a16="http://schemas.microsoft.com/office/drawing/2014/main" id="{3BB19FCB-8C56-015C-C4AD-30CA55751A1B}"/>
+              </a:ext>
+            </a:extLst>
+          </p:cNvPr>
+          <p:cNvGraphicFramePr>
+            <a:graphicFrameLocks noGrp="1"/>
+          </p:cNvGraphicFramePr>
+          <p:nvPr>
+            <p:extLst>
+              <p:ext uri="{D42A27DB-BD31-4B8C-83A1-F6EECF244321}">
+                <p14:modId xmlns:p14="http://schemas.microsoft.com/office/powerpoint/2010/main" val="3029138097"/>
+              </p:ext>
+            </p:extLst>
+          </p:nvPr>
+        </p:nvGraphicFramePr>
+        <p:xfrm>
+          <a:off x="0" y="8145228"/>
+          <a:ext cx="7444581" cy="2389029"/>
+        </p:xfrm>
+        <a:graphic>
+          <a:graphicData uri="http://schemas.openxmlformats.org/drawingml/2006/table">
+            <a:tbl>
+              <a:tblPr bandRow="1">
+                <a:tableStyleId>{5C22544A-7EE6-4342-B048-85BDC9FD1C3A}</a:tableStyleId>
+              </a:tblPr>
+              <a:tblGrid>
+                <a:gridCol w="2481527">
+                  <a:extLst>
+                    <a:ext uri="{9D8B030D-6E8A-4147-A177-3AD203B41FA5}">
+                      <a16:colId xmlns:a16="http://schemas.microsoft.com/office/drawing/2014/main" val="3895219105"/>
+                    </a:ext>
+                  </a:extLst>
+                </a:gridCol>
+                <a:gridCol w="2481527">
+                  <a:extLst>
+                    <a:ext uri="{9D8B030D-6E8A-4147-A177-3AD203B41FA5}">
+                      <a16:colId xmlns:a16="http://schemas.microsoft.com/office/drawing/2014/main" val="1530819411"/>
+                    </a:ext>
+                  </a:extLst>
+                </a:gridCol>
+                <a:gridCol w="2481527">
+                  <a:extLst>
+                    <a:ext uri="{9D8B030D-6E8A-4147-A177-3AD203B41FA5}">
+                      <a16:colId xmlns:a16="http://schemas.microsoft.com/office/drawing/2014/main" val="3735963141"/>
+                    </a:ext>
+                  </a:extLst>
+                </a:gridCol>
+              </a:tblGrid>
+              <a:tr h="499793">
+                <a:tc>
+                  <a:txBody>
+                    <a:bodyPr/>
+                    <a:lstStyle/>
+                    <a:p>
+                      <a:pPr>
+                        <a:lnSpc>
+                          <a:spcPct val="107000"/>
+                        </a:lnSpc>
+                        <a:spcAft>
+                          <a:spcPts val="800"/>
+                        </a:spcAft>
+                      </a:pPr>
+                      <a:r>
+                        <a:rPr lang="hu-HU" sz="1600" dirty="0">
+                          <a:effectLst/>
+                          <a:latin typeface="+mn-lt"/>
+                        </a:rPr>
+                        <a:t> </a:t>
+                      </a:r>
+                      <a:endParaRPr lang="hu-HU" sz="1600" dirty="0">
+                        <a:effectLst/>
+                        <a:latin typeface="+mn-lt"/>
+                        <a:ea typeface="Calibri" panose="020F0502020204030204" pitchFamily="34" charset="0"/>
+                      </a:endParaRPr>
+                    </a:p>
+                  </a:txBody>
+                  <a:tcPr marL="68580" marR="68580" marT="0" marB="0"/>
+                </a:tc>
+                <a:tc>
+                  <a:txBody>
+                    <a:bodyPr/>
+                    <a:lstStyle/>
+                    <a:p>
+                      <a:pPr algn="ctr">
+                        <a:lnSpc>
+                          <a:spcPct val="107000"/>
+                        </a:lnSpc>
+                        <a:spcAft>
+                          <a:spcPts val="800"/>
+                        </a:spcAft>
+                      </a:pPr>
+                      <a:r>
+                        <a:rPr lang="hu-HU" sz="1600" dirty="0">
+                          <a:effectLst/>
+                          <a:latin typeface="+mn-lt"/>
+                        </a:rPr>
+                        <a:t>Felhasználónév</a:t>
+                      </a:r>
+                      <a:endParaRPr lang="hu-HU" sz="1600" dirty="0">
+                        <a:effectLst/>
+                        <a:latin typeface="+mn-lt"/>
+                        <a:ea typeface="Calibri" panose="020F0502020204030204" pitchFamily="34" charset="0"/>
+                      </a:endParaRPr>
+                    </a:p>
+                  </a:txBody>
+                  <a:tcPr marL="68580" marR="68580" marT="0" marB="0" anchor="ctr"/>
+                </a:tc>
+                <a:tc>
+                  <a:txBody>
+                    <a:bodyPr/>
+                    <a:lstStyle/>
+                    <a:p>
+                      <a:pPr algn="ctr">
+                        <a:lnSpc>
+                          <a:spcPct val="107000"/>
+                        </a:lnSpc>
+                        <a:spcAft>
+                          <a:spcPts val="800"/>
+                        </a:spcAft>
+                      </a:pPr>
+                      <a:r>
+                        <a:rPr lang="hu-HU" sz="1600" dirty="0">
+                          <a:effectLst/>
+                          <a:latin typeface="+mn-lt"/>
+                        </a:rPr>
+                        <a:t>Jelszó</a:t>
+                      </a:r>
+                      <a:endParaRPr lang="hu-HU" sz="1600" dirty="0">
+                        <a:effectLst/>
+                        <a:latin typeface="+mn-lt"/>
+                        <a:ea typeface="Calibri" panose="020F0502020204030204" pitchFamily="34" charset="0"/>
+                      </a:endParaRPr>
+                    </a:p>
+                  </a:txBody>
+                  <a:tcPr marL="68580" marR="68580" marT="0" marB="0" anchor="ctr"/>
+                </a:tc>
+                <a:extLst>
+                  <a:ext uri="{0D108BD9-81ED-4DB2-BD59-A6C34878D82A}">
+                    <a16:rowId xmlns:a16="http://schemas.microsoft.com/office/drawing/2014/main" val="4165399226"/>
+                  </a:ext>
+                </a:extLst>
+              </a:tr>
+              <a:tr h="472309">
+                <a:tc>
+                  <a:txBody>
+                    <a:bodyPr/>
+                    <a:lstStyle/>
+                    <a:p>
+                      <a:pPr>
+                        <a:lnSpc>
+                          <a:spcPct val="107000"/>
+                        </a:lnSpc>
+                        <a:spcAft>
+                          <a:spcPts val="800"/>
+                        </a:spcAft>
+                      </a:pPr>
+                      <a:r>
+                        <a:rPr lang="hu-HU" sz="1600">
+                          <a:effectLst/>
+                          <a:latin typeface="+mn-lt"/>
+                        </a:rPr>
+                        <a:t>Privilegizált EXEC mód</a:t>
+                      </a:r>
+                      <a:endParaRPr lang="hu-HU" sz="1600">
+                        <a:effectLst/>
+                        <a:latin typeface="+mn-lt"/>
+                        <a:ea typeface="Calibri" panose="020F0502020204030204" pitchFamily="34" charset="0"/>
+                      </a:endParaRPr>
+                    </a:p>
+                  </a:txBody>
+                  <a:tcPr marL="68580" marR="68580" marT="0" marB="0" anchor="ctr"/>
+                </a:tc>
+                <a:tc>
+                  <a:txBody>
+                    <a:bodyPr/>
+                    <a:lstStyle/>
+                    <a:p>
+                      <a:pPr algn="ctr">
+                        <a:lnSpc>
+                          <a:spcPct val="107000"/>
+                        </a:lnSpc>
+                        <a:spcAft>
+                          <a:spcPts val="800"/>
+                        </a:spcAft>
+                      </a:pPr>
+                      <a:r>
+                        <a:rPr lang="hu-HU" sz="1600">
+                          <a:effectLst/>
+                          <a:latin typeface="+mn-lt"/>
+                        </a:rPr>
+                        <a:t>admin</a:t>
+                      </a:r>
+                      <a:endParaRPr lang="hu-HU" sz="1600">
+                        <a:effectLst/>
+                        <a:latin typeface="+mn-lt"/>
+                        <a:ea typeface="Calibri" panose="020F0502020204030204" pitchFamily="34" charset="0"/>
+                      </a:endParaRPr>
+                    </a:p>
+                  </a:txBody>
+                  <a:tcPr marL="68580" marR="68580" marT="0" marB="0" anchor="ctr"/>
+                </a:tc>
+                <a:tc>
+                  <a:txBody>
+                    <a:bodyPr/>
+                    <a:lstStyle/>
+                    <a:p>
+                      <a:pPr algn="ctr">
+                        <a:lnSpc>
+                          <a:spcPct val="107000"/>
+                        </a:lnSpc>
+                        <a:spcAft>
+                          <a:spcPts val="800"/>
+                        </a:spcAft>
+                      </a:pPr>
+                      <a:r>
+                        <a:rPr lang="hu-HU" sz="1600">
+                          <a:effectLst/>
+                          <a:latin typeface="+mn-lt"/>
+                        </a:rPr>
+                        <a:t>Mil4tech</a:t>
+                      </a:r>
+                      <a:endParaRPr lang="hu-HU" sz="1600">
+                        <a:effectLst/>
+                        <a:latin typeface="+mn-lt"/>
+                        <a:ea typeface="Calibri" panose="020F0502020204030204" pitchFamily="34" charset="0"/>
+                      </a:endParaRPr>
+                    </a:p>
+                  </a:txBody>
+                  <a:tcPr marL="68580" marR="68580" marT="0" marB="0" anchor="ctr"/>
+                </a:tc>
+                <a:extLst>
+                  <a:ext uri="{0D108BD9-81ED-4DB2-BD59-A6C34878D82A}">
+                    <a16:rowId xmlns:a16="http://schemas.microsoft.com/office/drawing/2014/main" val="457366227"/>
+                  </a:ext>
+                </a:extLst>
+              </a:tr>
+              <a:tr h="472309">
+                <a:tc>
+                  <a:txBody>
+                    <a:bodyPr/>
+                    <a:lstStyle/>
+                    <a:p>
+                      <a:pPr>
+                        <a:lnSpc>
+                          <a:spcPct val="107000"/>
+                        </a:lnSpc>
+                        <a:spcAft>
+                          <a:spcPts val="800"/>
+                        </a:spcAft>
+                      </a:pPr>
+                      <a:r>
+                        <a:rPr lang="hu-HU" sz="1600">
+                          <a:effectLst/>
+                          <a:latin typeface="+mn-lt"/>
+                        </a:rPr>
+                        <a:t>Felhasználói EXEC mód</a:t>
+                      </a:r>
+                      <a:endParaRPr lang="hu-HU" sz="1600">
+                        <a:effectLst/>
+                        <a:latin typeface="+mn-lt"/>
+                        <a:ea typeface="Calibri" panose="020F0502020204030204" pitchFamily="34" charset="0"/>
+                      </a:endParaRPr>
+                    </a:p>
+                  </a:txBody>
+                  <a:tcPr marL="68580" marR="68580" marT="0" marB="0" anchor="ctr"/>
+                </a:tc>
+                <a:tc>
+                  <a:txBody>
+                    <a:bodyPr/>
+                    <a:lstStyle/>
+                    <a:p>
+                      <a:pPr algn="ctr">
+                        <a:lnSpc>
+                          <a:spcPct val="107000"/>
+                        </a:lnSpc>
+                        <a:spcAft>
+                          <a:spcPts val="800"/>
+                        </a:spcAft>
+                      </a:pPr>
+                      <a:r>
+                        <a:rPr lang="hu-HU" sz="1600">
+                          <a:effectLst/>
+                          <a:latin typeface="+mn-lt"/>
+                        </a:rPr>
+                        <a:t>admin</a:t>
+                      </a:r>
+                      <a:endParaRPr lang="hu-HU" sz="1600">
+                        <a:effectLst/>
+                        <a:latin typeface="+mn-lt"/>
+                        <a:ea typeface="Calibri" panose="020F0502020204030204" pitchFamily="34" charset="0"/>
+                      </a:endParaRPr>
+                    </a:p>
+                  </a:txBody>
+                  <a:tcPr marL="68580" marR="68580" marT="0" marB="0" anchor="ctr"/>
+                </a:tc>
+                <a:tc>
+                  <a:txBody>
+                    <a:bodyPr/>
+                    <a:lstStyle/>
+                    <a:p>
+                      <a:pPr algn="ctr">
+                        <a:lnSpc>
+                          <a:spcPct val="107000"/>
+                        </a:lnSpc>
+                        <a:spcAft>
+                          <a:spcPts val="800"/>
+                        </a:spcAft>
+                      </a:pPr>
+                      <a:r>
+                        <a:rPr lang="hu-HU" sz="1600">
+                          <a:effectLst/>
+                          <a:latin typeface="+mn-lt"/>
+                        </a:rPr>
+                        <a:t>Mil4tech</a:t>
+                      </a:r>
+                      <a:endParaRPr lang="hu-HU" sz="1600">
+                        <a:effectLst/>
+                        <a:latin typeface="+mn-lt"/>
+                        <a:ea typeface="Calibri" panose="020F0502020204030204" pitchFamily="34" charset="0"/>
+                      </a:endParaRPr>
+                    </a:p>
+                  </a:txBody>
+                  <a:tcPr marL="68580" marR="68580" marT="0" marB="0" anchor="ctr"/>
+                </a:tc>
+                <a:extLst>
+                  <a:ext uri="{0D108BD9-81ED-4DB2-BD59-A6C34878D82A}">
+                    <a16:rowId xmlns:a16="http://schemas.microsoft.com/office/drawing/2014/main" val="3691237575"/>
+                  </a:ext>
+                </a:extLst>
+              </a:tr>
+              <a:tr h="472309">
+                <a:tc>
+                  <a:txBody>
+                    <a:bodyPr/>
+                    <a:lstStyle/>
+                    <a:p>
+                      <a:pPr>
+                        <a:lnSpc>
+                          <a:spcPct val="107000"/>
+                        </a:lnSpc>
+                        <a:spcAft>
+                          <a:spcPts val="800"/>
+                        </a:spcAft>
+                      </a:pPr>
+                      <a:r>
+                        <a:rPr lang="hu-HU" sz="1600">
+                          <a:effectLst/>
+                          <a:latin typeface="+mn-lt"/>
+                        </a:rPr>
+                        <a:t>SSH</a:t>
+                      </a:r>
+                      <a:endParaRPr lang="hu-HU" sz="1600">
+                        <a:effectLst/>
+                        <a:latin typeface="+mn-lt"/>
+                        <a:ea typeface="Calibri" panose="020F0502020204030204" pitchFamily="34" charset="0"/>
+                      </a:endParaRPr>
+                    </a:p>
+                  </a:txBody>
+                  <a:tcPr marL="68580" marR="68580" marT="0" marB="0" anchor="ctr"/>
+                </a:tc>
+                <a:tc>
+                  <a:txBody>
+                    <a:bodyPr/>
+                    <a:lstStyle/>
+                    <a:p>
+                      <a:pPr algn="ctr">
+                        <a:lnSpc>
+                          <a:spcPct val="107000"/>
+                        </a:lnSpc>
+                        <a:spcAft>
+                          <a:spcPts val="800"/>
+                        </a:spcAft>
+                      </a:pPr>
+                      <a:r>
+                        <a:rPr lang="hu-HU" sz="1600">
+                          <a:effectLst/>
+                          <a:latin typeface="+mn-lt"/>
+                        </a:rPr>
+                        <a:t>admin</a:t>
+                      </a:r>
+                      <a:endParaRPr lang="hu-HU" sz="1600">
+                        <a:effectLst/>
+                        <a:latin typeface="+mn-lt"/>
+                        <a:ea typeface="Calibri" panose="020F0502020204030204" pitchFamily="34" charset="0"/>
+                      </a:endParaRPr>
+                    </a:p>
+                  </a:txBody>
+                  <a:tcPr marL="68580" marR="68580" marT="0" marB="0" anchor="ctr"/>
+                </a:tc>
+                <a:tc>
+                  <a:txBody>
+                    <a:bodyPr/>
+                    <a:lstStyle/>
+                    <a:p>
+                      <a:pPr algn="ctr">
+                        <a:lnSpc>
+                          <a:spcPct val="107000"/>
+                        </a:lnSpc>
+                        <a:spcAft>
+                          <a:spcPts val="800"/>
+                        </a:spcAft>
+                      </a:pPr>
+                      <a:r>
+                        <a:rPr lang="hu-HU" sz="1600">
+                          <a:effectLst/>
+                          <a:latin typeface="+mn-lt"/>
+                        </a:rPr>
+                        <a:t>Mil4tech</a:t>
+                      </a:r>
+                      <a:endParaRPr lang="hu-HU" sz="1600">
+                        <a:effectLst/>
+                        <a:latin typeface="+mn-lt"/>
+                        <a:ea typeface="Calibri" panose="020F0502020204030204" pitchFamily="34" charset="0"/>
+                      </a:endParaRPr>
+                    </a:p>
+                  </a:txBody>
+                  <a:tcPr marL="68580" marR="68580" marT="0" marB="0" anchor="ctr"/>
+                </a:tc>
+                <a:extLst>
+                  <a:ext uri="{0D108BD9-81ED-4DB2-BD59-A6C34878D82A}">
+                    <a16:rowId xmlns:a16="http://schemas.microsoft.com/office/drawing/2014/main" val="2250888279"/>
+                  </a:ext>
+                </a:extLst>
+              </a:tr>
+              <a:tr h="472309">
+                <a:tc>
+                  <a:txBody>
+                    <a:bodyPr/>
+                    <a:lstStyle/>
+                    <a:p>
+                      <a:pPr>
+                        <a:lnSpc>
+                          <a:spcPct val="107000"/>
+                        </a:lnSpc>
+                        <a:spcAft>
+                          <a:spcPts val="800"/>
+                        </a:spcAft>
+                      </a:pPr>
+                      <a:r>
+                        <a:rPr lang="hu-HU" sz="1600">
+                          <a:effectLst/>
+                          <a:latin typeface="+mn-lt"/>
+                        </a:rPr>
+                        <a:t>Wireless Router</a:t>
+                      </a:r>
+                      <a:endParaRPr lang="hu-HU" sz="1600">
+                        <a:effectLst/>
+                        <a:latin typeface="+mn-lt"/>
+                        <a:ea typeface="Calibri" panose="020F0502020204030204" pitchFamily="34" charset="0"/>
+                      </a:endParaRPr>
+                    </a:p>
+                  </a:txBody>
+                  <a:tcPr marL="68580" marR="68580" marT="0" marB="0" anchor="ctr"/>
+                </a:tc>
+                <a:tc>
+                  <a:txBody>
+                    <a:bodyPr/>
+                    <a:lstStyle/>
+                    <a:p>
+                      <a:pPr>
+                        <a:lnSpc>
+                          <a:spcPct val="107000"/>
+                        </a:lnSpc>
+                      </a:pPr>
+                      <a:endParaRPr lang="hu-HU" sz="1600">
+                        <a:effectLst/>
+                        <a:latin typeface="+mn-lt"/>
+                      </a:endParaRPr>
+                    </a:p>
+                  </a:txBody>
+                  <a:tcPr marL="68580" marR="68580" marT="0" marB="0" anchor="ctr"/>
+                </a:tc>
+                <a:tc>
+                  <a:txBody>
+                    <a:bodyPr/>
+                    <a:lstStyle/>
+                    <a:p>
+                      <a:pPr algn="ctr">
+                        <a:lnSpc>
+                          <a:spcPct val="107000"/>
+                        </a:lnSpc>
+                        <a:spcAft>
+                          <a:spcPts val="800"/>
+                        </a:spcAft>
+                      </a:pPr>
+                      <a:r>
+                        <a:rPr lang="hu-HU" sz="1600" dirty="0">
+                          <a:effectLst/>
+                          <a:latin typeface="+mn-lt"/>
+                        </a:rPr>
+                        <a:t>Milatech1</a:t>
+                      </a:r>
+                      <a:endParaRPr lang="hu-HU" sz="1600" dirty="0">
+                        <a:effectLst/>
+                        <a:latin typeface="+mn-lt"/>
+                        <a:ea typeface="Calibri" panose="020F0502020204030204" pitchFamily="34" charset="0"/>
+                      </a:endParaRPr>
+                    </a:p>
+                  </a:txBody>
+                  <a:tcPr marL="68580" marR="68580" marT="0" marB="0" anchor="ctr"/>
+                </a:tc>
+                <a:extLst>
+                  <a:ext uri="{0D108BD9-81ED-4DB2-BD59-A6C34878D82A}">
+                    <a16:rowId xmlns:a16="http://schemas.microsoft.com/office/drawing/2014/main" val="3916211040"/>
+                  </a:ext>
+                </a:extLst>
+              </a:tr>
+            </a:tbl>
+          </a:graphicData>
+        </a:graphic>
+      </p:graphicFrame>
+      <p:graphicFrame>
+        <p:nvGraphicFramePr>
+          <p:cNvPr id="4" name="Táblázat 3">
+            <a:extLst>
+              <a:ext uri="{FF2B5EF4-FFF2-40B4-BE49-F238E27FC236}">
+                <a16:creationId xmlns:a16="http://schemas.microsoft.com/office/drawing/2014/main" id="{E857D2AF-95D3-7284-3E45-8B26DF2A8028}"/>
+              </a:ext>
+            </a:extLst>
+          </p:cNvPr>
+          <p:cNvGraphicFramePr>
+            <a:graphicFrameLocks noGrp="1"/>
+          </p:cNvGraphicFramePr>
+          <p:nvPr>
+            <p:extLst>
+              <p:ext uri="{D42A27DB-BD31-4B8C-83A1-F6EECF244321}">
+                <p14:modId xmlns:p14="http://schemas.microsoft.com/office/powerpoint/2010/main" val="14632668"/>
+              </p:ext>
+            </p:extLst>
+          </p:nvPr>
+        </p:nvGraphicFramePr>
+        <p:xfrm>
+          <a:off x="7775412" y="8145228"/>
+          <a:ext cx="3984788" cy="2394317"/>
+        </p:xfrm>
+        <a:graphic>
+          <a:graphicData uri="http://schemas.openxmlformats.org/drawingml/2006/table">
+            <a:tbl>
+              <a:tblPr bandRow="1">
+                <a:tableStyleId>{5C22544A-7EE6-4342-B048-85BDC9FD1C3A}</a:tableStyleId>
+              </a:tblPr>
+              <a:tblGrid>
+                <a:gridCol w="1992071">
+                  <a:extLst>
+                    <a:ext uri="{9D8B030D-6E8A-4147-A177-3AD203B41FA5}">
+                      <a16:colId xmlns:a16="http://schemas.microsoft.com/office/drawing/2014/main" val="1047251706"/>
+                    </a:ext>
+                  </a:extLst>
+                </a:gridCol>
+                <a:gridCol w="1992717">
+                  <a:extLst>
+                    <a:ext uri="{9D8B030D-6E8A-4147-A177-3AD203B41FA5}">
+                      <a16:colId xmlns:a16="http://schemas.microsoft.com/office/drawing/2014/main" val="1094314456"/>
+                    </a:ext>
+                  </a:extLst>
+                </a:gridCol>
+              </a:tblGrid>
+              <a:tr h="455085">
+                <a:tc>
+                  <a:txBody>
+                    <a:bodyPr/>
+                    <a:lstStyle/>
+                    <a:p>
+                      <a:pPr algn="l">
+                        <a:lnSpc>
+                          <a:spcPct val="107000"/>
+                        </a:lnSpc>
+                        <a:spcAft>
+                          <a:spcPts val="800"/>
+                        </a:spcAft>
+                      </a:pPr>
+                      <a:r>
+                        <a:rPr lang="hu-HU" sz="1800" dirty="0">
+                          <a:effectLst/>
+                          <a:latin typeface="+mn-lt"/>
+                        </a:rPr>
+                        <a:t>AAA</a:t>
+                      </a:r>
+                      <a:endParaRPr lang="hu-HU" sz="1800" dirty="0">
+                        <a:effectLst/>
+                        <a:latin typeface="+mn-lt"/>
+                        <a:ea typeface="Calibri" panose="020F0502020204030204" pitchFamily="34" charset="0"/>
+                      </a:endParaRPr>
+                    </a:p>
+                  </a:txBody>
+                  <a:tcPr marL="68580" marR="68580" marT="0" marB="0"/>
+                </a:tc>
+                <a:tc>
+                  <a:txBody>
+                    <a:bodyPr/>
+                    <a:lstStyle/>
+                    <a:p>
+                      <a:pPr algn="ctr">
+                        <a:lnSpc>
+                          <a:spcPct val="107000"/>
+                        </a:lnSpc>
+                        <a:spcAft>
+                          <a:spcPts val="800"/>
+                        </a:spcAft>
+                      </a:pPr>
+                      <a:r>
+                        <a:rPr lang="hu-HU" sz="1800">
+                          <a:effectLst/>
+                          <a:latin typeface="+mn-lt"/>
+                        </a:rPr>
+                        <a:t> </a:t>
+                      </a:r>
+                      <a:endParaRPr lang="hu-HU" sz="1800">
+                        <a:effectLst/>
+                        <a:latin typeface="+mn-lt"/>
+                        <a:ea typeface="Calibri" panose="020F0502020204030204" pitchFamily="34" charset="0"/>
+                      </a:endParaRPr>
+                    </a:p>
+                  </a:txBody>
+                  <a:tcPr marL="68580" marR="68580" marT="0" marB="0" anchor="ctr"/>
+                </a:tc>
+                <a:extLst>
+                  <a:ext uri="{0D108BD9-81ED-4DB2-BD59-A6C34878D82A}">
+                    <a16:rowId xmlns:a16="http://schemas.microsoft.com/office/drawing/2014/main" val="3726853058"/>
+                  </a:ext>
+                </a:extLst>
+              </a:tr>
+              <a:tr h="455085">
+                <a:tc>
+                  <a:txBody>
+                    <a:bodyPr/>
+                    <a:lstStyle/>
+                    <a:p>
+                      <a:pPr algn="l">
+                        <a:lnSpc>
+                          <a:spcPct val="107000"/>
+                        </a:lnSpc>
+                      </a:pPr>
+                      <a:endParaRPr lang="hu-HU" sz="1800" dirty="0">
+                        <a:effectLst/>
+                        <a:latin typeface="+mn-lt"/>
+                      </a:endParaRPr>
+                    </a:p>
+                  </a:txBody>
+                  <a:tcPr marL="68580" marR="68580" marT="0" marB="0"/>
+                </a:tc>
+                <a:tc>
+                  <a:txBody>
+                    <a:bodyPr/>
+                    <a:lstStyle/>
+                    <a:p>
+                      <a:pPr algn="ctr">
+                        <a:lnSpc>
+                          <a:spcPct val="107000"/>
+                        </a:lnSpc>
+                        <a:spcAft>
+                          <a:spcPts val="800"/>
+                        </a:spcAft>
+                      </a:pPr>
+                      <a:r>
+                        <a:rPr lang="hu-HU" sz="1800">
+                          <a:effectLst/>
+                          <a:latin typeface="+mn-lt"/>
+                        </a:rPr>
+                        <a:t>Admin</a:t>
+                      </a:r>
+                      <a:endParaRPr lang="hu-HU" sz="1800">
+                        <a:effectLst/>
+                        <a:latin typeface="+mn-lt"/>
+                        <a:ea typeface="Calibri" panose="020F0502020204030204" pitchFamily="34" charset="0"/>
+                      </a:endParaRPr>
+                    </a:p>
+                  </a:txBody>
+                  <a:tcPr marL="68580" marR="68580" marT="0" marB="0" anchor="ctr"/>
+                </a:tc>
+                <a:extLst>
+                  <a:ext uri="{0D108BD9-81ED-4DB2-BD59-A6C34878D82A}">
+                    <a16:rowId xmlns:a16="http://schemas.microsoft.com/office/drawing/2014/main" val="3906000122"/>
+                  </a:ext>
+                </a:extLst>
+              </a:tr>
+              <a:tr h="455085">
+                <a:tc>
+                  <a:txBody>
+                    <a:bodyPr/>
+                    <a:lstStyle/>
+                    <a:p>
+                      <a:pPr algn="l">
+                        <a:lnSpc>
+                          <a:spcPct val="107000"/>
+                        </a:lnSpc>
+                        <a:spcAft>
+                          <a:spcPts val="800"/>
+                        </a:spcAft>
+                      </a:pPr>
+                      <a:r>
+                        <a:rPr lang="hu-HU" sz="1800">
+                          <a:effectLst/>
+                          <a:latin typeface="+mn-lt"/>
+                        </a:rPr>
+                        <a:t>Password</a:t>
+                      </a:r>
+                      <a:endParaRPr lang="hu-HU" sz="1800">
+                        <a:effectLst/>
+                        <a:latin typeface="+mn-lt"/>
+                        <a:ea typeface="Calibri" panose="020F0502020204030204" pitchFamily="34" charset="0"/>
+                      </a:endParaRPr>
+                    </a:p>
+                  </a:txBody>
+                  <a:tcPr marL="68580" marR="68580" marT="0" marB="0"/>
+                </a:tc>
+                <a:tc>
+                  <a:txBody>
+                    <a:bodyPr/>
+                    <a:lstStyle/>
+                    <a:p>
+                      <a:pPr algn="ctr">
+                        <a:lnSpc>
+                          <a:spcPct val="107000"/>
+                        </a:lnSpc>
+                        <a:spcAft>
+                          <a:spcPts val="800"/>
+                        </a:spcAft>
+                      </a:pPr>
+                      <a:r>
+                        <a:rPr lang="hu-HU" sz="1800">
+                          <a:effectLst/>
+                          <a:latin typeface="+mn-lt"/>
+                        </a:rPr>
+                        <a:t>Mil4tech</a:t>
+                      </a:r>
+                      <a:endParaRPr lang="hu-HU" sz="1800">
+                        <a:effectLst/>
+                        <a:latin typeface="+mn-lt"/>
+                        <a:ea typeface="Calibri" panose="020F0502020204030204" pitchFamily="34" charset="0"/>
+                      </a:endParaRPr>
+                    </a:p>
+                  </a:txBody>
+                  <a:tcPr marL="68580" marR="68580" marT="0" marB="0" anchor="ctr"/>
+                </a:tc>
+                <a:extLst>
+                  <a:ext uri="{0D108BD9-81ED-4DB2-BD59-A6C34878D82A}">
+                    <a16:rowId xmlns:a16="http://schemas.microsoft.com/office/drawing/2014/main" val="1017908711"/>
+                  </a:ext>
+                </a:extLst>
+              </a:tr>
+              <a:tr h="568690">
+                <a:tc>
+                  <a:txBody>
+                    <a:bodyPr/>
+                    <a:lstStyle/>
+                    <a:p>
+                      <a:pPr algn="l">
+                        <a:lnSpc>
+                          <a:spcPct val="107000"/>
+                        </a:lnSpc>
+                        <a:spcAft>
+                          <a:spcPts val="800"/>
+                        </a:spcAft>
+                      </a:pPr>
+                      <a:r>
+                        <a:rPr lang="hu-HU" sz="1800">
+                          <a:effectLst/>
+                          <a:latin typeface="+mn-lt"/>
+                        </a:rPr>
+                        <a:t>Client name</a:t>
+                      </a:r>
+                      <a:endParaRPr lang="hu-HU" sz="1800">
+                        <a:effectLst/>
+                        <a:latin typeface="+mn-lt"/>
+                        <a:ea typeface="Calibri" panose="020F0502020204030204" pitchFamily="34" charset="0"/>
+                      </a:endParaRPr>
+                    </a:p>
+                  </a:txBody>
+                  <a:tcPr marL="68580" marR="68580" marT="0" marB="0"/>
+                </a:tc>
+                <a:tc>
+                  <a:txBody>
+                    <a:bodyPr/>
+                    <a:lstStyle/>
+                    <a:p>
+                      <a:pPr algn="ctr">
+                        <a:lnSpc>
+                          <a:spcPct val="107000"/>
+                        </a:lnSpc>
+                        <a:spcAft>
+                          <a:spcPts val="800"/>
+                        </a:spcAft>
+                      </a:pPr>
+                      <a:r>
+                        <a:rPr lang="hu-HU" sz="1800" dirty="0" err="1">
+                          <a:effectLst/>
+                          <a:latin typeface="+mn-lt"/>
+                        </a:rPr>
+                        <a:t>Username</a:t>
+                      </a:r>
+                      <a:r>
+                        <a:rPr lang="hu-HU" sz="1800" dirty="0">
+                          <a:effectLst/>
+                          <a:latin typeface="+mn-lt"/>
+                        </a:rPr>
+                        <a:t> </a:t>
+                      </a:r>
+                      <a:r>
+                        <a:rPr lang="hu-HU" sz="1800" dirty="0" err="1">
+                          <a:effectLst/>
+                          <a:latin typeface="+mn-lt"/>
+                        </a:rPr>
+                        <a:t>Milatech.aaa</a:t>
+                      </a:r>
+                      <a:endParaRPr lang="hu-HU" sz="1800" dirty="0">
+                        <a:effectLst/>
+                        <a:latin typeface="+mn-lt"/>
+                        <a:ea typeface="Calibri" panose="020F0502020204030204" pitchFamily="34" charset="0"/>
+                      </a:endParaRPr>
+                    </a:p>
+                  </a:txBody>
+                  <a:tcPr marL="68580" marR="68580" marT="0" marB="0" anchor="ctr"/>
+                </a:tc>
+                <a:extLst>
+                  <a:ext uri="{0D108BD9-81ED-4DB2-BD59-A6C34878D82A}">
+                    <a16:rowId xmlns:a16="http://schemas.microsoft.com/office/drawing/2014/main" val="2461985301"/>
+                  </a:ext>
+                </a:extLst>
+              </a:tr>
+              <a:tr h="455085">
+                <a:tc>
+                  <a:txBody>
+                    <a:bodyPr/>
+                    <a:lstStyle/>
+                    <a:p>
+                      <a:pPr algn="l">
+                        <a:lnSpc>
+                          <a:spcPct val="107000"/>
+                        </a:lnSpc>
+                        <a:spcAft>
+                          <a:spcPts val="800"/>
+                        </a:spcAft>
+                      </a:pPr>
+                      <a:r>
+                        <a:rPr lang="hu-HU" sz="1800">
+                          <a:effectLst/>
+                          <a:latin typeface="+mn-lt"/>
+                        </a:rPr>
+                        <a:t>Secret</a:t>
+                      </a:r>
+                      <a:endParaRPr lang="hu-HU" sz="1800">
+                        <a:effectLst/>
+                        <a:latin typeface="+mn-lt"/>
+                        <a:ea typeface="Calibri" panose="020F0502020204030204" pitchFamily="34" charset="0"/>
+                      </a:endParaRPr>
+                    </a:p>
+                  </a:txBody>
+                  <a:tcPr marL="68580" marR="68580" marT="0" marB="0"/>
+                </a:tc>
+                <a:tc>
+                  <a:txBody>
+                    <a:bodyPr/>
+                    <a:lstStyle/>
+                    <a:p>
+                      <a:pPr algn="ctr">
+                        <a:lnSpc>
+                          <a:spcPct val="107000"/>
+                        </a:lnSpc>
+                        <a:spcAft>
+                          <a:spcPts val="800"/>
+                        </a:spcAft>
+                      </a:pPr>
+                      <a:r>
+                        <a:rPr lang="hu-HU" sz="1800" dirty="0">
+                          <a:effectLst/>
+                          <a:latin typeface="+mn-lt"/>
+                        </a:rPr>
+                        <a:t>Mil4tech</a:t>
+                      </a:r>
+                      <a:endParaRPr lang="hu-HU" sz="1800" dirty="0">
+                        <a:effectLst/>
+                        <a:latin typeface="+mn-lt"/>
+                        <a:ea typeface="Calibri" panose="020F0502020204030204" pitchFamily="34" charset="0"/>
+                      </a:endParaRPr>
+                    </a:p>
+                  </a:txBody>
+                  <a:tcPr marL="68580" marR="68580" marT="0" marB="0" anchor="ctr"/>
+                </a:tc>
+                <a:extLst>
+                  <a:ext uri="{0D108BD9-81ED-4DB2-BD59-A6C34878D82A}">
+                    <a16:rowId xmlns:a16="http://schemas.microsoft.com/office/drawing/2014/main" val="615191734"/>
+                  </a:ext>
+                </a:extLst>
+              </a:tr>
+            </a:tbl>
+          </a:graphicData>
+        </a:graphic>
+      </p:graphicFrame>
+      <p:pic>
+        <p:nvPicPr>
+          <p:cNvPr id="5" name="Tartalom helye 13">
+            <a:extLst>
+              <a:ext uri="{FF2B5EF4-FFF2-40B4-BE49-F238E27FC236}">
+                <a16:creationId xmlns:a16="http://schemas.microsoft.com/office/drawing/2014/main" id="{0ACC589E-FBF0-FAC3-EECD-CFB49A18370A}"/>
+              </a:ext>
+            </a:extLst>
+          </p:cNvPr>
+          <p:cNvPicPr>
+            <a:picLocks noGrp="1" noChangeAspect="1"/>
+          </p:cNvPicPr>
+          <p:nvPr>
+            <p:ph idx="1"/>
+          </p:nvPr>
+        </p:nvPicPr>
+        <p:blipFill>
+          <a:blip r:embed="rId7"/>
+          <a:stretch>
+            <a:fillRect/>
+          </a:stretch>
+        </p:blipFill>
+        <p:spPr>
+          <a:xfrm>
+            <a:off x="-9564686" y="1146180"/>
+            <a:ext cx="8134565" cy="3069387"/>
+          </a:xfrm>
         </p:spPr>
       </p:pic>
     </p:spTree>

--- a/Hálózati Prezentáció.pptx
+++ b/Hálózati Prezentáció.pptx
@@ -210,7 +210,7 @@
           <a:p>
             <a:fld id="{64563AD4-8E0D-452A-BD67-5DBE9F206AC9}" type="datetimeFigureOut">
               <a:rPr lang="hu-HU" smtClean="0"/>
-              <a:t>2024. 05. 12.</a:t>
+              <a:t>2024.05.13</a:t>
             </a:fld>
             <a:endParaRPr lang="hu-HU"/>
           </a:p>
@@ -1296,7 +1296,7 @@
           <a:p>
             <a:fld id="{A9B348CB-91B4-4F03-9DE7-E8D07802DFF7}" type="datetimeFigureOut">
               <a:rPr lang="hu-HU" smtClean="0"/>
-              <a:t>2024. 05. 12.</a:t>
+              <a:t>2024.05.13</a:t>
             </a:fld>
             <a:endParaRPr lang="hu-HU"/>
           </a:p>
@@ -1494,7 +1494,7 @@
           <a:p>
             <a:fld id="{A9B348CB-91B4-4F03-9DE7-E8D07802DFF7}" type="datetimeFigureOut">
               <a:rPr lang="hu-HU" smtClean="0"/>
-              <a:t>2024. 05. 12.</a:t>
+              <a:t>2024.05.13</a:t>
             </a:fld>
             <a:endParaRPr lang="hu-HU"/>
           </a:p>
@@ -1702,7 +1702,7 @@
           <a:p>
             <a:fld id="{A9B348CB-91B4-4F03-9DE7-E8D07802DFF7}" type="datetimeFigureOut">
               <a:rPr lang="hu-HU" smtClean="0"/>
-              <a:t>2024. 05. 12.</a:t>
+              <a:t>2024.05.13</a:t>
             </a:fld>
             <a:endParaRPr lang="hu-HU"/>
           </a:p>
@@ -1900,7 +1900,7 @@
           <a:p>
             <a:fld id="{A9B348CB-91B4-4F03-9DE7-E8D07802DFF7}" type="datetimeFigureOut">
               <a:rPr lang="hu-HU" smtClean="0"/>
-              <a:t>2024. 05. 12.</a:t>
+              <a:t>2024.05.13</a:t>
             </a:fld>
             <a:endParaRPr lang="hu-HU"/>
           </a:p>
@@ -2175,7 +2175,7 @@
           <a:p>
             <a:fld id="{A9B348CB-91B4-4F03-9DE7-E8D07802DFF7}" type="datetimeFigureOut">
               <a:rPr lang="hu-HU" smtClean="0"/>
-              <a:t>2024. 05. 12.</a:t>
+              <a:t>2024.05.13</a:t>
             </a:fld>
             <a:endParaRPr lang="hu-HU"/>
           </a:p>
@@ -2440,7 +2440,7 @@
           <a:p>
             <a:fld id="{A9B348CB-91B4-4F03-9DE7-E8D07802DFF7}" type="datetimeFigureOut">
               <a:rPr lang="hu-HU" smtClean="0"/>
-              <a:t>2024. 05. 12.</a:t>
+              <a:t>2024.05.13</a:t>
             </a:fld>
             <a:endParaRPr lang="hu-HU"/>
           </a:p>
@@ -2852,7 +2852,7 @@
           <a:p>
             <a:fld id="{A9B348CB-91B4-4F03-9DE7-E8D07802DFF7}" type="datetimeFigureOut">
               <a:rPr lang="hu-HU" smtClean="0"/>
-              <a:t>2024. 05. 12.</a:t>
+              <a:t>2024.05.13</a:t>
             </a:fld>
             <a:endParaRPr lang="hu-HU"/>
           </a:p>
@@ -2993,7 +2993,7 @@
           <a:p>
             <a:fld id="{A9B348CB-91B4-4F03-9DE7-E8D07802DFF7}" type="datetimeFigureOut">
               <a:rPr lang="hu-HU" smtClean="0"/>
-              <a:t>2024. 05. 12.</a:t>
+              <a:t>2024.05.13</a:t>
             </a:fld>
             <a:endParaRPr lang="hu-HU"/>
           </a:p>
@@ -3106,7 +3106,7 @@
           <a:p>
             <a:fld id="{A9B348CB-91B4-4F03-9DE7-E8D07802DFF7}" type="datetimeFigureOut">
               <a:rPr lang="hu-HU" smtClean="0"/>
-              <a:t>2024. 05. 12.</a:t>
+              <a:t>2024.05.13</a:t>
             </a:fld>
             <a:endParaRPr lang="hu-HU"/>
           </a:p>
@@ -3417,7 +3417,7 @@
           <a:p>
             <a:fld id="{A9B348CB-91B4-4F03-9DE7-E8D07802DFF7}" type="datetimeFigureOut">
               <a:rPr lang="hu-HU" smtClean="0"/>
-              <a:t>2024. 05. 12.</a:t>
+              <a:t>2024.05.13</a:t>
             </a:fld>
             <a:endParaRPr lang="hu-HU"/>
           </a:p>
@@ -3705,7 +3705,7 @@
           <a:p>
             <a:fld id="{A9B348CB-91B4-4F03-9DE7-E8D07802DFF7}" type="datetimeFigureOut">
               <a:rPr lang="hu-HU" smtClean="0"/>
-              <a:t>2024. 05. 12.</a:t>
+              <a:t>2024.05.13</a:t>
             </a:fld>
             <a:endParaRPr lang="hu-HU"/>
           </a:p>
@@ -3946,7 +3946,7 @@
           <a:p>
             <a:fld id="{A9B348CB-91B4-4F03-9DE7-E8D07802DFF7}" type="datetimeFigureOut">
               <a:rPr lang="hu-HU" smtClean="0"/>
-              <a:t>2024. 05. 12.</a:t>
+              <a:t>2024.05.13</a:t>
             </a:fld>
             <a:endParaRPr lang="hu-HU"/>
           </a:p>
@@ -5395,7 +5395,7 @@
         <p:spPr>
           <a:xfrm>
             <a:off x="550393" y="4515643"/>
-            <a:ext cx="7114977" cy="1569660"/>
+            <a:ext cx="7114977" cy="1938992"/>
           </a:xfrm>
           <a:prstGeom prst="rect">
             <a:avLst/>
@@ -5422,7 +5422,7 @@
             </a:r>
             <a:r>
               <a:rPr lang="hu-HU" sz="2400" dirty="0"/>
-              <a:t> kommunikálhatnak egymással</a:t>
+              <a:t> helyezkednek el</a:t>
             </a:r>
           </a:p>
           <a:p>
@@ -5432,8 +5432,23 @@
             </a:pPr>
             <a:r>
               <a:rPr lang="hu-HU" sz="2400" dirty="0"/>
-              <a:t>A dinamikus címkiosztás érdekében DHCP-t alkalmaztunk</a:t>
-            </a:r>
+              <a:t>A dinamikus címkiosztás érdekében DHCP-t alkalmaztunk, de a </a:t>
+            </a:r>
+            <a:r>
+              <a:rPr lang="hu-HU" sz="2400" dirty="0" err="1"/>
+              <a:t>switchek</a:t>
+            </a:r>
+            <a:r>
+              <a:rPr lang="hu-HU" sz="2400" dirty="0"/>
+              <a:t>, routerek, szerverek statikus IP címet kaptak</a:t>
+            </a:r>
+          </a:p>
+          <a:p>
+            <a:pPr marL="342900" indent="-342900">
+              <a:buFont typeface="Arial" panose="020B0604020202020204" pitchFamily="34" charset="0"/>
+              <a:buChar char="•"/>
+            </a:pPr>
+            <a:endParaRPr lang="hu-HU" sz="2400" dirty="0"/>
           </a:p>
         </p:txBody>
       </p:sp>
@@ -6190,7 +6205,7 @@
           <p:nvPr>
             <p:extLst>
               <p:ext uri="{D42A27DB-BD31-4B8C-83A1-F6EECF244321}">
-                <p14:modId xmlns:p14="http://schemas.microsoft.com/office/powerpoint/2010/main" val="2585073729"/>
+                <p14:modId xmlns:p14="http://schemas.microsoft.com/office/powerpoint/2010/main" val="4245145881"/>
               </p:ext>
             </p:extLst>
           </p:nvPr>
@@ -6670,7 +6685,7 @@
                           <a:effectLst/>
                           <a:latin typeface="+mn-lt"/>
                         </a:rPr>
-                        <a:t>Milatech1</a:t>
+                        <a:t>Milatech123</a:t>
                       </a:r>
                       <a:endParaRPr lang="hu-HU" sz="1600" dirty="0">
                         <a:effectLst/>
@@ -9283,6 +9298,207 @@
           </a:p>
         </p:txBody>
       </p:sp>
+      <p:pic>
+        <p:nvPicPr>
+          <p:cNvPr id="8" name="Tartalom helye 7">
+            <a:extLst>
+              <a:ext uri="{FF2B5EF4-FFF2-40B4-BE49-F238E27FC236}">
+                <a16:creationId xmlns:a16="http://schemas.microsoft.com/office/drawing/2014/main" id="{6BE52837-9901-4F95-8042-30C7786E279B}"/>
+              </a:ext>
+            </a:extLst>
+          </p:cNvPr>
+          <p:cNvPicPr>
+            <a:picLocks noGrp="1" noChangeAspect="1"/>
+          </p:cNvPicPr>
+          <p:nvPr>
+            <p:ph idx="1"/>
+          </p:nvPr>
+        </p:nvPicPr>
+        <p:blipFill rotWithShape="1">
+          <a:blip r:embed="rId3">
+            <a:extLst>
+              <a:ext uri="{28A0092B-C50C-407E-A947-70E740481C1C}">
+                <a14:useLocalDpi xmlns:a14="http://schemas.microsoft.com/office/drawing/2010/main" val="0"/>
+              </a:ext>
+            </a:extLst>
+          </a:blip>
+          <a:srcRect l="2447" t="2210" r="7442" b="10524"/>
+          <a:stretch/>
+        </p:blipFill>
+        <p:spPr>
+          <a:xfrm>
+            <a:off x="671632" y="1067467"/>
+            <a:ext cx="10848736" cy="5486400"/>
+          </a:xfrm>
+        </p:spPr>
+      </p:pic>
+      <p:pic>
+        <p:nvPicPr>
+          <p:cNvPr id="6" name="Kép 5">
+            <a:extLst>
+              <a:ext uri="{FF2B5EF4-FFF2-40B4-BE49-F238E27FC236}">
+                <a16:creationId xmlns:a16="http://schemas.microsoft.com/office/drawing/2014/main" id="{9DC61B4D-7A80-FEC8-BE3A-BA3CA0D93BA4}"/>
+              </a:ext>
+            </a:extLst>
+          </p:cNvPr>
+          <p:cNvPicPr>
+            <a:picLocks noChangeAspect="1"/>
+          </p:cNvPicPr>
+          <p:nvPr/>
+        </p:nvPicPr>
+        <p:blipFill>
+          <a:blip r:embed="rId4"/>
+          <a:stretch>
+            <a:fillRect/>
+          </a:stretch>
+        </p:blipFill>
+        <p:spPr>
+          <a:xfrm>
+            <a:off x="1038226" y="8443462"/>
+            <a:ext cx="10315574" cy="5729738"/>
+          </a:xfrm>
+          <a:prstGeom prst="rect">
+            <a:avLst/>
+          </a:prstGeom>
+          <a:ln w="15875">
+            <a:solidFill>
+              <a:schemeClr val="tx1"/>
+            </a:solidFill>
+          </a:ln>
+        </p:spPr>
+      </p:pic>
+    </p:spTree>
+    <p:extLst>
+      <p:ext uri="{BB962C8B-B14F-4D97-AF65-F5344CB8AC3E}">
+        <p14:creationId xmlns:p14="http://schemas.microsoft.com/office/powerpoint/2010/main" val="3844757188"/>
+      </p:ext>
+    </p:extLst>
+  </p:cSld>
+  <p:clrMapOvr>
+    <a:masterClrMapping/>
+  </p:clrMapOvr>
+  <mc:AlternateContent xmlns:mc="http://schemas.openxmlformats.org/markup-compatibility/2006" xmlns:p159="http://schemas.microsoft.com/office/powerpoint/2015/09/main">
+    <mc:Choice Requires="p159">
+      <p:transition xmlns:p14="http://schemas.microsoft.com/office/powerpoint/2010/main" spd="slow" p14:dur="2000">
+        <p159:morph option="byObject"/>
+      </p:transition>
+    </mc:Choice>
+    <mc:Fallback xmlns="">
+      <p:transition spd="slow">
+        <p:fade/>
+      </p:transition>
+    </mc:Fallback>
+  </mc:AlternateContent>
+</p:sld>
+</file>
+
+<file path=ppt/slides/slide3.xml><?xml version="1.0" encoding="utf-8"?>
+<p:sld xmlns:a="http://schemas.openxmlformats.org/drawingml/2006/main" xmlns:r="http://schemas.openxmlformats.org/officeDocument/2006/relationships" xmlns:p="http://schemas.openxmlformats.org/presentationml/2006/main">
+  <p:cSld>
+    <p:spTree>
+      <p:nvGrpSpPr>
+        <p:cNvPr id="1" name=""/>
+        <p:cNvGrpSpPr/>
+        <p:nvPr/>
+      </p:nvGrpSpPr>
+      <p:grpSpPr>
+        <a:xfrm>
+          <a:off x="0" y="0"/>
+          <a:ext cx="0" cy="0"/>
+          <a:chOff x="0" y="0"/>
+          <a:chExt cx="0" cy="0"/>
+        </a:xfrm>
+      </p:grpSpPr>
+      <p:sp>
+        <p:nvSpPr>
+          <p:cNvPr id="4" name="Ellipszis 3">
+            <a:extLst>
+              <a:ext uri="{FF2B5EF4-FFF2-40B4-BE49-F238E27FC236}">
+                <a16:creationId xmlns:a16="http://schemas.microsoft.com/office/drawing/2014/main" id="{9120C61C-E976-4683-A048-6421CE22E599}"/>
+              </a:ext>
+            </a:extLst>
+          </p:cNvPr>
+          <p:cNvSpPr/>
+          <p:nvPr/>
+        </p:nvSpPr>
+        <p:spPr>
+          <a:xfrm>
+            <a:off x="-2458064" y="-2485104"/>
+            <a:ext cx="17108128" cy="11828207"/>
+          </a:xfrm>
+          <a:prstGeom prst="ellipse">
+            <a:avLst/>
+          </a:prstGeom>
+          <a:solidFill>
+            <a:srgbClr val="C5E0B4"/>
+          </a:solidFill>
+          <a:ln>
+            <a:solidFill>
+              <a:schemeClr val="accent6">
+                <a:lumMod val="40000"/>
+                <a:lumOff val="60000"/>
+              </a:schemeClr>
+            </a:solidFill>
+          </a:ln>
+        </p:spPr>
+        <p:style>
+          <a:lnRef idx="2">
+            <a:schemeClr val="accent1">
+              <a:shade val="50000"/>
+            </a:schemeClr>
+          </a:lnRef>
+          <a:fillRef idx="1">
+            <a:schemeClr val="accent1"/>
+          </a:fillRef>
+          <a:effectRef idx="0">
+            <a:schemeClr val="accent1"/>
+          </a:effectRef>
+          <a:fontRef idx="minor">
+            <a:schemeClr val="lt1"/>
+          </a:fontRef>
+        </p:style>
+        <p:txBody>
+          <a:bodyPr rtlCol="0" anchor="ctr"/>
+          <a:lstStyle/>
+          <a:p>
+            <a:pPr algn="ctr"/>
+            <a:endParaRPr lang="hu-HU"/>
+          </a:p>
+        </p:txBody>
+      </p:sp>
+      <p:sp>
+        <p:nvSpPr>
+          <p:cNvPr id="2" name="Cím 1">
+            <a:extLst>
+              <a:ext uri="{FF2B5EF4-FFF2-40B4-BE49-F238E27FC236}">
+                <a16:creationId xmlns:a16="http://schemas.microsoft.com/office/drawing/2014/main" id="{0A525EE9-B4DD-4A6F-A46C-7B7F844DE077}"/>
+              </a:ext>
+            </a:extLst>
+          </p:cNvPr>
+          <p:cNvSpPr>
+            <a:spLocks noGrp="1"/>
+          </p:cNvSpPr>
+          <p:nvPr>
+            <p:ph type="title"/>
+          </p:nvPr>
+        </p:nvSpPr>
+        <p:spPr>
+          <a:xfrm>
+            <a:off x="838200" y="0"/>
+            <a:ext cx="10515600" cy="1325563"/>
+          </a:xfrm>
+        </p:spPr>
+        <p:txBody>
+          <a:bodyPr/>
+          <a:lstStyle/>
+          <a:p>
+            <a:r>
+              <a:rPr lang="hu-HU" u="sng" dirty="0"/>
+              <a:t>Fizikai topológia (1.épület 1.emelet)</a:t>
+            </a:r>
+          </a:p>
+        </p:txBody>
+      </p:sp>
       <p:sp>
         <p:nvSpPr>
           <p:cNvPr id="3" name="Tartalom helye 2">
@@ -9310,10 +9526,10 @@
       </p:sp>
       <p:pic>
         <p:nvPicPr>
-          <p:cNvPr id="5" name="Kép 4">
-            <a:extLst>
-              <a:ext uri="{FF2B5EF4-FFF2-40B4-BE49-F238E27FC236}">
-                <a16:creationId xmlns:a16="http://schemas.microsoft.com/office/drawing/2014/main" id="{68FB6357-A484-D73B-72F4-2A1B9E26A6D4}"/>
+          <p:cNvPr id="6" name="Kép 5">
+            <a:extLst>
+              <a:ext uri="{FF2B5EF4-FFF2-40B4-BE49-F238E27FC236}">
+                <a16:creationId xmlns:a16="http://schemas.microsoft.com/office/drawing/2014/main" id="{9C938D95-A50B-4DA8-A5E1-40785B2316F8}"/>
               </a:ext>
             </a:extLst>
           </p:cNvPr>
@@ -9330,7 +9546,42 @@
         </p:blipFill>
         <p:spPr>
           <a:xfrm>
-            <a:off x="431127" y="1010701"/>
+            <a:off x="938213" y="1128262"/>
+            <a:ext cx="10315574" cy="5729738"/>
+          </a:xfrm>
+          <a:prstGeom prst="rect">
+            <a:avLst/>
+          </a:prstGeom>
+          <a:ln w="15875">
+            <a:solidFill>
+              <a:schemeClr val="tx1"/>
+            </a:solidFill>
+          </a:ln>
+        </p:spPr>
+      </p:pic>
+      <p:pic>
+        <p:nvPicPr>
+          <p:cNvPr id="8" name="Kép 7">
+            <a:extLst>
+              <a:ext uri="{FF2B5EF4-FFF2-40B4-BE49-F238E27FC236}">
+                <a16:creationId xmlns:a16="http://schemas.microsoft.com/office/drawing/2014/main" id="{0AA0156A-21A8-AF0A-FD3E-128B76D09455}"/>
+              </a:ext>
+            </a:extLst>
+          </p:cNvPr>
+          <p:cNvPicPr>
+            <a:picLocks noChangeAspect="1"/>
+          </p:cNvPicPr>
+          <p:nvPr/>
+        </p:nvPicPr>
+        <p:blipFill>
+          <a:blip r:embed="rId4"/>
+          <a:stretch>
+            <a:fillRect/>
+          </a:stretch>
+        </p:blipFill>
+        <p:spPr>
+          <a:xfrm>
+            <a:off x="-15232405" y="1010701"/>
             <a:ext cx="11329745" cy="5599932"/>
           </a:xfrm>
           <a:prstGeom prst="rect">
@@ -9342,7 +9593,7 @@
             </a:solidFill>
             <a:extLst>
               <a:ext uri="{C807C97D-BFC1-408E-A445-0C87EB9F89A2}">
-                <ask:lineSketchStyleProps xmlns:ask="http://schemas.microsoft.com/office/drawing/2018/sketchyshapes" sd="1219033472">
+                <ask:lineSketchStyleProps xmlns:ask="http://schemas.microsoft.com/office/drawing/2018/sketchyshapes" xmlns="" sd="1219033472">
                   <a:custGeom>
                     <a:avLst/>
                     <a:gdLst>
@@ -9442,365 +9693,6 @@
       </p:pic>
       <p:pic>
         <p:nvPicPr>
-          <p:cNvPr id="6" name="Kép 5">
-            <a:extLst>
-              <a:ext uri="{FF2B5EF4-FFF2-40B4-BE49-F238E27FC236}">
-                <a16:creationId xmlns:a16="http://schemas.microsoft.com/office/drawing/2014/main" id="{9DC61B4D-7A80-FEC8-BE3A-BA3CA0D93BA4}"/>
-              </a:ext>
-            </a:extLst>
-          </p:cNvPr>
-          <p:cNvPicPr>
-            <a:picLocks noChangeAspect="1"/>
-          </p:cNvPicPr>
-          <p:nvPr/>
-        </p:nvPicPr>
-        <p:blipFill>
-          <a:blip r:embed="rId4"/>
-          <a:stretch>
-            <a:fillRect/>
-          </a:stretch>
-        </p:blipFill>
-        <p:spPr>
-          <a:xfrm>
-            <a:off x="1038226" y="8443462"/>
-            <a:ext cx="10315574" cy="5729738"/>
-          </a:xfrm>
-          <a:prstGeom prst="rect">
-            <a:avLst/>
-          </a:prstGeom>
-          <a:ln w="15875">
-            <a:solidFill>
-              <a:schemeClr val="tx1"/>
-            </a:solidFill>
-          </a:ln>
-        </p:spPr>
-      </p:pic>
-    </p:spTree>
-    <p:extLst>
-      <p:ext uri="{BB962C8B-B14F-4D97-AF65-F5344CB8AC3E}">
-        <p14:creationId xmlns:p14="http://schemas.microsoft.com/office/powerpoint/2010/main" val="3844757188"/>
-      </p:ext>
-    </p:extLst>
-  </p:cSld>
-  <p:clrMapOvr>
-    <a:masterClrMapping/>
-  </p:clrMapOvr>
-  <mc:AlternateContent xmlns:mc="http://schemas.openxmlformats.org/markup-compatibility/2006" xmlns:p159="http://schemas.microsoft.com/office/powerpoint/2015/09/main">
-    <mc:Choice Requires="p159">
-      <p:transition xmlns:p14="http://schemas.microsoft.com/office/powerpoint/2010/main" spd="slow" p14:dur="2000">
-        <p159:morph option="byObject"/>
-      </p:transition>
-    </mc:Choice>
-    <mc:Fallback xmlns="">
-      <p:transition spd="slow">
-        <p:fade/>
-      </p:transition>
-    </mc:Fallback>
-  </mc:AlternateContent>
-</p:sld>
-</file>
-
-<file path=ppt/slides/slide3.xml><?xml version="1.0" encoding="utf-8"?>
-<p:sld xmlns:a="http://schemas.openxmlformats.org/drawingml/2006/main" xmlns:r="http://schemas.openxmlformats.org/officeDocument/2006/relationships" xmlns:p="http://schemas.openxmlformats.org/presentationml/2006/main">
-  <p:cSld>
-    <p:spTree>
-      <p:nvGrpSpPr>
-        <p:cNvPr id="1" name=""/>
-        <p:cNvGrpSpPr/>
-        <p:nvPr/>
-      </p:nvGrpSpPr>
-      <p:grpSpPr>
-        <a:xfrm>
-          <a:off x="0" y="0"/>
-          <a:ext cx="0" cy="0"/>
-          <a:chOff x="0" y="0"/>
-          <a:chExt cx="0" cy="0"/>
-        </a:xfrm>
-      </p:grpSpPr>
-      <p:sp>
-        <p:nvSpPr>
-          <p:cNvPr id="4" name="Ellipszis 3">
-            <a:extLst>
-              <a:ext uri="{FF2B5EF4-FFF2-40B4-BE49-F238E27FC236}">
-                <a16:creationId xmlns:a16="http://schemas.microsoft.com/office/drawing/2014/main" id="{9120C61C-E976-4683-A048-6421CE22E599}"/>
-              </a:ext>
-            </a:extLst>
-          </p:cNvPr>
-          <p:cNvSpPr/>
-          <p:nvPr/>
-        </p:nvSpPr>
-        <p:spPr>
-          <a:xfrm>
-            <a:off x="-2458064" y="-2485104"/>
-            <a:ext cx="17108128" cy="11828207"/>
-          </a:xfrm>
-          <a:prstGeom prst="ellipse">
-            <a:avLst/>
-          </a:prstGeom>
-          <a:solidFill>
-            <a:srgbClr val="C5E0B4"/>
-          </a:solidFill>
-          <a:ln>
-            <a:solidFill>
-              <a:schemeClr val="accent6">
-                <a:lumMod val="40000"/>
-                <a:lumOff val="60000"/>
-              </a:schemeClr>
-            </a:solidFill>
-          </a:ln>
-        </p:spPr>
-        <p:style>
-          <a:lnRef idx="2">
-            <a:schemeClr val="accent1">
-              <a:shade val="50000"/>
-            </a:schemeClr>
-          </a:lnRef>
-          <a:fillRef idx="1">
-            <a:schemeClr val="accent1"/>
-          </a:fillRef>
-          <a:effectRef idx="0">
-            <a:schemeClr val="accent1"/>
-          </a:effectRef>
-          <a:fontRef idx="minor">
-            <a:schemeClr val="lt1"/>
-          </a:fontRef>
-        </p:style>
-        <p:txBody>
-          <a:bodyPr rtlCol="0" anchor="ctr"/>
-          <a:lstStyle/>
-          <a:p>
-            <a:pPr algn="ctr"/>
-            <a:endParaRPr lang="hu-HU"/>
-          </a:p>
-        </p:txBody>
-      </p:sp>
-      <p:sp>
-        <p:nvSpPr>
-          <p:cNvPr id="2" name="Cím 1">
-            <a:extLst>
-              <a:ext uri="{FF2B5EF4-FFF2-40B4-BE49-F238E27FC236}">
-                <a16:creationId xmlns:a16="http://schemas.microsoft.com/office/drawing/2014/main" id="{0A525EE9-B4DD-4A6F-A46C-7B7F844DE077}"/>
-              </a:ext>
-            </a:extLst>
-          </p:cNvPr>
-          <p:cNvSpPr>
-            <a:spLocks noGrp="1"/>
-          </p:cNvSpPr>
-          <p:nvPr>
-            <p:ph type="title"/>
-          </p:nvPr>
-        </p:nvSpPr>
-        <p:spPr>
-          <a:xfrm>
-            <a:off x="838200" y="0"/>
-            <a:ext cx="10515600" cy="1325563"/>
-          </a:xfrm>
-        </p:spPr>
-        <p:txBody>
-          <a:bodyPr/>
-          <a:lstStyle/>
-          <a:p>
-            <a:r>
-              <a:rPr lang="hu-HU" u="sng" dirty="0"/>
-              <a:t>Fizikai topológia (1.épület 1.emelet)</a:t>
-            </a:r>
-          </a:p>
-        </p:txBody>
-      </p:sp>
-      <p:sp>
-        <p:nvSpPr>
-          <p:cNvPr id="3" name="Tartalom helye 2">
-            <a:extLst>
-              <a:ext uri="{FF2B5EF4-FFF2-40B4-BE49-F238E27FC236}">
-                <a16:creationId xmlns:a16="http://schemas.microsoft.com/office/drawing/2014/main" id="{CD49701A-D126-47C1-BD28-B0A5A5E5B2AC}"/>
-              </a:ext>
-            </a:extLst>
-          </p:cNvPr>
-          <p:cNvSpPr>
-            <a:spLocks noGrp="1"/>
-          </p:cNvSpPr>
-          <p:nvPr>
-            <p:ph idx="1"/>
-          </p:nvPr>
-        </p:nvSpPr>
-        <p:spPr/>
-        <p:txBody>
-          <a:bodyPr/>
-          <a:lstStyle/>
-          <a:p>
-            <a:endParaRPr lang="hu-HU" sz="3200" dirty="0"/>
-          </a:p>
-        </p:txBody>
-      </p:sp>
-      <p:pic>
-        <p:nvPicPr>
-          <p:cNvPr id="6" name="Kép 5">
-            <a:extLst>
-              <a:ext uri="{FF2B5EF4-FFF2-40B4-BE49-F238E27FC236}">
-                <a16:creationId xmlns:a16="http://schemas.microsoft.com/office/drawing/2014/main" id="{9C938D95-A50B-4DA8-A5E1-40785B2316F8}"/>
-              </a:ext>
-            </a:extLst>
-          </p:cNvPr>
-          <p:cNvPicPr>
-            <a:picLocks noChangeAspect="1"/>
-          </p:cNvPicPr>
-          <p:nvPr/>
-        </p:nvPicPr>
-        <p:blipFill>
-          <a:blip r:embed="rId3"/>
-          <a:stretch>
-            <a:fillRect/>
-          </a:stretch>
-        </p:blipFill>
-        <p:spPr>
-          <a:xfrm>
-            <a:off x="938213" y="1128262"/>
-            <a:ext cx="10315574" cy="5729738"/>
-          </a:xfrm>
-          <a:prstGeom prst="rect">
-            <a:avLst/>
-          </a:prstGeom>
-          <a:ln w="15875">
-            <a:solidFill>
-              <a:schemeClr val="tx1"/>
-            </a:solidFill>
-          </a:ln>
-        </p:spPr>
-      </p:pic>
-      <p:pic>
-        <p:nvPicPr>
-          <p:cNvPr id="8" name="Kép 7">
-            <a:extLst>
-              <a:ext uri="{FF2B5EF4-FFF2-40B4-BE49-F238E27FC236}">
-                <a16:creationId xmlns:a16="http://schemas.microsoft.com/office/drawing/2014/main" id="{0AA0156A-21A8-AF0A-FD3E-128B76D09455}"/>
-              </a:ext>
-            </a:extLst>
-          </p:cNvPr>
-          <p:cNvPicPr>
-            <a:picLocks noChangeAspect="1"/>
-          </p:cNvPicPr>
-          <p:nvPr/>
-        </p:nvPicPr>
-        <p:blipFill>
-          <a:blip r:embed="rId4"/>
-          <a:stretch>
-            <a:fillRect/>
-          </a:stretch>
-        </p:blipFill>
-        <p:spPr>
-          <a:xfrm>
-            <a:off x="-15232405" y="1010701"/>
-            <a:ext cx="11329745" cy="5599932"/>
-          </a:xfrm>
-          <a:prstGeom prst="rect">
-            <a:avLst/>
-          </a:prstGeom>
-          <a:ln w="15875">
-            <a:solidFill>
-              <a:schemeClr val="tx1"/>
-            </a:solidFill>
-            <a:extLst>
-              <a:ext uri="{C807C97D-BFC1-408E-A445-0C87EB9F89A2}">
-                <ask:lineSketchStyleProps xmlns:ask="http://schemas.microsoft.com/office/drawing/2018/sketchyshapes" sd="1219033472">
-                  <a:custGeom>
-                    <a:avLst/>
-                    <a:gdLst>
-                      <a:gd name="connsiteX0" fmla="*/ 0 w 5760720"/>
-                      <a:gd name="connsiteY0" fmla="*/ 0 h 2847340"/>
-                      <a:gd name="connsiteX1" fmla="*/ 5760720 w 5760720"/>
-                      <a:gd name="connsiteY1" fmla="*/ 0 h 2847340"/>
-                      <a:gd name="connsiteX2" fmla="*/ 5760720 w 5760720"/>
-                      <a:gd name="connsiteY2" fmla="*/ 2847340 h 2847340"/>
-                      <a:gd name="connsiteX3" fmla="*/ 0 w 5760720"/>
-                      <a:gd name="connsiteY3" fmla="*/ 2847340 h 2847340"/>
-                      <a:gd name="connsiteX4" fmla="*/ 0 w 5760720"/>
-                      <a:gd name="connsiteY4" fmla="*/ 0 h 2847340"/>
-                    </a:gdLst>
-                    <a:ahLst/>
-                    <a:cxnLst>
-                      <a:cxn ang="0">
-                        <a:pos x="connsiteX0" y="connsiteY0"/>
-                      </a:cxn>
-                      <a:cxn ang="0">
-                        <a:pos x="connsiteX1" y="connsiteY1"/>
-                      </a:cxn>
-                      <a:cxn ang="0">
-                        <a:pos x="connsiteX2" y="connsiteY2"/>
-                      </a:cxn>
-                      <a:cxn ang="0">
-                        <a:pos x="connsiteX3" y="connsiteY3"/>
-                      </a:cxn>
-                      <a:cxn ang="0">
-                        <a:pos x="connsiteX4" y="connsiteY4"/>
-                      </a:cxn>
-                    </a:cxnLst>
-                    <a:rect l="l" t="t" r="r" b="b"/>
-                    <a:pathLst>
-                      <a:path w="5760720" h="2847340" fill="none" extrusionOk="0">
-                        <a:moveTo>
-                          <a:pt x="0" y="0"/>
-                        </a:moveTo>
-                        <a:cubicBezTo>
-                          <a:pt x="860715" y="-49533"/>
-                          <a:pt x="4761444" y="-14809"/>
-                          <a:pt x="5760720" y="0"/>
-                        </a:cubicBezTo>
-                        <a:cubicBezTo>
-                          <a:pt x="5848359" y="1082888"/>
-                          <a:pt x="5688041" y="1896269"/>
-                          <a:pt x="5760720" y="2847340"/>
-                        </a:cubicBezTo>
-                        <a:cubicBezTo>
-                          <a:pt x="5084549" y="2799109"/>
-                          <a:pt x="727447" y="2931795"/>
-                          <a:pt x="0" y="2847340"/>
-                        </a:cubicBezTo>
-                        <a:cubicBezTo>
-                          <a:pt x="-38581" y="1556907"/>
-                          <a:pt x="63341" y="416770"/>
-                          <a:pt x="0" y="0"/>
-                        </a:cubicBezTo>
-                        <a:close/>
-                      </a:path>
-                      <a:path w="5760720" h="2847340" stroke="0" extrusionOk="0">
-                        <a:moveTo>
-                          <a:pt x="0" y="0"/>
-                        </a:moveTo>
-                        <a:cubicBezTo>
-                          <a:pt x="2128948" y="118645"/>
-                          <a:pt x="4700298" y="116012"/>
-                          <a:pt x="5760720" y="0"/>
-                        </a:cubicBezTo>
-                        <a:cubicBezTo>
-                          <a:pt x="5627838" y="906724"/>
-                          <a:pt x="5845671" y="1874243"/>
-                          <a:pt x="5760720" y="2847340"/>
-                        </a:cubicBezTo>
-                        <a:cubicBezTo>
-                          <a:pt x="3889201" y="2981940"/>
-                          <a:pt x="2137636" y="2690144"/>
-                          <a:pt x="0" y="2847340"/>
-                        </a:cubicBezTo>
-                        <a:cubicBezTo>
-                          <a:pt x="-20187" y="1940225"/>
-                          <a:pt x="-152480" y="919428"/>
-                          <a:pt x="0" y="0"/>
-                        </a:cubicBezTo>
-                        <a:close/>
-                      </a:path>
-                    </a:pathLst>
-                  </a:custGeom>
-                  <ask:type>
-                    <ask:lineSketchNone/>
-                  </ask:type>
-                </ask:lineSketchStyleProps>
-              </a:ext>
-            </a:extLst>
-          </a:ln>
-        </p:spPr>
-      </p:pic>
-      <p:pic>
-        <p:nvPicPr>
           <p:cNvPr id="9" name="Kép 8">
             <a:extLst>
               <a:ext uri="{FF2B5EF4-FFF2-40B4-BE49-F238E27FC236}">
@@ -10731,7 +10623,7 @@
         <p:spPr>
           <a:xfrm>
             <a:off x="927645" y="1926506"/>
-            <a:ext cx="5549900" cy="1938992"/>
+            <a:ext cx="5549900" cy="1569660"/>
           </a:xfrm>
           <a:prstGeom prst="rect">
             <a:avLst/>
@@ -10751,16 +10643,6 @@
             <a:r>
               <a:rPr lang="hu-HU" sz="2400" dirty="0"/>
               <a:t>RIP</a:t>
-            </a:r>
-          </a:p>
-          <a:p>
-            <a:pPr marL="285750" indent="-285750">
-              <a:buFont typeface="Arial" panose="020B0604020202020204" pitchFamily="34" charset="0"/>
-              <a:buChar char="•"/>
-            </a:pPr>
-            <a:r>
-              <a:rPr lang="hu-HU" sz="2400" dirty="0"/>
-              <a:t>IP ROUTE</a:t>
             </a:r>
           </a:p>
           <a:p>
@@ -10955,55 +10837,19 @@
       </p:grpSpPr>
       <p:sp>
         <p:nvSpPr>
-          <p:cNvPr id="2" name="Cím 1">
-            <a:extLst>
-              <a:ext uri="{FF2B5EF4-FFF2-40B4-BE49-F238E27FC236}">
-                <a16:creationId xmlns:a16="http://schemas.microsoft.com/office/drawing/2014/main" id="{02282DF4-002C-412E-A4FB-0F663EF5CBE2}"/>
-              </a:ext>
-            </a:extLst>
-          </p:cNvPr>
-          <p:cNvSpPr>
-            <a:spLocks noGrp="1"/>
-          </p:cNvSpPr>
-          <p:nvPr>
-            <p:ph type="title"/>
-          </p:nvPr>
+          <p:cNvPr id="6" name="Téglalap: lekerekített 5">
+            <a:extLst>
+              <a:ext uri="{FF2B5EF4-FFF2-40B4-BE49-F238E27FC236}">
+                <a16:creationId xmlns:a16="http://schemas.microsoft.com/office/drawing/2014/main" id="{71B51E74-ABBA-4D07-BF83-E36C2F5CF003}"/>
+              </a:ext>
+            </a:extLst>
+          </p:cNvPr>
+          <p:cNvSpPr/>
+          <p:nvPr/>
         </p:nvSpPr>
         <p:spPr>
           <a:xfrm>
-            <a:off x="838200" y="-53002"/>
-            <a:ext cx="10515600" cy="1325563"/>
-          </a:xfrm>
-        </p:spPr>
-        <p:txBody>
-          <a:bodyPr>
-            <a:normAutofit/>
-          </a:bodyPr>
-          <a:lstStyle/>
-          <a:p>
-            <a:pPr algn="ctr"/>
-            <a:r>
-              <a:rPr lang="hu-HU" sz="4800" u="sng" dirty="0"/>
-              <a:t>Eszközök</a:t>
-            </a:r>
-          </a:p>
-        </p:txBody>
-      </p:sp>
-      <p:sp>
-        <p:nvSpPr>
-          <p:cNvPr id="6" name="Téglalap: lekerekített 5">
-            <a:extLst>
-              <a:ext uri="{FF2B5EF4-FFF2-40B4-BE49-F238E27FC236}">
-                <a16:creationId xmlns:a16="http://schemas.microsoft.com/office/drawing/2014/main" id="{71B51E74-ABBA-4D07-BF83-E36C2F5CF003}"/>
-              </a:ext>
-            </a:extLst>
-          </p:cNvPr>
-          <p:cNvSpPr/>
-          <p:nvPr/>
-        </p:nvSpPr>
-        <p:spPr>
-          <a:xfrm>
-            <a:off x="12878415" y="-935908"/>
+            <a:off x="-1322439" y="-1069258"/>
             <a:ext cx="14836877" cy="8996516"/>
           </a:xfrm>
           <a:prstGeom prst="roundRect">
@@ -11043,6 +10889,42 @@
           <a:p>
             <a:pPr algn="ctr"/>
             <a:endParaRPr lang="hu-HU"/>
+          </a:p>
+        </p:txBody>
+      </p:sp>
+      <p:sp>
+        <p:nvSpPr>
+          <p:cNvPr id="2" name="Cím 1">
+            <a:extLst>
+              <a:ext uri="{FF2B5EF4-FFF2-40B4-BE49-F238E27FC236}">
+                <a16:creationId xmlns:a16="http://schemas.microsoft.com/office/drawing/2014/main" id="{02282DF4-002C-412E-A4FB-0F663EF5CBE2}"/>
+              </a:ext>
+            </a:extLst>
+          </p:cNvPr>
+          <p:cNvSpPr>
+            <a:spLocks noGrp="1"/>
+          </p:cNvSpPr>
+          <p:nvPr>
+            <p:ph type="title"/>
+          </p:nvPr>
+        </p:nvSpPr>
+        <p:spPr>
+          <a:xfrm>
+            <a:off x="838200" y="-53002"/>
+            <a:ext cx="10515600" cy="1325563"/>
+          </a:xfrm>
+        </p:spPr>
+        <p:txBody>
+          <a:bodyPr>
+            <a:normAutofit/>
+          </a:bodyPr>
+          <a:lstStyle/>
+          <a:p>
+            <a:pPr algn="ctr"/>
+            <a:r>
+              <a:rPr lang="hu-HU" sz="4800" u="sng" dirty="0"/>
+              <a:t>Eszközök</a:t>
+            </a:r>
           </a:p>
         </p:txBody>
       </p:sp>
@@ -11496,55 +11378,19 @@
       </p:grpSpPr>
       <p:sp>
         <p:nvSpPr>
-          <p:cNvPr id="2" name="Cím 1">
-            <a:extLst>
-              <a:ext uri="{FF2B5EF4-FFF2-40B4-BE49-F238E27FC236}">
-                <a16:creationId xmlns:a16="http://schemas.microsoft.com/office/drawing/2014/main" id="{02282DF4-002C-412E-A4FB-0F663EF5CBE2}"/>
-              </a:ext>
-            </a:extLst>
-          </p:cNvPr>
-          <p:cNvSpPr>
-            <a:spLocks noGrp="1"/>
-          </p:cNvSpPr>
-          <p:nvPr>
-            <p:ph type="title"/>
-          </p:nvPr>
+          <p:cNvPr id="6" name="Téglalap: lekerekített 5">
+            <a:extLst>
+              <a:ext uri="{FF2B5EF4-FFF2-40B4-BE49-F238E27FC236}">
+                <a16:creationId xmlns:a16="http://schemas.microsoft.com/office/drawing/2014/main" id="{71B51E74-ABBA-4D07-BF83-E36C2F5CF003}"/>
+              </a:ext>
+            </a:extLst>
+          </p:cNvPr>
+          <p:cNvSpPr/>
+          <p:nvPr/>
         </p:nvSpPr>
         <p:spPr>
           <a:xfrm>
-            <a:off x="838200" y="-53002"/>
-            <a:ext cx="10515600" cy="1325563"/>
-          </a:xfrm>
-        </p:spPr>
-        <p:txBody>
-          <a:bodyPr>
-            <a:normAutofit/>
-          </a:bodyPr>
-          <a:lstStyle/>
-          <a:p>
-            <a:pPr algn="ctr"/>
-            <a:r>
-              <a:rPr lang="hu-HU" sz="4800" u="sng" dirty="0"/>
-              <a:t>Eszközök</a:t>
-            </a:r>
-          </a:p>
-        </p:txBody>
-      </p:sp>
-      <p:sp>
-        <p:nvSpPr>
-          <p:cNvPr id="6" name="Téglalap: lekerekített 5">
-            <a:extLst>
-              <a:ext uri="{FF2B5EF4-FFF2-40B4-BE49-F238E27FC236}">
-                <a16:creationId xmlns:a16="http://schemas.microsoft.com/office/drawing/2014/main" id="{71B51E74-ABBA-4D07-BF83-E36C2F5CF003}"/>
-              </a:ext>
-            </a:extLst>
-          </p:cNvPr>
-          <p:cNvSpPr/>
-          <p:nvPr/>
-        </p:nvSpPr>
-        <p:spPr>
-          <a:xfrm>
-            <a:off x="12878415" y="-935908"/>
+            <a:off x="-1069943" y="-1069258"/>
             <a:ext cx="14836877" cy="8996516"/>
           </a:xfrm>
           <a:prstGeom prst="roundRect">
@@ -11584,6 +11430,42 @@
           <a:p>
             <a:pPr algn="ctr"/>
             <a:endParaRPr lang="hu-HU"/>
+          </a:p>
+        </p:txBody>
+      </p:sp>
+      <p:sp>
+        <p:nvSpPr>
+          <p:cNvPr id="2" name="Cím 1">
+            <a:extLst>
+              <a:ext uri="{FF2B5EF4-FFF2-40B4-BE49-F238E27FC236}">
+                <a16:creationId xmlns:a16="http://schemas.microsoft.com/office/drawing/2014/main" id="{02282DF4-002C-412E-A4FB-0F663EF5CBE2}"/>
+              </a:ext>
+            </a:extLst>
+          </p:cNvPr>
+          <p:cNvSpPr>
+            <a:spLocks noGrp="1"/>
+          </p:cNvSpPr>
+          <p:nvPr>
+            <p:ph type="title"/>
+          </p:nvPr>
+        </p:nvSpPr>
+        <p:spPr>
+          <a:xfrm>
+            <a:off x="838200" y="-53002"/>
+            <a:ext cx="10515600" cy="1325563"/>
+          </a:xfrm>
+        </p:spPr>
+        <p:txBody>
+          <a:bodyPr>
+            <a:normAutofit/>
+          </a:bodyPr>
+          <a:lstStyle/>
+          <a:p>
+            <a:pPr algn="ctr"/>
+            <a:r>
+              <a:rPr lang="hu-HU" sz="4800" u="sng" dirty="0"/>
+              <a:t>Eszközök</a:t>
+            </a:r>
           </a:p>
         </p:txBody>
       </p:sp>

--- a/Hálózati Prezentáció.pptx
+++ b/Hálózati Prezentáció.pptx
@@ -210,7 +210,7 @@
           <a:p>
             <a:fld id="{64563AD4-8E0D-452A-BD67-5DBE9F206AC9}" type="datetimeFigureOut">
               <a:rPr lang="hu-HU" smtClean="0"/>
-              <a:t>2024.05.13</a:t>
+              <a:t>2024. 05. 26.</a:t>
             </a:fld>
             <a:endParaRPr lang="hu-HU"/>
           </a:p>
@@ -1296,7 +1296,7 @@
           <a:p>
             <a:fld id="{A9B348CB-91B4-4F03-9DE7-E8D07802DFF7}" type="datetimeFigureOut">
               <a:rPr lang="hu-HU" smtClean="0"/>
-              <a:t>2024.05.13</a:t>
+              <a:t>2024. 05. 26.</a:t>
             </a:fld>
             <a:endParaRPr lang="hu-HU"/>
           </a:p>
@@ -1494,7 +1494,7 @@
           <a:p>
             <a:fld id="{A9B348CB-91B4-4F03-9DE7-E8D07802DFF7}" type="datetimeFigureOut">
               <a:rPr lang="hu-HU" smtClean="0"/>
-              <a:t>2024.05.13</a:t>
+              <a:t>2024. 05. 26.</a:t>
             </a:fld>
             <a:endParaRPr lang="hu-HU"/>
           </a:p>
@@ -1702,7 +1702,7 @@
           <a:p>
             <a:fld id="{A9B348CB-91B4-4F03-9DE7-E8D07802DFF7}" type="datetimeFigureOut">
               <a:rPr lang="hu-HU" smtClean="0"/>
-              <a:t>2024.05.13</a:t>
+              <a:t>2024. 05. 26.</a:t>
             </a:fld>
             <a:endParaRPr lang="hu-HU"/>
           </a:p>
@@ -1900,7 +1900,7 @@
           <a:p>
             <a:fld id="{A9B348CB-91B4-4F03-9DE7-E8D07802DFF7}" type="datetimeFigureOut">
               <a:rPr lang="hu-HU" smtClean="0"/>
-              <a:t>2024.05.13</a:t>
+              <a:t>2024. 05. 26.</a:t>
             </a:fld>
             <a:endParaRPr lang="hu-HU"/>
           </a:p>
@@ -2175,7 +2175,7 @@
           <a:p>
             <a:fld id="{A9B348CB-91B4-4F03-9DE7-E8D07802DFF7}" type="datetimeFigureOut">
               <a:rPr lang="hu-HU" smtClean="0"/>
-              <a:t>2024.05.13</a:t>
+              <a:t>2024. 05. 26.</a:t>
             </a:fld>
             <a:endParaRPr lang="hu-HU"/>
           </a:p>
@@ -2440,7 +2440,7 @@
           <a:p>
             <a:fld id="{A9B348CB-91B4-4F03-9DE7-E8D07802DFF7}" type="datetimeFigureOut">
               <a:rPr lang="hu-HU" smtClean="0"/>
-              <a:t>2024.05.13</a:t>
+              <a:t>2024. 05. 26.</a:t>
             </a:fld>
             <a:endParaRPr lang="hu-HU"/>
           </a:p>
@@ -2852,7 +2852,7 @@
           <a:p>
             <a:fld id="{A9B348CB-91B4-4F03-9DE7-E8D07802DFF7}" type="datetimeFigureOut">
               <a:rPr lang="hu-HU" smtClean="0"/>
-              <a:t>2024.05.13</a:t>
+              <a:t>2024. 05. 26.</a:t>
             </a:fld>
             <a:endParaRPr lang="hu-HU"/>
           </a:p>
@@ -2993,7 +2993,7 @@
           <a:p>
             <a:fld id="{A9B348CB-91B4-4F03-9DE7-E8D07802DFF7}" type="datetimeFigureOut">
               <a:rPr lang="hu-HU" smtClean="0"/>
-              <a:t>2024.05.13</a:t>
+              <a:t>2024. 05. 26.</a:t>
             </a:fld>
             <a:endParaRPr lang="hu-HU"/>
           </a:p>
@@ -3106,7 +3106,7 @@
           <a:p>
             <a:fld id="{A9B348CB-91B4-4F03-9DE7-E8D07802DFF7}" type="datetimeFigureOut">
               <a:rPr lang="hu-HU" smtClean="0"/>
-              <a:t>2024.05.13</a:t>
+              <a:t>2024. 05. 26.</a:t>
             </a:fld>
             <a:endParaRPr lang="hu-HU"/>
           </a:p>
@@ -3417,7 +3417,7 @@
           <a:p>
             <a:fld id="{A9B348CB-91B4-4F03-9DE7-E8D07802DFF7}" type="datetimeFigureOut">
               <a:rPr lang="hu-HU" smtClean="0"/>
-              <a:t>2024.05.13</a:t>
+              <a:t>2024. 05. 26.</a:t>
             </a:fld>
             <a:endParaRPr lang="hu-HU"/>
           </a:p>
@@ -3705,7 +3705,7 @@
           <a:p>
             <a:fld id="{A9B348CB-91B4-4F03-9DE7-E8D07802DFF7}" type="datetimeFigureOut">
               <a:rPr lang="hu-HU" smtClean="0"/>
-              <a:t>2024.05.13</a:t>
+              <a:t>2024. 05. 26.</a:t>
             </a:fld>
             <a:endParaRPr lang="hu-HU"/>
           </a:p>
@@ -3946,7 +3946,7 @@
           <a:p>
             <a:fld id="{A9B348CB-91B4-4F03-9DE7-E8D07802DFF7}" type="datetimeFigureOut">
               <a:rPr lang="hu-HU" smtClean="0"/>
-              <a:t>2024.05.13</a:t>
+              <a:t>2024. 05. 26.</a:t>
             </a:fld>
             <a:endParaRPr lang="hu-HU"/>
           </a:p>
@@ -4564,6 +4564,13 @@
   <p:clrMapOvr>
     <a:masterClrMapping/>
   </p:clrMapOvr>
+  <p:timing>
+    <p:tnLst>
+      <p:par>
+        <p:cTn id="1" dur="indefinite" restart="never" nodeType="tmRoot"/>
+      </p:par>
+    </p:tnLst>
+  </p:timing>
 </p:sld>
 </file>
 
@@ -4686,35 +4693,6 @@
           </a:p>
         </p:txBody>
       </p:sp>
-      <p:pic>
-        <p:nvPicPr>
-          <p:cNvPr id="14" name="Tartalom helye 13">
-            <a:extLst>
-              <a:ext uri="{FF2B5EF4-FFF2-40B4-BE49-F238E27FC236}">
-                <a16:creationId xmlns:a16="http://schemas.microsoft.com/office/drawing/2014/main" id="{1A9B2314-312D-C881-36AE-4EFF03BF788F}"/>
-              </a:ext>
-            </a:extLst>
-          </p:cNvPr>
-          <p:cNvPicPr>
-            <a:picLocks noGrp="1" noChangeAspect="1"/>
-          </p:cNvPicPr>
-          <p:nvPr>
-            <p:ph idx="1"/>
-          </p:nvPr>
-        </p:nvPicPr>
-        <p:blipFill>
-          <a:blip r:embed="rId2"/>
-          <a:stretch>
-            <a:fillRect/>
-          </a:stretch>
-        </p:blipFill>
-        <p:spPr>
-          <a:xfrm>
-            <a:off x="550393" y="1270312"/>
-            <a:ext cx="8134565" cy="3069387"/>
-          </a:xfrm>
-        </p:spPr>
-      </p:pic>
       <p:sp>
         <p:nvSpPr>
           <p:cNvPr id="4" name="Téglalap: lekerekített 3">
@@ -4789,7 +4767,7 @@
           <p:nvPr/>
         </p:nvPicPr>
         <p:blipFill>
-          <a:blip r:embed="rId3"/>
+          <a:blip r:embed="rId2"/>
           <a:stretch>
             <a:fillRect/>
           </a:stretch>
@@ -4819,7 +4797,7 @@
           <p:nvPr/>
         </p:nvPicPr>
         <p:blipFill>
-          <a:blip r:embed="rId4"/>
+          <a:blip r:embed="rId3"/>
           <a:stretch>
             <a:fillRect/>
           </a:stretch>
@@ -4849,7 +4827,7 @@
           <p:nvPr/>
         </p:nvPicPr>
         <p:blipFill>
-          <a:blip r:embed="rId5"/>
+          <a:blip r:embed="rId4"/>
           <a:stretch>
             <a:fillRect/>
           </a:stretch>
@@ -5394,8 +5372,8 @@
         </p:nvSpPr>
         <p:spPr>
           <a:xfrm>
-            <a:off x="550393" y="4515643"/>
-            <a:ext cx="7114977" cy="1938992"/>
+            <a:off x="655901" y="4465890"/>
+            <a:ext cx="8989261" cy="1938992"/>
           </a:xfrm>
           <a:prstGeom prst="rect">
             <a:avLst/>
@@ -5413,17 +5391,14 @@
               <a:buChar char="•"/>
             </a:pPr>
             <a:r>
-              <a:rPr lang="hu-HU" sz="2400" dirty="0"/>
-              <a:t>Az iroda vezetők egy külön </a:t>
-            </a:r>
-            <a:r>
-              <a:rPr lang="hu-HU" sz="2400" dirty="0" err="1"/>
-              <a:t>vlan-on</a:t>
-            </a:r>
-            <a:r>
-              <a:rPr lang="hu-HU" sz="2400" dirty="0"/>
-              <a:t> helyezkednek el</a:t>
-            </a:r>
+              <a:rPr lang="pt-BR" sz="2400" dirty="0"/>
+              <a:t>Megtalálható 3 VLAN a hálózatban, a 10-es a felhasználóké, míg a 20-as a Főnököké és a 30-as a szervereké</a:t>
+            </a:r>
+            <a:r>
+              <a:rPr lang="pt-BR" sz="2400" dirty="0" smtClean="0"/>
+              <a:t>.</a:t>
+            </a:r>
+            <a:endParaRPr lang="hu-HU" sz="2400" dirty="0" smtClean="0"/>
           </a:p>
           <a:p>
             <a:pPr marL="342900" indent="-342900">
@@ -5431,8 +5406,12 @@
               <a:buChar char="•"/>
             </a:pPr>
             <a:r>
+              <a:rPr lang="hu-HU" sz="2400" dirty="0" smtClean="0"/>
+              <a:t>A </a:t>
+            </a:r>
+            <a:r>
               <a:rPr lang="hu-HU" sz="2400" dirty="0"/>
-              <a:t>A dinamikus címkiosztás érdekében DHCP-t alkalmaztunk, de a </a:t>
+              <a:t>dinamikus címkiosztás érdekében DHCP-t alkalmaztunk, de a </a:t>
             </a:r>
             <a:r>
               <a:rPr lang="hu-HU" sz="2400" dirty="0" err="1"/>
@@ -5811,6 +5790,49 @@
           </a:graphicData>
         </a:graphic>
       </p:graphicFrame>
+      <p:sp>
+        <p:nvSpPr>
+          <p:cNvPr id="3" name="Tartalom helye 2"/>
+          <p:cNvSpPr>
+            <a:spLocks noGrp="1"/>
+          </p:cNvSpPr>
+          <p:nvPr>
+            <p:ph idx="1"/>
+          </p:nvPr>
+        </p:nvSpPr>
+        <p:spPr/>
+        <p:txBody>
+          <a:bodyPr/>
+          <a:lstStyle/>
+          <a:p>
+            <a:endParaRPr lang="hu-HU" dirty="0"/>
+          </a:p>
+        </p:txBody>
+      </p:sp>
+      <p:pic>
+        <p:nvPicPr>
+          <p:cNvPr id="6" name="Kép 5"/>
+          <p:cNvPicPr>
+            <a:picLocks noChangeAspect="1"/>
+          </p:cNvPicPr>
+          <p:nvPr/>
+        </p:nvPicPr>
+        <p:blipFill>
+          <a:blip r:embed="rId5"/>
+          <a:stretch>
+            <a:fillRect/>
+          </a:stretch>
+        </p:blipFill>
+        <p:spPr>
+          <a:xfrm>
+            <a:off x="1122524" y="1619034"/>
+            <a:ext cx="6322057" cy="2728011"/>
+          </a:xfrm>
+          <a:prstGeom prst="rect">
+            <a:avLst/>
+          </a:prstGeom>
+        </p:spPr>
+      </p:pic>
     </p:spTree>
     <p:extLst>
       <p:ext uri="{BB962C8B-B14F-4D97-AF65-F5344CB8AC3E}">
@@ -5833,6 +5855,13 @@
       </p:transition>
     </mc:Fallback>
   </mc:AlternateContent>
+  <p:timing>
+    <p:tnLst>
+      <p:par>
+        <p:cTn id="1" dur="indefinite" restart="never" nodeType="tmRoot"/>
+      </p:par>
+    </p:tnLst>
+  </p:timing>
 </p:sld>
 </file>
 
@@ -6728,7 +6757,7 @@
         </p:nvGraphicFramePr>
         <p:xfrm>
           <a:off x="7775412" y="4225451"/>
-          <a:ext cx="3984788" cy="2394317"/>
+          <a:ext cx="3984788" cy="2407334"/>
         </p:xfrm>
         <a:graphic>
           <a:graphicData uri="http://schemas.openxmlformats.org/drawingml/2006/table">
@@ -7186,6 +7215,13 @@
       </p:transition>
     </mc:Fallback>
   </mc:AlternateContent>
+  <p:timing>
+    <p:tnLst>
+      <p:par>
+        <p:cTn id="1" dur="indefinite" restart="never" nodeType="tmRoot"/>
+      </p:par>
+    </p:tnLst>
+  </p:timing>
 </p:sld>
 </file>
 
@@ -8116,7 +8152,7 @@
         </p:nvGraphicFramePr>
         <p:xfrm>
           <a:off x="7746384" y="8183849"/>
-          <a:ext cx="3984788" cy="2394317"/>
+          <a:ext cx="3984788" cy="2407334"/>
         </p:xfrm>
         <a:graphic>
           <a:graphicData uri="http://schemas.openxmlformats.org/drawingml/2006/table">
@@ -9300,40 +9336,6 @@
       </p:sp>
       <p:pic>
         <p:nvPicPr>
-          <p:cNvPr id="8" name="Tartalom helye 7">
-            <a:extLst>
-              <a:ext uri="{FF2B5EF4-FFF2-40B4-BE49-F238E27FC236}">
-                <a16:creationId xmlns:a16="http://schemas.microsoft.com/office/drawing/2014/main" id="{6BE52837-9901-4F95-8042-30C7786E279B}"/>
-              </a:ext>
-            </a:extLst>
-          </p:cNvPr>
-          <p:cNvPicPr>
-            <a:picLocks noGrp="1" noChangeAspect="1"/>
-          </p:cNvPicPr>
-          <p:nvPr>
-            <p:ph idx="1"/>
-          </p:nvPr>
-        </p:nvPicPr>
-        <p:blipFill rotWithShape="1">
-          <a:blip r:embed="rId3">
-            <a:extLst>
-              <a:ext uri="{28A0092B-C50C-407E-A947-70E740481C1C}">
-                <a14:useLocalDpi xmlns:a14="http://schemas.microsoft.com/office/drawing/2010/main" val="0"/>
-              </a:ext>
-            </a:extLst>
-          </a:blip>
-          <a:srcRect l="2447" t="2210" r="7442" b="10524"/>
-          <a:stretch/>
-        </p:blipFill>
-        <p:spPr>
-          <a:xfrm>
-            <a:off x="671632" y="1067467"/>
-            <a:ext cx="10848736" cy="5486400"/>
-          </a:xfrm>
-        </p:spPr>
-      </p:pic>
-      <p:pic>
-        <p:nvPicPr>
           <p:cNvPr id="6" name="Kép 5">
             <a:extLst>
               <a:ext uri="{FF2B5EF4-FFF2-40B4-BE49-F238E27FC236}">
@@ -9347,7 +9349,7 @@
           <p:nvPr/>
         </p:nvPicPr>
         <p:blipFill>
-          <a:blip r:embed="rId4"/>
+          <a:blip r:embed="rId3"/>
           <a:stretch>
             <a:fillRect/>
           </a:stretch>
@@ -9365,6 +9367,49 @@
               <a:schemeClr val="tx1"/>
             </a:solidFill>
           </a:ln>
+        </p:spPr>
+      </p:pic>
+      <p:sp>
+        <p:nvSpPr>
+          <p:cNvPr id="3" name="Tartalom helye 2"/>
+          <p:cNvSpPr>
+            <a:spLocks noGrp="1"/>
+          </p:cNvSpPr>
+          <p:nvPr>
+            <p:ph idx="1"/>
+          </p:nvPr>
+        </p:nvSpPr>
+        <p:spPr/>
+        <p:txBody>
+          <a:bodyPr/>
+          <a:lstStyle/>
+          <a:p>
+            <a:endParaRPr lang="hu-HU"/>
+          </a:p>
+        </p:txBody>
+      </p:sp>
+      <p:pic>
+        <p:nvPicPr>
+          <p:cNvPr id="5" name="Kép 4"/>
+          <p:cNvPicPr>
+            <a:picLocks noChangeAspect="1"/>
+          </p:cNvPicPr>
+          <p:nvPr/>
+        </p:nvPicPr>
+        <p:blipFill>
+          <a:blip r:embed="rId4"/>
+          <a:stretch>
+            <a:fillRect/>
+          </a:stretch>
+        </p:blipFill>
+        <p:spPr>
+          <a:xfrm>
+            <a:off x="618392" y="1441088"/>
+            <a:ext cx="10415954" cy="5030109"/>
+          </a:xfrm>
+          <a:prstGeom prst="rect">
+            <a:avLst/>
+          </a:prstGeom>
         </p:spPr>
       </p:pic>
     </p:spTree>
@@ -9389,6 +9434,13 @@
       </p:transition>
     </mc:Fallback>
   </mc:AlternateContent>
+  <p:timing>
+    <p:tnLst>
+      <p:par>
+        <p:cTn id="1" dur="indefinite" restart="never" nodeType="tmRoot"/>
+      </p:par>
+    </p:tnLst>
+  </p:timing>
 </p:sld>
 </file>
 
@@ -9593,7 +9645,7 @@
             </a:solidFill>
             <a:extLst>
               <a:ext uri="{C807C97D-BFC1-408E-A445-0C87EB9F89A2}">
-                <ask:lineSketchStyleProps xmlns:ask="http://schemas.microsoft.com/office/drawing/2018/sketchyshapes" xmlns="" sd="1219033472">
+                <ask:lineSketchStyleProps xmlns="" xmlns:ask="http://schemas.microsoft.com/office/drawing/2018/sketchyshapes" sd="1219033472">
                   <a:custGeom>
                     <a:avLst/>
                     <a:gdLst>
@@ -9748,6 +9800,13 @@
       </p:transition>
     </mc:Fallback>
   </mc:AlternateContent>
+  <p:timing>
+    <p:tnLst>
+      <p:par>
+        <p:cTn id="1" dur="indefinite" restart="never" nodeType="tmRoot"/>
+      </p:par>
+    </p:tnLst>
+  </p:timing>
 </p:sld>
 </file>
 
@@ -10010,6 +10069,13 @@
       </p:transition>
     </mc:Fallback>
   </mc:AlternateContent>
+  <p:timing>
+    <p:tnLst>
+      <p:par>
+        <p:cTn id="1" dur="indefinite" restart="never" nodeType="tmRoot"/>
+      </p:par>
+    </p:tnLst>
+  </p:timing>
 </p:sld>
 </file>
 
@@ -10331,6 +10397,13 @@
       </p:transition>
     </mc:Fallback>
   </mc:AlternateContent>
+  <p:timing>
+    <p:tnLst>
+      <p:par>
+        <p:cTn id="1" dur="indefinite" restart="never" nodeType="tmRoot"/>
+      </p:par>
+    </p:tnLst>
+  </p:timing>
 </p:sld>
 </file>
 
@@ -10804,6 +10877,13 @@
       </p:transition>
     </mc:Fallback>
   </mc:AlternateContent>
+  <p:timing>
+    <p:tnLst>
+      <p:par>
+        <p:cTn id="1" dur="indefinite" restart="never" nodeType="tmRoot"/>
+      </p:par>
+    </p:tnLst>
+  </p:timing>
 </p:sld>
 </file>
 
@@ -11345,6 +11425,13 @@
       </p:transition>
     </mc:Fallback>
   </mc:AlternateContent>
+  <p:timing>
+    <p:tnLst>
+      <p:par>
+        <p:cTn id="1" dur="indefinite" restart="never" nodeType="tmRoot"/>
+      </p:par>
+    </p:tnLst>
+  </p:timing>
 </p:sld>
 </file>
 
@@ -11809,6 +11896,13 @@
       </p:transition>
     </mc:Fallback>
   </mc:AlternateContent>
+  <p:timing>
+    <p:tnLst>
+      <p:par>
+        <p:cTn id="1" dur="indefinite" restart="never" nodeType="tmRoot"/>
+      </p:par>
+    </p:tnLst>
+  </p:timing>
 </p:sld>
 </file>
 
@@ -12787,7 +12881,7 @@
         </p:nvGraphicFramePr>
         <p:xfrm>
           <a:off x="7775412" y="8145228"/>
-          <a:ext cx="3984788" cy="2394317"/>
+          <a:ext cx="3984788" cy="2407334"/>
         </p:xfrm>
         <a:graphic>
           <a:graphicData uri="http://schemas.openxmlformats.org/drawingml/2006/table">
@@ -13194,6 +13288,13 @@
       </p:transition>
     </mc:Fallback>
   </mc:AlternateContent>
+  <p:timing>
+    <p:tnLst>
+      <p:par>
+        <p:cTn id="1" dur="indefinite" restart="never" nodeType="tmRoot"/>
+      </p:par>
+    </p:tnLst>
+  </p:timing>
 </p:sld>
 </file>
 

--- a/Hálózati Prezentáció.pptx
+++ b/Hálózati Prezentáció.pptx
@@ -7345,10 +7345,10 @@
       </p:sp>
       <p:pic>
         <p:nvPicPr>
-          <p:cNvPr id="5" name="Kép 4">
-            <a:extLst>
-              <a:ext uri="{FF2B5EF4-FFF2-40B4-BE49-F238E27FC236}">
-                <a16:creationId xmlns:a16="http://schemas.microsoft.com/office/drawing/2014/main" id="{6759F4A8-DBAA-6AE9-0F7F-D4A27C77346C}"/>
+          <p:cNvPr id="9" name="Kép 8">
+            <a:extLst>
+              <a:ext uri="{FF2B5EF4-FFF2-40B4-BE49-F238E27FC236}">
+                <a16:creationId xmlns:a16="http://schemas.microsoft.com/office/drawing/2014/main" id="{8BF64BCF-E7A6-2088-EEBC-6BCE01483877}"/>
               </a:ext>
             </a:extLst>
           </p:cNvPr>
@@ -7359,36 +7359,6 @@
         </p:nvPicPr>
         <p:blipFill>
           <a:blip r:embed="rId2"/>
-          <a:stretch>
-            <a:fillRect/>
-          </a:stretch>
-        </p:blipFill>
-        <p:spPr>
-          <a:xfrm>
-            <a:off x="88900" y="986790"/>
-            <a:ext cx="6065113" cy="5756910"/>
-          </a:xfrm>
-          <a:prstGeom prst="rect">
-            <a:avLst/>
-          </a:prstGeom>
-        </p:spPr>
-      </p:pic>
-      <p:pic>
-        <p:nvPicPr>
-          <p:cNvPr id="9" name="Kép 8">
-            <a:extLst>
-              <a:ext uri="{FF2B5EF4-FFF2-40B4-BE49-F238E27FC236}">
-                <a16:creationId xmlns:a16="http://schemas.microsoft.com/office/drawing/2014/main" id="{8BF64BCF-E7A6-2088-EEBC-6BCE01483877}"/>
-              </a:ext>
-            </a:extLst>
-          </p:cNvPr>
-          <p:cNvPicPr>
-            <a:picLocks noChangeAspect="1"/>
-          </p:cNvPicPr>
-          <p:nvPr/>
-        </p:nvPicPr>
-        <p:blipFill>
-          <a:blip r:embed="rId3"/>
           <a:stretch>
             <a:fillRect/>
           </a:stretch>
@@ -7418,7 +7388,7 @@
           <p:nvPr/>
         </p:nvPicPr>
         <p:blipFill>
-          <a:blip r:embed="rId4"/>
+          <a:blip r:embed="rId3"/>
           <a:stretch>
             <a:fillRect/>
           </a:stretch>
@@ -7599,7 +7569,7 @@
           <p:nvPr/>
         </p:nvPicPr>
         <p:blipFill>
-          <a:blip r:embed="rId5"/>
+          <a:blip r:embed="rId4"/>
           <a:stretch>
             <a:fillRect/>
           </a:stretch>
@@ -8489,6 +8459,30 @@
           </a:graphicData>
         </a:graphic>
       </p:graphicFrame>
+      <p:pic>
+        <p:nvPicPr>
+          <p:cNvPr id="4" name="Kép 3"/>
+          <p:cNvPicPr>
+            <a:picLocks noChangeAspect="1"/>
+          </p:cNvPicPr>
+          <p:nvPr/>
+        </p:nvPicPr>
+        <p:blipFill>
+          <a:blip r:embed="rId5"/>
+          <a:stretch>
+            <a:fillRect/>
+          </a:stretch>
+        </p:blipFill>
+        <p:spPr>
+          <a:xfrm>
+            <a:off x="348683" y="986790"/>
+            <a:ext cx="4931303" cy="5690568"/>
+          </a:xfrm>
+          <a:prstGeom prst="rect">
+            <a:avLst/>
+          </a:prstGeom>
+        </p:spPr>
+      </p:pic>
     </p:spTree>
     <p:extLst>
       <p:ext uri="{BB962C8B-B14F-4D97-AF65-F5344CB8AC3E}">
@@ -9645,7 +9639,7 @@
             </a:solidFill>
             <a:extLst>
               <a:ext uri="{C807C97D-BFC1-408E-A445-0C87EB9F89A2}">
-                <ask:lineSketchStyleProps xmlns="" xmlns:ask="http://schemas.microsoft.com/office/drawing/2018/sketchyshapes" sd="1219033472">
+                <ask:lineSketchStyleProps xmlns:ask="http://schemas.microsoft.com/office/drawing/2018/sketchyshapes" xmlns="" sd="1219033472">
                   <a:custGeom>
                     <a:avLst/>
                     <a:gdLst>
